--- a/data-viz-03/component/recommendations-gestalt.pptx
+++ b/data-viz-03/component/recommendations-gestalt.pptx
@@ -878,6 +878,744 @@
             </a:pPr>
             <a:r>
               <a:rPr/>
+              <a:t>Notice</a:t>
+            </a:r>
+            <a:r>
+              <a:rPr/>
+              <a:t> </a:t>
+            </a:r>
+            <a:r>
+              <a:rPr/>
+              <a:t>how</a:t>
+            </a:r>
+            <a:r>
+              <a:rPr/>
+              <a:t> </a:t>
+            </a:r>
+            <a:r>
+              <a:rPr/>
+              <a:t>the</a:t>
+            </a:r>
+            <a:r>
+              <a:rPr/>
+              <a:t> </a:t>
+            </a:r>
+            <a:r>
+              <a:rPr/>
+              <a:t>labels</a:t>
+            </a:r>
+            <a:r>
+              <a:rPr/>
+              <a:t> </a:t>
+            </a:r>
+            <a:r>
+              <a:rPr/>
+              <a:t>in</a:t>
+            </a:r>
+            <a:r>
+              <a:rPr/>
+              <a:t> </a:t>
+            </a:r>
+            <a:r>
+              <a:rPr/>
+              <a:t>this</a:t>
+            </a:r>
+            <a:r>
+              <a:rPr/>
+              <a:t> </a:t>
+            </a:r>
+            <a:r>
+              <a:rPr/>
+              <a:t>example</a:t>
+            </a:r>
+            <a:r>
+              <a:rPr/>
+              <a:t> </a:t>
+            </a:r>
+            <a:r>
+              <a:rPr/>
+              <a:t>have</a:t>
+            </a:r>
+            <a:r>
+              <a:rPr/>
+              <a:t> </a:t>
+            </a:r>
+            <a:r>
+              <a:rPr/>
+              <a:t>been</a:t>
+            </a:r>
+            <a:r>
+              <a:rPr/>
+              <a:t> </a:t>
+            </a:r>
+            <a:r>
+              <a:rPr/>
+              <a:t>moved</a:t>
+            </a:r>
+            <a:r>
+              <a:rPr/>
+              <a:t> </a:t>
+            </a:r>
+            <a:r>
+              <a:rPr/>
+              <a:t>closer</a:t>
+            </a:r>
+            <a:r>
+              <a:rPr/>
+              <a:t> </a:t>
+            </a:r>
+            <a:r>
+              <a:rPr/>
+              <a:t>to</a:t>
+            </a:r>
+            <a:r>
+              <a:rPr/>
+              <a:t> </a:t>
+            </a:r>
+            <a:r>
+              <a:rPr/>
+              <a:t>the</a:t>
+            </a:r>
+            <a:r>
+              <a:rPr/>
+              <a:t> </a:t>
+            </a:r>
+            <a:r>
+              <a:rPr/>
+              <a:t>lines.</a:t>
+            </a:r>
+            <a:r>
+              <a:rPr/>
+              <a:t> </a:t>
+            </a:r>
+            <a:r>
+              <a:rPr/>
+              <a:t>The</a:t>
+            </a:r>
+            <a:r>
+              <a:rPr/>
+              <a:t> </a:t>
+            </a:r>
+            <a:r>
+              <a:rPr/>
+              <a:t>exploits</a:t>
+            </a:r>
+            <a:r>
+              <a:rPr/>
+              <a:t> </a:t>
+            </a:r>
+            <a:r>
+              <a:rPr/>
+              <a:t>the</a:t>
+            </a:r>
+            <a:r>
+              <a:rPr/>
+              <a:t> </a:t>
+            </a:r>
+            <a:r>
+              <a:rPr/>
+              <a:t>Gestalt</a:t>
+            </a:r>
+            <a:r>
+              <a:rPr/>
+              <a:t> </a:t>
+            </a:r>
+            <a:r>
+              <a:rPr/>
+              <a:t>principle</a:t>
+            </a:r>
+            <a:r>
+              <a:rPr/>
+              <a:t> </a:t>
+            </a:r>
+            <a:r>
+              <a:rPr/>
+              <a:t>of</a:t>
+            </a:r>
+            <a:r>
+              <a:rPr/>
+              <a:t> </a:t>
+            </a:r>
+            <a:r>
+              <a:rPr/>
+              <a:t>proximity.</a:t>
+            </a:r>
+            <a:r>
+              <a:rPr/>
+              <a:t> </a:t>
+            </a:r>
+            <a:r>
+              <a:rPr/>
+              <a:t>Notice</a:t>
+            </a:r>
+            <a:r>
+              <a:rPr/>
+              <a:t> </a:t>
+            </a:r>
+            <a:r>
+              <a:rPr/>
+              <a:t>how</a:t>
+            </a:r>
+            <a:r>
+              <a:rPr/>
+              <a:t> </a:t>
+            </a:r>
+            <a:r>
+              <a:rPr/>
+              <a:t>the</a:t>
+            </a:r>
+            <a:r>
+              <a:rPr/>
+              <a:t> </a:t>
+            </a:r>
+            <a:r>
+              <a:rPr/>
+              <a:t>names</a:t>
+            </a:r>
+            <a:r>
+              <a:rPr/>
+              <a:t> </a:t>
+            </a:r>
+            <a:r>
+              <a:rPr/>
+              <a:t>have</a:t>
+            </a:r>
+            <a:r>
+              <a:rPr/>
+              <a:t> </a:t>
+            </a:r>
+            <a:r>
+              <a:rPr/>
+              <a:t>the</a:t>
+            </a:r>
+            <a:r>
+              <a:rPr/>
+              <a:t> </a:t>
+            </a:r>
+            <a:r>
+              <a:rPr/>
+              <a:t>same</a:t>
+            </a:r>
+            <a:r>
+              <a:rPr/>
+              <a:t> </a:t>
+            </a:r>
+            <a:r>
+              <a:rPr/>
+              <a:t>colors</a:t>
+            </a:r>
+            <a:r>
+              <a:rPr/>
+              <a:t> </a:t>
+            </a:r>
+            <a:r>
+              <a:rPr/>
+              <a:t>as</a:t>
+            </a:r>
+            <a:r>
+              <a:rPr/>
+              <a:t> </a:t>
+            </a:r>
+            <a:r>
+              <a:rPr/>
+              <a:t>the</a:t>
+            </a:r>
+            <a:r>
+              <a:rPr/>
+              <a:t> </a:t>
+            </a:r>
+            <a:r>
+              <a:rPr/>
+              <a:t>lines.</a:t>
+            </a:r>
+            <a:r>
+              <a:rPr/>
+              <a:t> </a:t>
+            </a:r>
+            <a:r>
+              <a:rPr/>
+              <a:t>Thie</a:t>
+            </a:r>
+            <a:r>
+              <a:rPr/>
+              <a:t> </a:t>
+            </a:r>
+            <a:r>
+              <a:rPr/>
+              <a:t>exploits</a:t>
+            </a:r>
+            <a:r>
+              <a:rPr/>
+              <a:t> </a:t>
+            </a:r>
+            <a:r>
+              <a:rPr/>
+              <a:t>the</a:t>
+            </a:r>
+            <a:r>
+              <a:rPr/>
+              <a:t> </a:t>
+            </a:r>
+            <a:r>
+              <a:rPr/>
+              <a:t>Gestalt</a:t>
+            </a:r>
+            <a:r>
+              <a:rPr/>
+              <a:t> </a:t>
+            </a:r>
+            <a:r>
+              <a:rPr/>
+              <a:t>principle</a:t>
+            </a:r>
+            <a:r>
+              <a:rPr/>
+              <a:t> </a:t>
+            </a:r>
+            <a:r>
+              <a:rPr/>
+              <a:t>of</a:t>
+            </a:r>
+            <a:r>
+              <a:rPr/>
+              <a:t> </a:t>
+            </a:r>
+            <a:r>
+              <a:rPr/>
+              <a:t>similarity.</a:t>
+            </a:r>
+            <a:r>
+              <a:rPr/>
+              <a:t> </a:t>
+            </a:r>
+            <a:r>
+              <a:rPr/>
+              <a:t>It</a:t>
+            </a:r>
+            <a:r>
+              <a:rPr/>
+              <a:t> </a:t>
+            </a:r>
+            <a:r>
+              <a:rPr/>
+              <a:t>would</a:t>
+            </a:r>
+            <a:r>
+              <a:rPr/>
+              <a:t> </a:t>
+            </a:r>
+            <a:r>
+              <a:rPr/>
+              <a:t>be</a:t>
+            </a:r>
+            <a:r>
+              <a:rPr/>
+              <a:t> </a:t>
+            </a:r>
+            <a:r>
+              <a:rPr/>
+              <a:t>very</a:t>
+            </a:r>
+            <a:r>
+              <a:rPr/>
+              <a:t> </a:t>
+            </a:r>
+            <a:r>
+              <a:rPr/>
+              <a:t>hard</a:t>
+            </a:r>
+            <a:r>
+              <a:rPr/>
+              <a:t> </a:t>
+            </a:r>
+            <a:r>
+              <a:rPr/>
+              <a:t>to</a:t>
+            </a:r>
+            <a:r>
+              <a:rPr/>
+              <a:t> </a:t>
+            </a:r>
+            <a:r>
+              <a:rPr/>
+              <a:t>incorrectly</a:t>
+            </a:r>
+            <a:r>
+              <a:rPr/>
+              <a:t> </a:t>
+            </a:r>
+            <a:r>
+              <a:rPr/>
+              <a:t>assign</a:t>
+            </a:r>
+            <a:r>
+              <a:rPr/>
+              <a:t> </a:t>
+            </a:r>
+            <a:r>
+              <a:rPr/>
+              <a:t>the</a:t>
+            </a:r>
+            <a:r>
+              <a:rPr/>
+              <a:t> </a:t>
+            </a:r>
+            <a:r>
+              <a:rPr/>
+              <a:t>red</a:t>
+            </a:r>
+            <a:r>
+              <a:rPr/>
+              <a:t> </a:t>
+            </a:r>
+            <a:r>
+              <a:rPr/>
+              <a:t>label</a:t>
+            </a:r>
+            <a:r>
+              <a:rPr/>
+              <a:t> </a:t>
+            </a:r>
+            <a:r>
+              <a:rPr/>
+              <a:t>of</a:t>
+            </a:r>
+            <a:r>
+              <a:rPr/>
+              <a:t> </a:t>
+            </a:r>
+            <a:r>
+              <a:rPr/>
+              <a:t>Abel</a:t>
+            </a:r>
+            <a:r>
+              <a:rPr/>
+              <a:t> </a:t>
+            </a:r>
+            <a:r>
+              <a:rPr/>
+              <a:t>with</a:t>
+            </a:r>
+            <a:r>
+              <a:rPr/>
+              <a:t> </a:t>
+            </a:r>
+            <a:r>
+              <a:rPr/>
+              <a:t>the</a:t>
+            </a:r>
+            <a:r>
+              <a:rPr/>
+              <a:t> </a:t>
+            </a:r>
+            <a:r>
+              <a:rPr/>
+              <a:t>green</a:t>
+            </a:r>
+            <a:r>
+              <a:rPr/>
+              <a:t> </a:t>
+            </a:r>
+            <a:r>
+              <a:rPr/>
+              <a:t>line</a:t>
+            </a:r>
+            <a:r>
+              <a:rPr/>
+              <a:t> </a:t>
+            </a:r>
+            <a:r>
+              <a:rPr/>
+              <a:t>of</a:t>
+            </a:r>
+            <a:r>
+              <a:rPr/>
+              <a:t> </a:t>
+            </a:r>
+            <a:r>
+              <a:rPr/>
+              <a:t>Baker.</a:t>
+            </a:r>
+            <a:r>
+              <a:rPr/>
+              <a:t> </a:t>
+            </a:r>
+            <a:r>
+              <a:rPr/>
+              <a:t>Notice</a:t>
+            </a:r>
+            <a:r>
+              <a:rPr/>
+              <a:t> </a:t>
+            </a:r>
+            <a:r>
+              <a:rPr/>
+              <a:t>further</a:t>
+            </a:r>
+            <a:r>
+              <a:rPr/>
+              <a:t> </a:t>
+            </a:r>
+            <a:r>
+              <a:rPr/>
+              <a:t>that</a:t>
+            </a:r>
+            <a:r>
+              <a:rPr/>
+              <a:t> </a:t>
+            </a:r>
+            <a:r>
+              <a:rPr/>
+              <a:t>the</a:t>
+            </a:r>
+            <a:r>
+              <a:rPr/>
+              <a:t> </a:t>
+            </a:r>
+            <a:r>
+              <a:rPr/>
+              <a:t>labels</a:t>
+            </a:r>
+            <a:r>
+              <a:rPr/>
+              <a:t> </a:t>
+            </a:r>
+            <a:r>
+              <a:rPr/>
+              <a:t>have</a:t>
+            </a:r>
+            <a:r>
+              <a:rPr/>
+              <a:t> </a:t>
+            </a:r>
+            <a:r>
+              <a:rPr/>
+              <a:t>a</a:t>
+            </a:r>
+            <a:r>
+              <a:rPr/>
+              <a:t> </a:t>
+            </a:r>
+            <a:r>
+              <a:rPr/>
+              <a:t>slope</a:t>
+            </a:r>
+            <a:r>
+              <a:rPr/>
+              <a:t> </a:t>
+            </a:r>
+            <a:r>
+              <a:rPr/>
+              <a:t>that</a:t>
+            </a:r>
+            <a:r>
+              <a:rPr/>
+              <a:t> </a:t>
+            </a:r>
+            <a:r>
+              <a:rPr/>
+              <a:t>roughly</a:t>
+            </a:r>
+            <a:r>
+              <a:rPr/>
+              <a:t> </a:t>
+            </a:r>
+            <a:r>
+              <a:rPr/>
+              <a:t>matches</a:t>
+            </a:r>
+            <a:r>
+              <a:rPr/>
+              <a:t> </a:t>
+            </a:r>
+            <a:r>
+              <a:rPr/>
+              <a:t>the</a:t>
+            </a:r>
+            <a:r>
+              <a:rPr/>
+              <a:t> </a:t>
+            </a:r>
+            <a:r>
+              <a:rPr/>
+              <a:t>lines</a:t>
+            </a:r>
+            <a:r>
+              <a:rPr/>
+              <a:t> </a:t>
+            </a:r>
+            <a:r>
+              <a:rPr/>
+              <a:t>they</a:t>
+            </a:r>
+            <a:r>
+              <a:rPr/>
+              <a:t> </a:t>
+            </a:r>
+            <a:r>
+              <a:rPr/>
+              <a:t>are</a:t>
+            </a:r>
+            <a:r>
+              <a:rPr/>
+              <a:t> </a:t>
+            </a:r>
+            <a:r>
+              <a:rPr/>
+              <a:t>attached</a:t>
+            </a:r>
+            <a:r>
+              <a:rPr/>
+              <a:t> </a:t>
+            </a:r>
+            <a:r>
+              <a:rPr/>
+              <a:t>to.</a:t>
+            </a:r>
+            <a:r>
+              <a:rPr/>
+              <a:t> </a:t>
+            </a:r>
+            <a:r>
+              <a:rPr/>
+              <a:t>This</a:t>
+            </a:r>
+            <a:r>
+              <a:rPr/>
+              <a:t> </a:t>
+            </a:r>
+            <a:r>
+              <a:rPr/>
+              <a:t>exploits</a:t>
+            </a:r>
+            <a:r>
+              <a:rPr/>
+              <a:t> </a:t>
+            </a:r>
+            <a:r>
+              <a:rPr/>
+              <a:t>the</a:t>
+            </a:r>
+            <a:r>
+              <a:rPr/>
+              <a:t> </a:t>
+            </a:r>
+            <a:r>
+              <a:rPr/>
+              <a:t>Gestalt</a:t>
+            </a:r>
+            <a:r>
+              <a:rPr/>
+              <a:t> </a:t>
+            </a:r>
+            <a:r>
+              <a:rPr/>
+              <a:t>principle</a:t>
+            </a:r>
+            <a:r>
+              <a:rPr/>
+              <a:t> </a:t>
+            </a:r>
+            <a:r>
+              <a:rPr/>
+              <a:t>of</a:t>
+            </a:r>
+            <a:r>
+              <a:rPr/>
+              <a:t> </a:t>
+            </a:r>
+            <a:r>
+              <a:rPr/>
+              <a:t>common</a:t>
+            </a:r>
+            <a:r>
+              <a:rPr/>
+              <a:t> </a:t>
+            </a:r>
+            <a:r>
+              <a:rPr/>
+              <a:t>fate.</a:t>
+            </a:r>
+          </a:p>
+        </p:txBody>
+      </p:sp>
+      <p:sp>
+        <p:nvSpPr>
+          <p:cNvPr id="4" name="Slide Number Placeholder 3"/>
+          <p:cNvSpPr>
+            <a:spLocks noGrp="1"/>
+          </p:cNvSpPr>
+          <p:nvPr>
+            <p:ph type="sldNum" sz="quarter" idx="10"/>
+          </p:nvPr>
+        </p:nvSpPr>
+        <p:spPr/>
+        <p:txBody>
+          <a:bodyPr/>
+          <a:lstStyle/>
+          <a:p>
+            <a:fld id="{18BDFEC3-8487-43E8-A154-7C12CBC1FFF2}" type="slidenum">
+              <a:rPr lang="en-US"/>
+              <a:t>15</a:t>
+            </a:fld>
+            <a:endParaRPr lang="en-US"/>
+          </a:p>
+        </p:txBody>
+      </p:sp>
+    </p:spTree>
+  </p:cSld>
+</p:notes>
+</file>
+
+<file path=ppt/notesSlides/notesSlide11.xml><?xml version="1.0" encoding="utf-8"?>
+<p:notes xmlns:a="http://schemas.openxmlformats.org/drawingml/2006/main" xmlns:r="http://schemas.openxmlformats.org/officeDocument/2006/relationships" xmlns:p="http://schemas.openxmlformats.org/presentationml/2006/main">
+  <p:cSld>
+    <p:spTree>
+      <p:nvGrpSpPr>
+        <p:cNvPr id="1" name=""/>
+        <p:cNvGrpSpPr/>
+        <p:nvPr/>
+      </p:nvGrpSpPr>
+      <p:grpSpPr>
+        <a:xfrm>
+          <a:off x="0" y="0"/>
+          <a:ext cx="0" cy="0"/>
+          <a:chOff x="0" y="0"/>
+          <a:chExt cx="0" cy="0"/>
+        </a:xfrm>
+      </p:grpSpPr>
+      <p:sp>
+        <p:nvSpPr>
+          <p:cNvPr id="2" name="Slide Image Placeholder 1"/>
+          <p:cNvSpPr>
+            <a:spLocks noGrp="1" noRot="1" noChangeAspect="1"/>
+          </p:cNvSpPr>
+          <p:nvPr>
+            <p:ph type="sldImg"/>
+          </p:nvPr>
+        </p:nvSpPr>
+        <p:spPr/>
+      </p:sp>
+      <p:sp>
+        <p:nvSpPr>
+          <p:cNvPr id="3" name="Notes Placeholder 2"/>
+          <p:cNvSpPr>
+            <a:spLocks noGrp="1"/>
+          </p:cNvSpPr>
+          <p:nvPr>
+            <p:ph type="body" idx="1"/>
+          </p:nvPr>
+        </p:nvSpPr>
+        <p:spPr/>
+        <p:txBody>
+          <a:bodyPr/>
+          <a:lstStyle/>
+          <a:p>
+            <a:pPr lvl="0" marL="0" indent="0">
+              <a:buNone/>
+            </a:pPr>
+            <a:r>
+              <a:rPr/>
               <a:t>There</a:t>
             </a:r>
             <a:r>
@@ -1740,7 +2478,7 @@
             </a:pPr>
             <a:r>
               <a:rPr/>
-              <a:t>You</a:t>
+              <a:t>Here</a:t>
             </a:r>
             <a:r>
               <a:rPr/>
@@ -1756,22 +2494,6 @@
             </a:r>
             <a:r>
               <a:rPr/>
-              <a:t>relying</a:t>
-            </a:r>
-            <a:r>
-              <a:rPr/>
-              <a:t> </a:t>
-            </a:r>
-            <a:r>
-              <a:rPr/>
-              <a:t>on</a:t>
-            </a:r>
-            <a:r>
-              <a:rPr/>
-              <a:t> </a:t>
-            </a:r>
-            <a:r>
-              <a:rPr/>
               <a:t>the</a:t>
             </a:r>
             <a:r>
@@ -1780,47 +2502,87 @@
             </a:r>
             <a:r>
               <a:rPr/>
-              <a:t>principle</a:t>
-            </a:r>
-            <a:r>
-              <a:rPr/>
-              <a:t> </a:t>
-            </a:r>
-            <a:r>
-              <a:rPr/>
-              <a:t>of</a:t>
-            </a:r>
-            <a:r>
-              <a:rPr/>
-              <a:t> </a:t>
-            </a:r>
-            <a:r>
-              <a:rPr/>
-              <a:t>similarity,</a:t>
-            </a:r>
-            <a:r>
-              <a:rPr/>
-              <a:t> </a:t>
-            </a:r>
-            <a:r>
-              <a:rPr/>
-              <a:t>and</a:t>
-            </a:r>
-            <a:r>
-              <a:rPr/>
-              <a:t> </a:t>
-            </a:r>
-            <a:r>
-              <a:rPr/>
-              <a:t>there</a:t>
-            </a:r>
-            <a:r>
-              <a:rPr/>
-              <a:t> </a:t>
-            </a:r>
-            <a:r>
-              <a:rPr/>
-              <a:t>needs</a:t>
+              <a:t>shape</a:t>
+            </a:r>
+            <a:r>
+              <a:rPr/>
+              <a:t> </a:t>
+            </a:r>
+            <a:r>
+              <a:rPr/>
+              <a:t>choices</a:t>
+            </a:r>
+            <a:r>
+              <a:rPr/>
+              <a:t> </a:t>
+            </a:r>
+            <a:r>
+              <a:rPr/>
+              <a:t>available</a:t>
+            </a:r>
+            <a:r>
+              <a:rPr/>
+              <a:t> </a:t>
+            </a:r>
+            <a:r>
+              <a:rPr/>
+              <a:t>in</a:t>
+            </a:r>
+            <a:r>
+              <a:rPr/>
+              <a:t> </a:t>
+            </a:r>
+            <a:r>
+              <a:rPr/>
+              <a:t>R.</a:t>
+            </a:r>
+            <a:r>
+              <a:rPr/>
+              <a:t> </a:t>
+            </a:r>
+            <a:r>
+              <a:rPr/>
+              <a:t>It</a:t>
+            </a:r>
+            <a:r>
+              <a:rPr/>
+              <a:t> </a:t>
+            </a:r>
+            <a:r>
+              <a:rPr/>
+              <a:t>should</a:t>
+            </a:r>
+            <a:r>
+              <a:rPr/>
+              <a:t> </a:t>
+            </a:r>
+            <a:r>
+              <a:rPr/>
+              <a:t>not</a:t>
+            </a:r>
+            <a:r>
+              <a:rPr/>
+              <a:t> </a:t>
+            </a:r>
+            <a:r>
+              <a:rPr/>
+              <a:t>be</a:t>
+            </a:r>
+            <a:r>
+              <a:rPr/>
+              <a:t> </a:t>
+            </a:r>
+            <a:r>
+              <a:rPr/>
+              <a:t>too</a:t>
+            </a:r>
+            <a:r>
+              <a:rPr/>
+              <a:t> </a:t>
+            </a:r>
+            <a:r>
+              <a:rPr/>
+              <a:t>hard</a:t>
             </a:r>
             <a:r>
               <a:rPr/>
@@ -1836,255 +2598,79 @@
             </a:r>
             <a:r>
               <a:rPr/>
-              <a:t>be</a:t>
-            </a:r>
-            <a:r>
-              <a:rPr/>
-              <a:t> </a:t>
-            </a:r>
-            <a:r>
-              <a:rPr/>
-              <a:t>sufficient</a:t>
-            </a:r>
-            <a:r>
-              <a:rPr/>
-              <a:t> </a:t>
-            </a:r>
-            <a:r>
-              <a:rPr/>
-              <a:t>dissimilarity</a:t>
-            </a:r>
-            <a:r>
-              <a:rPr/>
-              <a:t> </a:t>
-            </a:r>
-            <a:r>
-              <a:rPr/>
-              <a:t>in</a:t>
-            </a:r>
-            <a:r>
-              <a:rPr/>
-              <a:t> </a:t>
-            </a:r>
-            <a:r>
-              <a:rPr/>
-              <a:t>the</a:t>
-            </a:r>
-            <a:r>
-              <a:rPr/>
-              <a:t> </a:t>
-            </a:r>
-            <a:r>
-              <a:rPr/>
-              <a:t>different</a:t>
-            </a:r>
-            <a:r>
-              <a:rPr/>
-              <a:t> </a:t>
-            </a:r>
-            <a:r>
-              <a:rPr/>
-              <a:t>symbols</a:t>
-            </a:r>
-            <a:r>
-              <a:rPr/>
-              <a:t> </a:t>
-            </a:r>
-            <a:r>
-              <a:rPr/>
-              <a:t>to</a:t>
-            </a:r>
-            <a:r>
-              <a:rPr/>
-              <a:t> </a:t>
-            </a:r>
-            <a:r>
-              <a:rPr/>
-              <a:t>make</a:t>
-            </a:r>
-            <a:r>
-              <a:rPr/>
-              <a:t> </a:t>
-            </a:r>
-            <a:r>
-              <a:rPr/>
-              <a:t>this</a:t>
-            </a:r>
-            <a:r>
-              <a:rPr/>
-              <a:t> </a:t>
-            </a:r>
-            <a:r>
-              <a:rPr/>
-              <a:t>work.</a:t>
-            </a:r>
-            <a:r>
-              <a:rPr/>
-              <a:t> </a:t>
-            </a:r>
-            <a:r>
-              <a:rPr/>
-              <a:t>A</a:t>
-            </a:r>
-            <a:r>
-              <a:rPr/>
-              <a:t> </a:t>
-            </a:r>
-            <a:r>
-              <a:rPr/>
-              <a:t>closed</a:t>
-            </a:r>
-            <a:r>
-              <a:rPr/>
-              <a:t> </a:t>
-            </a:r>
-            <a:r>
-              <a:rPr/>
-              <a:t>circle,</a:t>
-            </a:r>
-            <a:r>
-              <a:rPr/>
-              <a:t> </a:t>
-            </a:r>
-            <a:r>
-              <a:rPr/>
-              <a:t>a</a:t>
-            </a:r>
-            <a:r>
-              <a:rPr/>
-              <a:t> </a:t>
-            </a:r>
-            <a:r>
-              <a:rPr/>
-              <a:t>closed</a:t>
-            </a:r>
-            <a:r>
-              <a:rPr/>
-              <a:t> </a:t>
-            </a:r>
-            <a:r>
-              <a:rPr/>
-              <a:t>square,</a:t>
-            </a:r>
-            <a:r>
-              <a:rPr/>
-              <a:t> </a:t>
-            </a:r>
-            <a:r>
-              <a:rPr/>
-              <a:t>and</a:t>
-            </a:r>
-            <a:r>
-              <a:rPr/>
-              <a:t> </a:t>
-            </a:r>
-            <a:r>
-              <a:rPr/>
-              <a:t>a</a:t>
-            </a:r>
-            <a:r>
-              <a:rPr/>
-              <a:t> </a:t>
-            </a:r>
-            <a:r>
-              <a:rPr/>
-              <a:t>closed</a:t>
-            </a:r>
-            <a:r>
-              <a:rPr/>
-              <a:t> </a:t>
-            </a:r>
-            <a:r>
-              <a:rPr/>
-              <a:t>triangle</a:t>
-            </a:r>
-            <a:r>
-              <a:rPr/>
-              <a:t> </a:t>
-            </a:r>
-            <a:r>
-              <a:rPr/>
-              <a:t>all</a:t>
-            </a:r>
-            <a:r>
-              <a:rPr/>
-              <a:t> </a:t>
-            </a:r>
-            <a:r>
-              <a:rPr/>
-              <a:t>loop</a:t>
-            </a:r>
-            <a:r>
-              <a:rPr/>
-              <a:t> </a:t>
-            </a:r>
-            <a:r>
-              <a:rPr/>
-              <a:t>pretty</a:t>
-            </a:r>
-            <a:r>
-              <a:rPr/>
-              <a:t> </a:t>
-            </a:r>
-            <a:r>
-              <a:rPr/>
-              <a:t>much</a:t>
-            </a:r>
-            <a:r>
-              <a:rPr/>
-              <a:t> </a:t>
-            </a:r>
-            <a:r>
-              <a:rPr/>
-              <a:t>alike.</a:t>
-            </a:r>
-            <a:r>
-              <a:rPr/>
-              <a:t> </a:t>
-            </a:r>
-            <a:r>
-              <a:rPr/>
-              <a:t>How</a:t>
-            </a:r>
-            <a:r>
-              <a:rPr/>
-              <a:t> </a:t>
-            </a:r>
-            <a:r>
-              <a:rPr/>
-              <a:t>can</a:t>
-            </a:r>
-            <a:r>
-              <a:rPr/>
-              <a:t> </a:t>
-            </a:r>
-            <a:r>
-              <a:rPr/>
-              <a:t>you</a:t>
-            </a:r>
-            <a:r>
-              <a:rPr/>
-              <a:t> </a:t>
-            </a:r>
-            <a:r>
-              <a:rPr/>
-              <a:t>get</a:t>
-            </a:r>
-            <a:r>
-              <a:rPr/>
-              <a:t> </a:t>
-            </a:r>
-            <a:r>
-              <a:rPr/>
-              <a:t>more</a:t>
-            </a:r>
-            <a:r>
-              <a:rPr/>
-              <a:t> </a:t>
-            </a:r>
-            <a:r>
-              <a:rPr/>
-              <a:t>contrast?</a:t>
+              <a:t>choose</a:t>
+            </a:r>
+            <a:r>
+              <a:rPr/>
+              <a:t> </a:t>
+            </a:r>
+            <a:r>
+              <a:rPr/>
+              <a:t>three</a:t>
+            </a:r>
+            <a:r>
+              <a:rPr/>
+              <a:t> </a:t>
+            </a:r>
+            <a:r>
+              <a:rPr/>
+              <a:t>shapes</a:t>
+            </a:r>
+            <a:r>
+              <a:rPr/>
+              <a:t> </a:t>
+            </a:r>
+            <a:r>
+              <a:rPr/>
+              <a:t>that</a:t>
+            </a:r>
+            <a:r>
+              <a:rPr/>
+              <a:t> </a:t>
+            </a:r>
+            <a:r>
+              <a:rPr/>
+              <a:t>are</a:t>
+            </a:r>
+            <a:r>
+              <a:rPr/>
+              <a:t> </a:t>
+            </a:r>
+            <a:r>
+              <a:rPr/>
+              <a:t>markedly</a:t>
+            </a:r>
+            <a:r>
+              <a:rPr/>
+              <a:t> </a:t>
+            </a:r>
+            <a:r>
+              <a:rPr/>
+              <a:t>distinct</a:t>
+            </a:r>
+            <a:r>
+              <a:rPr/>
+              <a:t> </a:t>
+            </a:r>
+            <a:r>
+              <a:rPr/>
+              <a:t>from</a:t>
+            </a:r>
+            <a:r>
+              <a:rPr/>
+              <a:t> </a:t>
+            </a:r>
+            <a:r>
+              <a:rPr/>
+              <a:t>one</a:t>
+            </a:r>
+            <a:r>
+              <a:rPr/>
+              <a:t> </a:t>
+            </a:r>
+            <a:r>
+              <a:rPr/>
+              <a:t>another.</a:t>
             </a:r>
           </a:p>
         </p:txBody>
@@ -2106,7 +2692,7 @@
           <a:p>
             <a:fld id="{18BDFEC3-8487-43E8-A154-7C12CBC1FFF2}" type="slidenum">
               <a:rPr lang="en-US"/>
-              <a:t>7</a:t>
+              <a:t>6</a:t>
             </a:fld>
             <a:endParaRPr lang="en-US"/>
           </a:p>
@@ -2166,6 +2752,46 @@
             </a:pPr>
             <a:r>
               <a:rPr/>
+              <a:t>Here</a:t>
+            </a:r>
+            <a:r>
+              <a:rPr/>
+              <a:t> </a:t>
+            </a:r>
+            <a:r>
+              <a:rPr/>
+              <a:t>is</a:t>
+            </a:r>
+            <a:r>
+              <a:rPr/>
+              <a:t> </a:t>
+            </a:r>
+            <a:r>
+              <a:rPr/>
+              <a:t>one</a:t>
+            </a:r>
+            <a:r>
+              <a:rPr/>
+              <a:t> </a:t>
+            </a:r>
+            <a:r>
+              <a:rPr/>
+              <a:t>possible</a:t>
+            </a:r>
+            <a:r>
+              <a:rPr/>
+              <a:t> </a:t>
+            </a:r>
+            <a:r>
+              <a:rPr/>
+              <a:t>choice.</a:t>
+            </a:r>
+            <a:r>
+              <a:rPr/>
+              <a:t> </a:t>
+            </a:r>
+            <a:r>
+              <a:rPr/>
               <a:t>You</a:t>
             </a:r>
             <a:r>
@@ -2174,23 +2800,63 @@
             </a:r>
             <a:r>
               <a:rPr/>
-              <a:t>are</a:t>
-            </a:r>
-            <a:r>
-              <a:rPr/>
-              <a:t> </a:t>
-            </a:r>
-            <a:r>
-              <a:rPr/>
-              <a:t>relying</a:t>
-            </a:r>
-            <a:r>
-              <a:rPr/>
-              <a:t> </a:t>
-            </a:r>
-            <a:r>
-              <a:rPr/>
-              <a:t>on</a:t>
+              <a:t>can</a:t>
+            </a:r>
+            <a:r>
+              <a:rPr/>
+              <a:t> </a:t>
+            </a:r>
+            <a:r>
+              <a:rPr/>
+              <a:t>more</a:t>
+            </a:r>
+            <a:r>
+              <a:rPr/>
+              <a:t> </a:t>
+            </a:r>
+            <a:r>
+              <a:rPr/>
+              <a:t>clearly</a:t>
+            </a:r>
+            <a:r>
+              <a:rPr/>
+              <a:t> </a:t>
+            </a:r>
+            <a:r>
+              <a:rPr/>
+              <a:t>see</a:t>
+            </a:r>
+            <a:r>
+              <a:rPr/>
+              <a:t> </a:t>
+            </a:r>
+            <a:r>
+              <a:rPr/>
+              <a:t>differences</a:t>
+            </a:r>
+            <a:r>
+              <a:rPr/>
+              <a:t> </a:t>
+            </a:r>
+            <a:r>
+              <a:rPr/>
+              <a:t>when</a:t>
+            </a:r>
+            <a:r>
+              <a:rPr/>
+              <a:t> </a:t>
+            </a:r>
+            <a:r>
+              <a:rPr/>
+              <a:t>you</a:t>
+            </a:r>
+            <a:r>
+              <a:rPr/>
+              <a:t> </a:t>
+            </a:r>
+            <a:r>
+              <a:rPr/>
+              <a:t>use</a:t>
             </a:r>
             <a:r>
               <a:rPr/>
@@ -2206,23 +2872,31 @@
             </a:r>
             <a:r>
               <a:rPr/>
-              <a:t>principle</a:t>
-            </a:r>
-            <a:r>
-              <a:rPr/>
-              <a:t> </a:t>
-            </a:r>
-            <a:r>
-              <a:rPr/>
-              <a:t>of</a:t>
-            </a:r>
-            <a:r>
-              <a:rPr/>
-              <a:t> </a:t>
-            </a:r>
-            <a:r>
-              <a:rPr/>
-              <a:t>similarity,</a:t>
+              <a:t>solid</a:t>
+            </a:r>
+            <a:r>
+              <a:rPr/>
+              <a:t> </a:t>
+            </a:r>
+            <a:r>
+              <a:rPr/>
+              <a:t>square,</a:t>
+            </a:r>
+            <a:r>
+              <a:rPr/>
+              <a:t> </a:t>
+            </a:r>
+            <a:r>
+              <a:rPr/>
+              <a:t>open</a:t>
+            </a:r>
+            <a:r>
+              <a:rPr/>
+              <a:t> </a:t>
+            </a:r>
+            <a:r>
+              <a:rPr/>
+              <a:t>circle,</a:t>
             </a:r>
             <a:r>
               <a:rPr/>
@@ -2238,47 +2912,111 @@
             </a:r>
             <a:r>
               <a:rPr/>
-              <a:t>there</a:t>
-            </a:r>
-            <a:r>
-              <a:rPr/>
-              <a:t> </a:t>
-            </a:r>
-            <a:r>
-              <a:rPr/>
-              <a:t>needs</a:t>
-            </a:r>
-            <a:r>
-              <a:rPr/>
-              <a:t> </a:t>
-            </a:r>
-            <a:r>
-              <a:rPr/>
-              <a:t>to</a:t>
-            </a:r>
-            <a:r>
-              <a:rPr/>
-              <a:t> </a:t>
-            </a:r>
-            <a:r>
-              <a:rPr/>
-              <a:t>be</a:t>
-            </a:r>
-            <a:r>
-              <a:rPr/>
-              <a:t> </a:t>
-            </a:r>
-            <a:r>
-              <a:rPr/>
-              <a:t>sufficient</a:t>
-            </a:r>
-            <a:r>
-              <a:rPr/>
-              <a:t> </a:t>
-            </a:r>
-            <a:r>
-              <a:rPr/>
-              <a:t>dissimilarity</a:t>
+              <a:t>plus</a:t>
+            </a:r>
+            <a:r>
+              <a:rPr/>
+              <a:t> </a:t>
+            </a:r>
+            <a:r>
+              <a:rPr/>
+              <a:t>sign.</a:t>
+            </a:r>
+            <a:r>
+              <a:rPr/>
+              <a:t> </a:t>
+            </a:r>
+            <a:r>
+              <a:rPr/>
+              <a:t>It</a:t>
+            </a:r>
+            <a:r>
+              <a:rPr/>
+              <a:t> </a:t>
+            </a:r>
+            <a:r>
+              <a:rPr/>
+              <a:t>gets</a:t>
+            </a:r>
+            <a:r>
+              <a:rPr/>
+              <a:t> </a:t>
+            </a:r>
+            <a:r>
+              <a:rPr/>
+              <a:t>more</a:t>
+            </a:r>
+            <a:r>
+              <a:rPr/>
+              <a:t> </a:t>
+            </a:r>
+            <a:r>
+              <a:rPr/>
+              <a:t>difficult</a:t>
+            </a:r>
+            <a:r>
+              <a:rPr/>
+              <a:t> </a:t>
+            </a:r>
+            <a:r>
+              <a:rPr/>
+              <a:t>if</a:t>
+            </a:r>
+            <a:r>
+              <a:rPr/>
+              <a:t> </a:t>
+            </a:r>
+            <a:r>
+              <a:rPr/>
+              <a:t>you</a:t>
+            </a:r>
+            <a:r>
+              <a:rPr/>
+              <a:t> </a:t>
+            </a:r>
+            <a:r>
+              <a:rPr/>
+              <a:t>have</a:t>
+            </a:r>
+            <a:r>
+              <a:rPr/>
+              <a:t> </a:t>
+            </a:r>
+            <a:r>
+              <a:rPr/>
+              <a:t>a</a:t>
+            </a:r>
+            <a:r>
+              <a:rPr/>
+              <a:t> </a:t>
+            </a:r>
+            <a:r>
+              <a:rPr/>
+              <a:t>fourth</a:t>
+            </a:r>
+            <a:r>
+              <a:rPr/>
+              <a:t> </a:t>
+            </a:r>
+            <a:r>
+              <a:rPr/>
+              <a:t>or</a:t>
+            </a:r>
+            <a:r>
+              <a:rPr/>
+              <a:t> </a:t>
+            </a:r>
+            <a:r>
+              <a:rPr/>
+              <a:t>fifth</a:t>
+            </a:r>
+            <a:r>
+              <a:rPr/>
+              <a:t> </a:t>
+            </a:r>
+            <a:r>
+              <a:rPr/>
+              <a:t>symbol</a:t>
             </a:r>
             <a:r>
               <a:rPr/>
@@ -2302,215 +3040,7 @@
             </a:r>
             <a:r>
               <a:rPr/>
-              <a:t>different</a:t>
-            </a:r>
-            <a:r>
-              <a:rPr/>
-              <a:t> </a:t>
-            </a:r>
-            <a:r>
-              <a:rPr/>
-              <a:t>symbols</a:t>
-            </a:r>
-            <a:r>
-              <a:rPr/>
-              <a:t> </a:t>
-            </a:r>
-            <a:r>
-              <a:rPr/>
-              <a:t>to</a:t>
-            </a:r>
-            <a:r>
-              <a:rPr/>
-              <a:t> </a:t>
-            </a:r>
-            <a:r>
-              <a:rPr/>
-              <a:t>make</a:t>
-            </a:r>
-            <a:r>
-              <a:rPr/>
-              <a:t> </a:t>
-            </a:r>
-            <a:r>
-              <a:rPr/>
-              <a:t>this</a:t>
-            </a:r>
-            <a:r>
-              <a:rPr/>
-              <a:t> </a:t>
-            </a:r>
-            <a:r>
-              <a:rPr/>
-              <a:t>work.</a:t>
-            </a:r>
-            <a:r>
-              <a:rPr/>
-              <a:t> </a:t>
-            </a:r>
-            <a:r>
-              <a:rPr/>
-              <a:t>A</a:t>
-            </a:r>
-            <a:r>
-              <a:rPr/>
-              <a:t> </a:t>
-            </a:r>
-            <a:r>
-              <a:rPr/>
-              <a:t>closed</a:t>
-            </a:r>
-            <a:r>
-              <a:rPr/>
-              <a:t> </a:t>
-            </a:r>
-            <a:r>
-              <a:rPr/>
-              <a:t>circle,</a:t>
-            </a:r>
-            <a:r>
-              <a:rPr/>
-              <a:t> </a:t>
-            </a:r>
-            <a:r>
-              <a:rPr/>
-              <a:t>a</a:t>
-            </a:r>
-            <a:r>
-              <a:rPr/>
-              <a:t> </a:t>
-            </a:r>
-            <a:r>
-              <a:rPr/>
-              <a:t>closed</a:t>
-            </a:r>
-            <a:r>
-              <a:rPr/>
-              <a:t> </a:t>
-            </a:r>
-            <a:r>
-              <a:rPr/>
-              <a:t>square,</a:t>
-            </a:r>
-            <a:r>
-              <a:rPr/>
-              <a:t> </a:t>
-            </a:r>
-            <a:r>
-              <a:rPr/>
-              <a:t>and</a:t>
-            </a:r>
-            <a:r>
-              <a:rPr/>
-              <a:t> </a:t>
-            </a:r>
-            <a:r>
-              <a:rPr/>
-              <a:t>a</a:t>
-            </a:r>
-            <a:r>
-              <a:rPr/>
-              <a:t> </a:t>
-            </a:r>
-            <a:r>
-              <a:rPr/>
-              <a:t>closed</a:t>
-            </a:r>
-            <a:r>
-              <a:rPr/>
-              <a:t> </a:t>
-            </a:r>
-            <a:r>
-              <a:rPr/>
-              <a:t>triangle</a:t>
-            </a:r>
-            <a:r>
-              <a:rPr/>
-              <a:t> </a:t>
-            </a:r>
-            <a:r>
-              <a:rPr/>
-              <a:t>all</a:t>
-            </a:r>
-            <a:r>
-              <a:rPr/>
-              <a:t> </a:t>
-            </a:r>
-            <a:r>
-              <a:rPr/>
-              <a:t>loop</a:t>
-            </a:r>
-            <a:r>
-              <a:rPr/>
-              <a:t> </a:t>
-            </a:r>
-            <a:r>
-              <a:rPr/>
-              <a:t>pretty</a:t>
-            </a:r>
-            <a:r>
-              <a:rPr/>
-              <a:t> </a:t>
-            </a:r>
-            <a:r>
-              <a:rPr/>
-              <a:t>much</a:t>
-            </a:r>
-            <a:r>
-              <a:rPr/>
-              <a:t> </a:t>
-            </a:r>
-            <a:r>
-              <a:rPr/>
-              <a:t>alike.</a:t>
-            </a:r>
-            <a:r>
-              <a:rPr/>
-              <a:t> </a:t>
-            </a:r>
-            <a:r>
-              <a:rPr/>
-              <a:t>How</a:t>
-            </a:r>
-            <a:r>
-              <a:rPr/>
-              <a:t> </a:t>
-            </a:r>
-            <a:r>
-              <a:rPr/>
-              <a:t>can</a:t>
-            </a:r>
-            <a:r>
-              <a:rPr/>
-              <a:t> </a:t>
-            </a:r>
-            <a:r>
-              <a:rPr/>
-              <a:t>you</a:t>
-            </a:r>
-            <a:r>
-              <a:rPr/>
-              <a:t> </a:t>
-            </a:r>
-            <a:r>
-              <a:rPr/>
-              <a:t>get</a:t>
-            </a:r>
-            <a:r>
-              <a:rPr/>
-              <a:t> </a:t>
-            </a:r>
-            <a:r>
-              <a:rPr/>
-              <a:t>more</a:t>
-            </a:r>
-            <a:r>
-              <a:rPr/>
-              <a:t> </a:t>
-            </a:r>
-            <a:r>
-              <a:rPr/>
-              <a:t>contrast?</a:t>
+              <a:t>mix.</a:t>
             </a:r>
           </a:p>
         </p:txBody>
@@ -2532,7 +3062,7 @@
           <a:p>
             <a:fld id="{18BDFEC3-8487-43E8-A154-7C12CBC1FFF2}" type="slidenum">
               <a:rPr lang="en-US"/>
-              <a:t>8</a:t>
+              <a:t>7</a:t>
             </a:fld>
             <a:endParaRPr lang="en-US"/>
           </a:p>
@@ -2600,6 +3130,86 @@
             </a:r>
             <a:r>
               <a:rPr/>
+              <a:t>can</a:t>
+            </a:r>
+            <a:r>
+              <a:rPr/>
+              <a:t> </a:t>
+            </a:r>
+            <a:r>
+              <a:rPr/>
+              <a:t>use</a:t>
+            </a:r>
+            <a:r>
+              <a:rPr/>
+              <a:t> </a:t>
+            </a:r>
+            <a:r>
+              <a:rPr/>
+              <a:t>color</a:t>
+            </a:r>
+            <a:r>
+              <a:rPr/>
+              <a:t> </a:t>
+            </a:r>
+            <a:r>
+              <a:rPr/>
+              <a:t>to</a:t>
+            </a:r>
+            <a:r>
+              <a:rPr/>
+              <a:t> </a:t>
+            </a:r>
+            <a:r>
+              <a:rPr/>
+              <a:t>emphasize</a:t>
+            </a:r>
+            <a:r>
+              <a:rPr/>
+              <a:t> </a:t>
+            </a:r>
+            <a:r>
+              <a:rPr/>
+              <a:t>the</a:t>
+            </a:r>
+            <a:r>
+              <a:rPr/>
+              <a:t> </a:t>
+            </a:r>
+            <a:r>
+              <a:rPr/>
+              <a:t>groupings.</a:t>
+            </a:r>
+            <a:r>
+              <a:rPr/>
+              <a:t> </a:t>
+            </a:r>
+            <a:r>
+              <a:rPr/>
+              <a:t>Here</a:t>
+            </a:r>
+            <a:r>
+              <a:rPr/>
+              <a:t> </a:t>
+            </a:r>
+            <a:r>
+              <a:rPr/>
+              <a:t>the</a:t>
+            </a:r>
+            <a:r>
+              <a:rPr/>
+              <a:t> </a:t>
+            </a:r>
+            <a:r>
+              <a:rPr/>
+              <a:t>colors</a:t>
+            </a:r>
+            <a:r>
+              <a:rPr/>
+              <a:t> </a:t>
+            </a:r>
+            <a:r>
+              <a:rPr/>
               <a:t>are</a:t>
             </a:r>
             <a:r>
@@ -2608,15 +3218,151 @@
             </a:r>
             <a:r>
               <a:rPr/>
-              <a:t>relying</a:t>
-            </a:r>
-            <a:r>
-              <a:rPr/>
-              <a:t> </a:t>
-            </a:r>
-            <a:r>
-              <a:rPr/>
-              <a:t>on</a:t>
+              <a:t>red,</a:t>
+            </a:r>
+            <a:r>
+              <a:rPr/>
+              <a:t> </a:t>
+            </a:r>
+            <a:r>
+              <a:rPr/>
+              <a:t>dark</a:t>
+            </a:r>
+            <a:r>
+              <a:rPr/>
+              <a:t> </a:t>
+            </a:r>
+            <a:r>
+              <a:rPr/>
+              <a:t>green,</a:t>
+            </a:r>
+            <a:r>
+              <a:rPr/>
+              <a:t> </a:t>
+            </a:r>
+            <a:r>
+              <a:rPr/>
+              <a:t>and</a:t>
+            </a:r>
+            <a:r>
+              <a:rPr/>
+              <a:t> </a:t>
+            </a:r>
+            <a:r>
+              <a:rPr/>
+              <a:t>blue.</a:t>
+            </a:r>
+            <a:r>
+              <a:rPr/>
+              <a:t> </a:t>
+            </a:r>
+            <a:r>
+              <a:rPr/>
+              <a:t>There</a:t>
+            </a:r>
+            <a:r>
+              <a:rPr/>
+              <a:t> </a:t>
+            </a:r>
+            <a:r>
+              <a:rPr/>
+              <a:t>is</a:t>
+            </a:r>
+            <a:r>
+              <a:rPr/>
+              <a:t> </a:t>
+            </a:r>
+            <a:r>
+              <a:rPr/>
+              <a:t>some</a:t>
+            </a:r>
+            <a:r>
+              <a:rPr/>
+              <a:t> </a:t>
+            </a:r>
+            <a:r>
+              <a:rPr/>
+              <a:t>contrast</a:t>
+            </a:r>
+            <a:r>
+              <a:rPr/>
+              <a:t> </a:t>
+            </a:r>
+            <a:r>
+              <a:rPr/>
+              <a:t>here,</a:t>
+            </a:r>
+            <a:r>
+              <a:rPr/>
+              <a:t> </a:t>
+            </a:r>
+            <a:r>
+              <a:rPr/>
+              <a:t>but</a:t>
+            </a:r>
+            <a:r>
+              <a:rPr/>
+              <a:t> </a:t>
+            </a:r>
+            <a:r>
+              <a:rPr/>
+              <a:t>there</a:t>
+            </a:r>
+            <a:r>
+              <a:rPr/>
+              <a:t> </a:t>
+            </a:r>
+            <a:r>
+              <a:rPr/>
+              <a:t>is</a:t>
+            </a:r>
+            <a:r>
+              <a:rPr/>
+              <a:t> </a:t>
+            </a:r>
+            <a:r>
+              <a:rPr/>
+              <a:t>not</a:t>
+            </a:r>
+            <a:r>
+              <a:rPr/>
+              <a:t> </a:t>
+            </a:r>
+            <a:r>
+              <a:rPr/>
+              <a:t>a</a:t>
+            </a:r>
+            <a:r>
+              <a:rPr/>
+              <a:t> </a:t>
+            </a:r>
+            <a:r>
+              <a:rPr/>
+              <a:t>lot</a:t>
+            </a:r>
+            <a:r>
+              <a:rPr/>
+              <a:t> </a:t>
+            </a:r>
+            <a:r>
+              <a:rPr/>
+              <a:t>of</a:t>
+            </a:r>
+            <a:r>
+              <a:rPr/>
+              <a:t> </a:t>
+            </a:r>
+            <a:r>
+              <a:rPr/>
+              <a:t>variation</a:t>
+            </a:r>
+            <a:r>
+              <a:rPr/>
+              <a:t> </a:t>
+            </a:r>
+            <a:r>
+              <a:rPr/>
+              <a:t>in</a:t>
             </a:r>
             <a:r>
               <a:rPr/>
@@ -2632,311 +3378,7 @@
             </a:r>
             <a:r>
               <a:rPr/>
-              <a:t>principle</a:t>
-            </a:r>
-            <a:r>
-              <a:rPr/>
-              <a:t> </a:t>
-            </a:r>
-            <a:r>
-              <a:rPr/>
-              <a:t>of</a:t>
-            </a:r>
-            <a:r>
-              <a:rPr/>
-              <a:t> </a:t>
-            </a:r>
-            <a:r>
-              <a:rPr/>
-              <a:t>similarity,</a:t>
-            </a:r>
-            <a:r>
-              <a:rPr/>
-              <a:t> </a:t>
-            </a:r>
-            <a:r>
-              <a:rPr/>
-              <a:t>and</a:t>
-            </a:r>
-            <a:r>
-              <a:rPr/>
-              <a:t> </a:t>
-            </a:r>
-            <a:r>
-              <a:rPr/>
-              <a:t>there</a:t>
-            </a:r>
-            <a:r>
-              <a:rPr/>
-              <a:t> </a:t>
-            </a:r>
-            <a:r>
-              <a:rPr/>
-              <a:t>needs</a:t>
-            </a:r>
-            <a:r>
-              <a:rPr/>
-              <a:t> </a:t>
-            </a:r>
-            <a:r>
-              <a:rPr/>
-              <a:t>to</a:t>
-            </a:r>
-            <a:r>
-              <a:rPr/>
-              <a:t> </a:t>
-            </a:r>
-            <a:r>
-              <a:rPr/>
-              <a:t>be</a:t>
-            </a:r>
-            <a:r>
-              <a:rPr/>
-              <a:t> </a:t>
-            </a:r>
-            <a:r>
-              <a:rPr/>
-              <a:t>sufficient</a:t>
-            </a:r>
-            <a:r>
-              <a:rPr/>
-              <a:t> </a:t>
-            </a:r>
-            <a:r>
-              <a:rPr/>
-              <a:t>dissimilarity</a:t>
-            </a:r>
-            <a:r>
-              <a:rPr/>
-              <a:t> </a:t>
-            </a:r>
-            <a:r>
-              <a:rPr/>
-              <a:t>in</a:t>
-            </a:r>
-            <a:r>
-              <a:rPr/>
-              <a:t> </a:t>
-            </a:r>
-            <a:r>
-              <a:rPr/>
-              <a:t>the</a:t>
-            </a:r>
-            <a:r>
-              <a:rPr/>
-              <a:t> </a:t>
-            </a:r>
-            <a:r>
-              <a:rPr/>
-              <a:t>different</a:t>
-            </a:r>
-            <a:r>
-              <a:rPr/>
-              <a:t> </a:t>
-            </a:r>
-            <a:r>
-              <a:rPr/>
-              <a:t>symbols</a:t>
-            </a:r>
-            <a:r>
-              <a:rPr/>
-              <a:t> </a:t>
-            </a:r>
-            <a:r>
-              <a:rPr/>
-              <a:t>to</a:t>
-            </a:r>
-            <a:r>
-              <a:rPr/>
-              <a:t> </a:t>
-            </a:r>
-            <a:r>
-              <a:rPr/>
-              <a:t>make</a:t>
-            </a:r>
-            <a:r>
-              <a:rPr/>
-              <a:t> </a:t>
-            </a:r>
-            <a:r>
-              <a:rPr/>
-              <a:t>this</a:t>
-            </a:r>
-            <a:r>
-              <a:rPr/>
-              <a:t> </a:t>
-            </a:r>
-            <a:r>
-              <a:rPr/>
-              <a:t>work.</a:t>
-            </a:r>
-            <a:r>
-              <a:rPr/>
-              <a:t> </a:t>
-            </a:r>
-            <a:r>
-              <a:rPr/>
-              <a:t>A</a:t>
-            </a:r>
-            <a:r>
-              <a:rPr/>
-              <a:t> </a:t>
-            </a:r>
-            <a:r>
-              <a:rPr/>
-              <a:t>closed</a:t>
-            </a:r>
-            <a:r>
-              <a:rPr/>
-              <a:t> </a:t>
-            </a:r>
-            <a:r>
-              <a:rPr/>
-              <a:t>circle,</a:t>
-            </a:r>
-            <a:r>
-              <a:rPr/>
-              <a:t> </a:t>
-            </a:r>
-            <a:r>
-              <a:rPr/>
-              <a:t>a</a:t>
-            </a:r>
-            <a:r>
-              <a:rPr/>
-              <a:t> </a:t>
-            </a:r>
-            <a:r>
-              <a:rPr/>
-              <a:t>closed</a:t>
-            </a:r>
-            <a:r>
-              <a:rPr/>
-              <a:t> </a:t>
-            </a:r>
-            <a:r>
-              <a:rPr/>
-              <a:t>square,</a:t>
-            </a:r>
-            <a:r>
-              <a:rPr/>
-              <a:t> </a:t>
-            </a:r>
-            <a:r>
-              <a:rPr/>
-              <a:t>and</a:t>
-            </a:r>
-            <a:r>
-              <a:rPr/>
-              <a:t> </a:t>
-            </a:r>
-            <a:r>
-              <a:rPr/>
-              <a:t>a</a:t>
-            </a:r>
-            <a:r>
-              <a:rPr/>
-              <a:t> </a:t>
-            </a:r>
-            <a:r>
-              <a:rPr/>
-              <a:t>closed</a:t>
-            </a:r>
-            <a:r>
-              <a:rPr/>
-              <a:t> </a:t>
-            </a:r>
-            <a:r>
-              <a:rPr/>
-              <a:t>triangle</a:t>
-            </a:r>
-            <a:r>
-              <a:rPr/>
-              <a:t> </a:t>
-            </a:r>
-            <a:r>
-              <a:rPr/>
-              <a:t>all</a:t>
-            </a:r>
-            <a:r>
-              <a:rPr/>
-              <a:t> </a:t>
-            </a:r>
-            <a:r>
-              <a:rPr/>
-              <a:t>loop</a:t>
-            </a:r>
-            <a:r>
-              <a:rPr/>
-              <a:t> </a:t>
-            </a:r>
-            <a:r>
-              <a:rPr/>
-              <a:t>pretty</a:t>
-            </a:r>
-            <a:r>
-              <a:rPr/>
-              <a:t> </a:t>
-            </a:r>
-            <a:r>
-              <a:rPr/>
-              <a:t>much</a:t>
-            </a:r>
-            <a:r>
-              <a:rPr/>
-              <a:t> </a:t>
-            </a:r>
-            <a:r>
-              <a:rPr/>
-              <a:t>alike.</a:t>
-            </a:r>
-            <a:r>
-              <a:rPr/>
-              <a:t> </a:t>
-            </a:r>
-            <a:r>
-              <a:rPr/>
-              <a:t>How</a:t>
-            </a:r>
-            <a:r>
-              <a:rPr/>
-              <a:t> </a:t>
-            </a:r>
-            <a:r>
-              <a:rPr/>
-              <a:t>can</a:t>
-            </a:r>
-            <a:r>
-              <a:rPr/>
-              <a:t> </a:t>
-            </a:r>
-            <a:r>
-              <a:rPr/>
-              <a:t>you</a:t>
-            </a:r>
-            <a:r>
-              <a:rPr/>
-              <a:t> </a:t>
-            </a:r>
-            <a:r>
-              <a:rPr/>
-              <a:t>get</a:t>
-            </a:r>
-            <a:r>
-              <a:rPr/>
-              <a:t> </a:t>
-            </a:r>
-            <a:r>
-              <a:rPr/>
-              <a:t>more</a:t>
-            </a:r>
-            <a:r>
-              <a:rPr/>
-              <a:t> </a:t>
-            </a:r>
-            <a:r>
-              <a:rPr/>
-              <a:t>contrast?</a:t>
+              <a:t>brightness.</a:t>
             </a:r>
           </a:p>
         </p:txBody>
@@ -2958,7 +3400,7 @@
           <a:p>
             <a:fld id="{18BDFEC3-8487-43E8-A154-7C12CBC1FFF2}" type="slidenum">
               <a:rPr lang="en-US"/>
-              <a:t>9</a:t>
+              <a:t>8</a:t>
             </a:fld>
             <a:endParaRPr lang="en-US"/>
           </a:p>
@@ -3018,15 +3460,71 @@
             </a:pPr>
             <a:r>
               <a:rPr/>
-              <a:t>Connectedness</a:t>
-            </a:r>
-            <a:r>
-              <a:rPr/>
-              <a:t> </a:t>
-            </a:r>
-            <a:r>
-              <a:rPr/>
-              <a:t>provides</a:t>
+              <a:t>These</a:t>
+            </a:r>
+            <a:r>
+              <a:rPr/>
+              <a:t> </a:t>
+            </a:r>
+            <a:r>
+              <a:rPr/>
+              <a:t>colors</a:t>
+            </a:r>
+            <a:r>
+              <a:rPr/>
+              <a:t> </a:t>
+            </a:r>
+            <a:r>
+              <a:rPr/>
+              <a:t>differ</a:t>
+            </a:r>
+            <a:r>
+              <a:rPr/>
+              <a:t> </a:t>
+            </a:r>
+            <a:r>
+              <a:rPr/>
+              <a:t>in</a:t>
+            </a:r>
+            <a:r>
+              <a:rPr/>
+              <a:t> </a:t>
+            </a:r>
+            <a:r>
+              <a:rPr/>
+              <a:t>brightness,</a:t>
+            </a:r>
+            <a:r>
+              <a:rPr/>
+              <a:t> </a:t>
+            </a:r>
+            <a:r>
+              <a:rPr/>
+              <a:t>and</a:t>
+            </a:r>
+            <a:r>
+              <a:rPr/>
+              <a:t> </a:t>
+            </a:r>
+            <a:r>
+              <a:rPr/>
+              <a:t>provide</a:t>
+            </a:r>
+            <a:r>
+              <a:rPr/>
+              <a:t> </a:t>
+            </a:r>
+            <a:r>
+              <a:rPr/>
+              <a:t>more</a:t>
+            </a:r>
+            <a:r>
+              <a:rPr/>
+              <a:t> </a:t>
+            </a:r>
+            <a:r>
+              <a:rPr/>
+              <a:t>of</a:t>
             </a:r>
             <a:r>
               <a:rPr/>
@@ -3042,55 +3540,135 @@
             </a:r>
             <a:r>
               <a:rPr/>
-              <a:t>much</a:t>
-            </a:r>
-            <a:r>
-              <a:rPr/>
-              <a:t> </a:t>
-            </a:r>
-            <a:r>
-              <a:rPr/>
-              <a:t>stronger</a:t>
-            </a:r>
-            <a:r>
-              <a:rPr/>
-              <a:t> </a:t>
-            </a:r>
-            <a:r>
-              <a:rPr/>
-              <a:t>sense</a:t>
-            </a:r>
-            <a:r>
-              <a:rPr/>
-              <a:t> </a:t>
-            </a:r>
-            <a:r>
-              <a:rPr/>
-              <a:t>of</a:t>
-            </a:r>
-            <a:r>
-              <a:rPr/>
-              <a:t> </a:t>
-            </a:r>
-            <a:r>
-              <a:rPr/>
-              <a:t>gestalt</a:t>
-            </a:r>
-            <a:r>
-              <a:rPr/>
-              <a:t> </a:t>
-            </a:r>
-            <a:r>
-              <a:rPr/>
-              <a:t>than</a:t>
-            </a:r>
-            <a:r>
-              <a:rPr/>
-              <a:t> </a:t>
-            </a:r>
-            <a:r>
-              <a:rPr/>
-              <a:t>similarity.</a:t>
+              <a:t>contrast.</a:t>
+            </a:r>
+            <a:r>
+              <a:rPr/>
+              <a:t> </a:t>
+            </a:r>
+            <a:r>
+              <a:rPr/>
+              <a:t>There</a:t>
+            </a:r>
+            <a:r>
+              <a:rPr/>
+              <a:t> </a:t>
+            </a:r>
+            <a:r>
+              <a:rPr/>
+              <a:t>are</a:t>
+            </a:r>
+            <a:r>
+              <a:rPr/>
+              <a:t> </a:t>
+            </a:r>
+            <a:r>
+              <a:rPr/>
+              <a:t>times</a:t>
+            </a:r>
+            <a:r>
+              <a:rPr/>
+              <a:t> </a:t>
+            </a:r>
+            <a:r>
+              <a:rPr/>
+              <a:t>when</a:t>
+            </a:r>
+            <a:r>
+              <a:rPr/>
+              <a:t> </a:t>
+            </a:r>
+            <a:r>
+              <a:rPr/>
+              <a:t>you</a:t>
+            </a:r>
+            <a:r>
+              <a:rPr/>
+              <a:t> </a:t>
+            </a:r>
+            <a:r>
+              <a:rPr/>
+              <a:t>want</a:t>
+            </a:r>
+            <a:r>
+              <a:rPr/>
+              <a:t> </a:t>
+            </a:r>
+            <a:r>
+              <a:rPr/>
+              <a:t>this</a:t>
+            </a:r>
+            <a:r>
+              <a:rPr/>
+              <a:t> </a:t>
+            </a:r>
+            <a:r>
+              <a:rPr/>
+              <a:t>extra</a:t>
+            </a:r>
+            <a:r>
+              <a:rPr/>
+              <a:t> </a:t>
+            </a:r>
+            <a:r>
+              <a:rPr/>
+              <a:t>contrast,</a:t>
+            </a:r>
+            <a:r>
+              <a:rPr/>
+              <a:t> </a:t>
+            </a:r>
+            <a:r>
+              <a:rPr/>
+              <a:t>but</a:t>
+            </a:r>
+            <a:r>
+              <a:rPr/>
+              <a:t> </a:t>
+            </a:r>
+            <a:r>
+              <a:rPr/>
+              <a:t>there</a:t>
+            </a:r>
+            <a:r>
+              <a:rPr/>
+              <a:t> </a:t>
+            </a:r>
+            <a:r>
+              <a:rPr/>
+              <a:t>are</a:t>
+            </a:r>
+            <a:r>
+              <a:rPr/>
+              <a:t> </a:t>
+            </a:r>
+            <a:r>
+              <a:rPr/>
+              <a:t>times</a:t>
+            </a:r>
+            <a:r>
+              <a:rPr/>
+              <a:t> </a:t>
+            </a:r>
+            <a:r>
+              <a:rPr/>
+              <a:t>when</a:t>
+            </a:r>
+            <a:r>
+              <a:rPr/>
+              <a:t> </a:t>
+            </a:r>
+            <a:r>
+              <a:rPr/>
+              <a:t>you</a:t>
+            </a:r>
+            <a:r>
+              <a:rPr/>
+              <a:t> </a:t>
+            </a:r>
+            <a:r>
+              <a:rPr/>
+              <a:t>don’t.</a:t>
             </a:r>
           </a:p>
         </p:txBody>
@@ -3112,7 +3690,7 @@
           <a:p>
             <a:fld id="{18BDFEC3-8487-43E8-A154-7C12CBC1FFF2}" type="slidenum">
               <a:rPr lang="en-US"/>
-              <a:t>10</a:t>
+              <a:t>9</a:t>
             </a:fld>
             <a:endParaRPr lang="en-US"/>
           </a:p>
@@ -3172,325 +3750,15 @@
             </a:pPr>
             <a:r>
               <a:rPr/>
-              <a:t>By</a:t>
-            </a:r>
-            <a:r>
-              <a:rPr/>
-              <a:t> </a:t>
-            </a:r>
-            <a:r>
-              <a:rPr/>
-              <a:t>putting</a:t>
-            </a:r>
-            <a:r>
-              <a:rPr/>
-              <a:t> </a:t>
-            </a:r>
-            <a:r>
-              <a:rPr/>
-              <a:t>the</a:t>
-            </a:r>
-            <a:r>
-              <a:rPr/>
-              <a:t> </a:t>
-            </a:r>
-            <a:r>
-              <a:rPr/>
-              <a:t>labels</a:t>
-            </a:r>
-            <a:r>
-              <a:rPr/>
-              <a:t> </a:t>
-            </a:r>
-            <a:r>
-              <a:rPr/>
-              <a:t>directly</a:t>
-            </a:r>
-            <a:r>
-              <a:rPr/>
-              <a:t> </a:t>
-            </a:r>
-            <a:r>
-              <a:rPr/>
-              <a:t>on</a:t>
-            </a:r>
-            <a:r>
-              <a:rPr/>
-              <a:t> </a:t>
-            </a:r>
-            <a:r>
-              <a:rPr/>
-              <a:t>the</a:t>
-            </a:r>
-            <a:r>
-              <a:rPr/>
-              <a:t> </a:t>
-            </a:r>
-            <a:r>
-              <a:rPr/>
-              <a:t>graph,</a:t>
-            </a:r>
-            <a:r>
-              <a:rPr/>
-              <a:t> </a:t>
-            </a:r>
-            <a:r>
-              <a:rPr/>
-              <a:t>you</a:t>
-            </a:r>
-            <a:r>
-              <a:rPr/>
-              <a:t> </a:t>
-            </a:r>
-            <a:r>
-              <a:rPr/>
-              <a:t>minimize</a:t>
-            </a:r>
-            <a:r>
-              <a:rPr/>
-              <a:t> </a:t>
-            </a:r>
-            <a:r>
-              <a:rPr/>
-              <a:t>the</a:t>
-            </a:r>
-            <a:r>
-              <a:rPr/>
-              <a:t> </a:t>
-            </a:r>
-            <a:r>
-              <a:rPr/>
-              <a:t>distance</a:t>
-            </a:r>
-            <a:r>
-              <a:rPr/>
-              <a:t> </a:t>
-            </a:r>
-            <a:r>
-              <a:rPr/>
-              <a:t>that</a:t>
-            </a:r>
-            <a:r>
-              <a:rPr/>
-              <a:t> </a:t>
-            </a:r>
-            <a:r>
-              <a:rPr/>
-              <a:t>your</a:t>
-            </a:r>
-            <a:r>
-              <a:rPr/>
-              <a:t> </a:t>
-            </a:r>
-            <a:r>
-              <a:rPr/>
-              <a:t>eye</a:t>
-            </a:r>
-            <a:r>
-              <a:rPr/>
-              <a:t> </a:t>
-            </a:r>
-            <a:r>
-              <a:rPr/>
-              <a:t>has</a:t>
-            </a:r>
-            <a:r>
-              <a:rPr/>
-              <a:t> </a:t>
-            </a:r>
-            <a:r>
-              <a:rPr/>
-              <a:t>to</a:t>
-            </a:r>
-            <a:r>
-              <a:rPr/>
-              <a:t> </a:t>
-            </a:r>
-            <a:r>
-              <a:rPr/>
-              <a:t>travel.</a:t>
-            </a:r>
-            <a:r>
-              <a:rPr/>
-              <a:t> </a:t>
-            </a:r>
-            <a:r>
-              <a:rPr/>
-              <a:t>No</a:t>
-            </a:r>
-            <a:r>
-              <a:rPr/>
-              <a:t> </a:t>
-            </a:r>
-            <a:r>
-              <a:rPr/>
-              <a:t>more</a:t>
-            </a:r>
-            <a:r>
-              <a:rPr/>
-              <a:t> </a:t>
-            </a:r>
-            <a:r>
-              <a:rPr/>
-              <a:t>back</a:t>
-            </a:r>
-            <a:r>
-              <a:rPr/>
-              <a:t> </a:t>
-            </a:r>
-            <a:r>
-              <a:rPr/>
-              <a:t>and</a:t>
-            </a:r>
-            <a:r>
-              <a:rPr/>
-              <a:t> </a:t>
-            </a:r>
-            <a:r>
-              <a:rPr/>
-              <a:t>forth</a:t>
-            </a:r>
-            <a:r>
-              <a:rPr/>
-              <a:t> </a:t>
-            </a:r>
-            <a:r>
-              <a:rPr/>
-              <a:t>between</a:t>
-            </a:r>
-            <a:r>
-              <a:rPr/>
-              <a:t> </a:t>
-            </a:r>
-            <a:r>
-              <a:rPr/>
-              <a:t>the</a:t>
-            </a:r>
-            <a:r>
-              <a:rPr/>
-              <a:t> </a:t>
-            </a:r>
-            <a:r>
-              <a:rPr/>
-              <a:t>legend</a:t>
-            </a:r>
-            <a:r>
-              <a:rPr/>
-              <a:t> </a:t>
-            </a:r>
-            <a:r>
-              <a:rPr/>
-              <a:t>and</a:t>
-            </a:r>
-            <a:r>
-              <a:rPr/>
-              <a:t> </a:t>
-            </a:r>
-            <a:r>
-              <a:rPr/>
-              <a:t>the</a:t>
-            </a:r>
-            <a:r>
-              <a:rPr/>
-              <a:t> </a:t>
-            </a:r>
-            <a:r>
-              <a:rPr/>
-              <a:t>graph.</a:t>
-            </a:r>
-          </a:p>
-          <a:p>
-            <a:pPr lvl="0" marL="0" indent="0">
-              <a:buNone/>
-            </a:pPr>
-          </a:p>
-          <a:p>
-            <a:pPr lvl="0" marL="0" indent="0">
-              <a:buNone/>
-            </a:pPr>
-            <a:r>
-              <a:rPr/>
-              <a:t>You</a:t>
-            </a:r>
-            <a:r>
-              <a:rPr/>
-              <a:t> </a:t>
-            </a:r>
-            <a:r>
-              <a:rPr/>
-              <a:t>can</a:t>
-            </a:r>
-            <a:r>
-              <a:rPr/>
-              <a:t> </a:t>
-            </a:r>
-            <a:r>
-              <a:rPr/>
-              <a:t>improve</a:t>
-            </a:r>
-            <a:r>
-              <a:rPr/>
-              <a:t> </a:t>
-            </a:r>
-            <a:r>
-              <a:rPr/>
-              <a:t>further</a:t>
-            </a:r>
-            <a:r>
-              <a:rPr/>
-              <a:t> </a:t>
-            </a:r>
-            <a:r>
-              <a:rPr/>
-              <a:t>on</a:t>
-            </a:r>
-            <a:r>
-              <a:rPr/>
-              <a:t> </a:t>
-            </a:r>
-            <a:r>
-              <a:rPr/>
-              <a:t>these</a:t>
-            </a:r>
-            <a:r>
-              <a:rPr/>
-              <a:t> </a:t>
-            </a:r>
-            <a:r>
-              <a:rPr/>
-              <a:t>labels.</a:t>
-            </a:r>
-            <a:r>
-              <a:rPr/>
-              <a:t> </a:t>
-            </a:r>
-            <a:r>
-              <a:rPr/>
-              <a:t>You</a:t>
-            </a:r>
-            <a:r>
-              <a:rPr/>
-              <a:t> </a:t>
-            </a:r>
-            <a:r>
-              <a:rPr/>
-              <a:t>might</a:t>
-            </a:r>
-            <a:r>
-              <a:rPr/>
-              <a:t> </a:t>
-            </a:r>
-            <a:r>
-              <a:rPr/>
-              <a:t>have</a:t>
-            </a:r>
-            <a:r>
-              <a:rPr/>
-              <a:t> </a:t>
-            </a:r>
-            <a:r>
-              <a:rPr/>
-              <a:t>had</a:t>
+              <a:t>Connectedness</a:t>
+            </a:r>
+            <a:r>
+              <a:rPr/>
+              <a:t> </a:t>
+            </a:r>
+            <a:r>
+              <a:rPr/>
+              <a:t>provides</a:t>
             </a:r>
             <a:r>
               <a:rPr/>
@@ -3506,7 +3774,23 @@
             </a:r>
             <a:r>
               <a:rPr/>
-              <a:t>moment</a:t>
+              <a:t>much</a:t>
+            </a:r>
+            <a:r>
+              <a:rPr/>
+              <a:t> </a:t>
+            </a:r>
+            <a:r>
+              <a:rPr/>
+              <a:t>stronger</a:t>
+            </a:r>
+            <a:r>
+              <a:rPr/>
+              <a:t> </a:t>
+            </a:r>
+            <a:r>
+              <a:rPr/>
+              <a:t>sense</a:t>
             </a:r>
             <a:r>
               <a:rPr/>
@@ -3522,501 +3806,23 @@
             </a:r>
             <a:r>
               <a:rPr/>
-              <a:t>hesitation</a:t>
-            </a:r>
-            <a:r>
-              <a:rPr/>
-              <a:t> </a:t>
-            </a:r>
-            <a:r>
-              <a:rPr/>
-              <a:t>when</a:t>
-            </a:r>
-            <a:r>
-              <a:rPr/>
-              <a:t> </a:t>
-            </a:r>
-            <a:r>
-              <a:rPr/>
-              <a:t>you</a:t>
-            </a:r>
-            <a:r>
-              <a:rPr/>
-              <a:t> </a:t>
-            </a:r>
-            <a:r>
-              <a:rPr/>
-              <a:t>saw</a:t>
-            </a:r>
-            <a:r>
-              <a:rPr/>
-              <a:t> </a:t>
-            </a:r>
-            <a:r>
-              <a:rPr/>
-              <a:t>the</a:t>
-            </a:r>
-            <a:r>
-              <a:rPr/>
-              <a:t> </a:t>
-            </a:r>
-            <a:r>
-              <a:rPr/>
-              <a:t>label</a:t>
-            </a:r>
-            <a:r>
-              <a:rPr/>
-              <a:t> </a:t>
-            </a:r>
-            <a:r>
-              <a:rPr/>
-              <a:t>for</a:t>
-            </a:r>
-            <a:r>
-              <a:rPr/>
-              <a:t> </a:t>
-            </a:r>
-            <a:r>
-              <a:rPr/>
-              <a:t>Abel.</a:t>
-            </a:r>
-            <a:r>
-              <a:rPr/>
-              <a:t> </a:t>
-            </a:r>
-            <a:r>
-              <a:rPr/>
-              <a:t>Does</a:t>
-            </a:r>
-            <a:r>
-              <a:rPr/>
-              <a:t> </a:t>
-            </a:r>
-            <a:r>
-              <a:rPr/>
-              <a:t>it</a:t>
-            </a:r>
-            <a:r>
-              <a:rPr/>
-              <a:t> </a:t>
-            </a:r>
-            <a:r>
-              <a:rPr/>
-              <a:t>belong</a:t>
-            </a:r>
-            <a:r>
-              <a:rPr/>
-              <a:t> </a:t>
-            </a:r>
-            <a:r>
-              <a:rPr/>
-              <a:t>with</a:t>
-            </a:r>
-            <a:r>
-              <a:rPr/>
-              <a:t> </a:t>
-            </a:r>
-            <a:r>
-              <a:rPr/>
-              <a:t>the</a:t>
-            </a:r>
-            <a:r>
-              <a:rPr/>
-              <a:t> </a:t>
-            </a:r>
-            <a:r>
-              <a:rPr/>
-              <a:t>line</a:t>
-            </a:r>
-            <a:r>
-              <a:rPr/>
-              <a:t> </a:t>
-            </a:r>
-            <a:r>
-              <a:rPr/>
-              <a:t>just</a:t>
-            </a:r>
-            <a:r>
-              <a:rPr/>
-              <a:t> </a:t>
-            </a:r>
-            <a:r>
-              <a:rPr/>
-              <a:t>above</a:t>
-            </a:r>
-            <a:r>
-              <a:rPr/>
-              <a:t> </a:t>
-            </a:r>
-            <a:r>
-              <a:rPr/>
-              <a:t>or</a:t>
-            </a:r>
-            <a:r>
-              <a:rPr/>
-              <a:t> </a:t>
-            </a:r>
-            <a:r>
-              <a:rPr/>
-              <a:t>the</a:t>
-            </a:r>
-            <a:r>
-              <a:rPr/>
-              <a:t> </a:t>
-            </a:r>
-            <a:r>
-              <a:rPr/>
-              <a:t>line</a:t>
-            </a:r>
-            <a:r>
-              <a:rPr/>
-              <a:t> </a:t>
-            </a:r>
-            <a:r>
-              <a:rPr/>
-              <a:t>just</a:t>
-            </a:r>
-            <a:r>
-              <a:rPr/>
-              <a:t> </a:t>
-            </a:r>
-            <a:r>
-              <a:rPr/>
-              <a:t>below.</a:t>
-            </a:r>
-            <a:r>
-              <a:rPr/>
-              <a:t> </a:t>
-            </a:r>
-            <a:r>
-              <a:rPr/>
-              <a:t>It</a:t>
-            </a:r>
-            <a:r>
-              <a:rPr/>
-              <a:t> </a:t>
-            </a:r>
-            <a:r>
-              <a:rPr/>
-              <a:t>only</a:t>
-            </a:r>
-            <a:r>
-              <a:rPr/>
-              <a:t> </a:t>
-            </a:r>
-            <a:r>
-              <a:rPr/>
-              <a:t>slows</a:t>
-            </a:r>
-            <a:r>
-              <a:rPr/>
-              <a:t> </a:t>
-            </a:r>
-            <a:r>
-              <a:rPr/>
-              <a:t>you</a:t>
-            </a:r>
-            <a:r>
-              <a:rPr/>
-              <a:t> </a:t>
-            </a:r>
-            <a:r>
-              <a:rPr/>
-              <a:t>down</a:t>
-            </a:r>
-            <a:r>
-              <a:rPr/>
-              <a:t> </a:t>
-            </a:r>
-            <a:r>
-              <a:rPr/>
-              <a:t>for</a:t>
-            </a:r>
-            <a:r>
-              <a:rPr/>
-              <a:t> </a:t>
-            </a:r>
-            <a:r>
-              <a:rPr/>
-              <a:t>a</a:t>
-            </a:r>
-            <a:r>
-              <a:rPr/>
-              <a:t> </a:t>
-            </a:r>
-            <a:r>
-              <a:rPr/>
-              <a:t>second,</a:t>
-            </a:r>
-            <a:r>
-              <a:rPr/>
-              <a:t> </a:t>
-            </a:r>
-            <a:r>
-              <a:rPr/>
-              <a:t>because</a:t>
-            </a:r>
-            <a:r>
-              <a:rPr/>
-              <a:t> </a:t>
-            </a:r>
-            <a:r>
-              <a:rPr/>
-              <a:t>by</a:t>
-            </a:r>
-            <a:r>
-              <a:rPr/>
-              <a:t> </a:t>
-            </a:r>
-            <a:r>
-              <a:rPr/>
-              <a:t>process</a:t>
-            </a:r>
-            <a:r>
-              <a:rPr/>
-              <a:t> </a:t>
-            </a:r>
-            <a:r>
-              <a:rPr/>
-              <a:t>of</a:t>
-            </a:r>
-            <a:r>
-              <a:rPr/>
-              <a:t> </a:t>
-            </a:r>
-            <a:r>
-              <a:rPr/>
-              <a:t>elimination,</a:t>
-            </a:r>
-            <a:r>
-              <a:rPr/>
-              <a:t> </a:t>
-            </a:r>
-            <a:r>
-              <a:rPr/>
-              <a:t>you</a:t>
-            </a:r>
-            <a:r>
-              <a:rPr/>
-              <a:t> </a:t>
-            </a:r>
-            <a:r>
-              <a:rPr/>
-              <a:t>can</a:t>
-            </a:r>
-            <a:r>
-              <a:rPr/>
-              <a:t> </a:t>
-            </a:r>
-            <a:r>
-              <a:rPr/>
-              <a:t>quickly</a:t>
-            </a:r>
-            <a:r>
-              <a:rPr/>
-              <a:t> </a:t>
-            </a:r>
-            <a:r>
-              <a:rPr/>
-              <a:t>decide</a:t>
-            </a:r>
-            <a:r>
-              <a:rPr/>
-              <a:t> </a:t>
-            </a:r>
-            <a:r>
-              <a:rPr/>
-              <a:t>that</a:t>
-            </a:r>
-            <a:r>
-              <a:rPr/>
-              <a:t> </a:t>
-            </a:r>
-            <a:r>
-              <a:rPr/>
-              <a:t>it</a:t>
-            </a:r>
-            <a:r>
-              <a:rPr/>
-              <a:t> </a:t>
-            </a:r>
-            <a:r>
-              <a:rPr/>
-              <a:t>belongs</a:t>
-            </a:r>
-            <a:r>
-              <a:rPr/>
-              <a:t> </a:t>
-            </a:r>
-            <a:r>
-              <a:rPr/>
-              <a:t>with</a:t>
-            </a:r>
-            <a:r>
-              <a:rPr/>
-              <a:t> </a:t>
-            </a:r>
-            <a:r>
-              <a:rPr/>
-              <a:t>the</a:t>
-            </a:r>
-            <a:r>
-              <a:rPr/>
-              <a:t> </a:t>
-            </a:r>
-            <a:r>
-              <a:rPr/>
-              <a:t>line</a:t>
-            </a:r>
-            <a:r>
-              <a:rPr/>
-              <a:t> </a:t>
-            </a:r>
-            <a:r>
-              <a:rPr/>
-              <a:t>just</a:t>
-            </a:r>
-            <a:r>
-              <a:rPr/>
-              <a:t> </a:t>
-            </a:r>
-            <a:r>
-              <a:rPr/>
-              <a:t>below</a:t>
-            </a:r>
-            <a:r>
-              <a:rPr/>
-              <a:t> </a:t>
-            </a:r>
-            <a:r>
-              <a:rPr/>
-              <a:t>it.</a:t>
-            </a:r>
-          </a:p>
-          <a:p>
-            <a:pPr lvl="0" marL="0" indent="0">
-              <a:buNone/>
-            </a:pPr>
-          </a:p>
-          <a:p>
-            <a:pPr lvl="0" marL="0" indent="0">
-              <a:buNone/>
-            </a:pPr>
-            <a:r>
-              <a:rPr/>
-              <a:t>But</a:t>
-            </a:r>
-            <a:r>
-              <a:rPr/>
-              <a:t> </a:t>
-            </a:r>
-            <a:r>
-              <a:rPr/>
-              <a:t>you</a:t>
-            </a:r>
-            <a:r>
-              <a:rPr/>
-              <a:t> </a:t>
-            </a:r>
-            <a:r>
-              <a:rPr/>
-              <a:t>can</a:t>
-            </a:r>
-            <a:r>
-              <a:rPr/>
-              <a:t> </a:t>
-            </a:r>
-            <a:r>
-              <a:rPr/>
-              <a:t>improve</a:t>
-            </a:r>
-            <a:r>
-              <a:rPr/>
-              <a:t> </a:t>
-            </a:r>
-            <a:r>
-              <a:rPr/>
-              <a:t>the</a:t>
-            </a:r>
-            <a:r>
-              <a:rPr/>
-              <a:t> </a:t>
-            </a:r>
-            <a:r>
-              <a:rPr/>
-              <a:t>sense</a:t>
-            </a:r>
-            <a:r>
-              <a:rPr/>
-              <a:t> </a:t>
-            </a:r>
-            <a:r>
-              <a:rPr/>
-              <a:t>of</a:t>
-            </a:r>
-            <a:r>
-              <a:rPr/>
-              <a:t> </a:t>
-            </a:r>
-            <a:r>
-              <a:rPr/>
-              <a:t>belongingness</a:t>
-            </a:r>
-            <a:r>
-              <a:rPr/>
-              <a:t> </a:t>
-            </a:r>
-            <a:r>
-              <a:rPr/>
-              <a:t>by</a:t>
-            </a:r>
-            <a:r>
-              <a:rPr/>
-              <a:t> </a:t>
-            </a:r>
-            <a:r>
-              <a:rPr/>
-              <a:t>using</a:t>
-            </a:r>
-            <a:r>
-              <a:rPr/>
-              <a:t> </a:t>
-            </a:r>
-            <a:r>
-              <a:rPr/>
-              <a:t>some</a:t>
-            </a:r>
-            <a:r>
-              <a:rPr/>
-              <a:t> </a:t>
-            </a:r>
-            <a:r>
-              <a:rPr/>
-              <a:t>of</a:t>
-            </a:r>
-            <a:r>
-              <a:rPr/>
-              <a:t> </a:t>
-            </a:r>
-            <a:r>
-              <a:rPr/>
-              <a:t>your</a:t>
-            </a:r>
-            <a:r>
-              <a:rPr/>
-              <a:t> </a:t>
-            </a:r>
-            <a:r>
-              <a:rPr/>
-              <a:t>Gestalt</a:t>
-            </a:r>
-            <a:r>
-              <a:rPr/>
-              <a:t> </a:t>
-            </a:r>
-            <a:r>
-              <a:rPr/>
-              <a:t>principles.</a:t>
+              <a:t>gestalt</a:t>
+            </a:r>
+            <a:r>
+              <a:rPr/>
+              <a:t> </a:t>
+            </a:r>
+            <a:r>
+              <a:rPr/>
+              <a:t>than</a:t>
+            </a:r>
+            <a:r>
+              <a:rPr/>
+              <a:t> </a:t>
+            </a:r>
+            <a:r>
+              <a:rPr/>
+              <a:t>similarity.</a:t>
             </a:r>
           </a:p>
         </p:txBody>
@@ -4038,7 +3844,7 @@
           <a:p>
             <a:fld id="{18BDFEC3-8487-43E8-A154-7C12CBC1FFF2}" type="slidenum">
               <a:rPr lang="en-US"/>
-              <a:t>14</a:t>
+              <a:t>10</a:t>
             </a:fld>
             <a:endParaRPr lang="en-US"/>
           </a:p>
@@ -4098,15 +3904,15 @@
             </a:pPr>
             <a:r>
               <a:rPr/>
-              <a:t>Notice</a:t>
-            </a:r>
-            <a:r>
-              <a:rPr/>
-              <a:t> </a:t>
-            </a:r>
-            <a:r>
-              <a:rPr/>
-              <a:t>how</a:t>
+              <a:t>By</a:t>
+            </a:r>
+            <a:r>
+              <a:rPr/>
+              <a:t> </a:t>
+            </a:r>
+            <a:r>
+              <a:rPr/>
+              <a:t>putting</a:t>
             </a:r>
             <a:r>
               <a:rPr/>
@@ -4130,23 +3936,277 @@
             </a:r>
             <a:r>
               <a:rPr/>
-              <a:t>in</a:t>
-            </a:r>
-            <a:r>
-              <a:rPr/>
-              <a:t> </a:t>
-            </a:r>
-            <a:r>
-              <a:rPr/>
-              <a:t>this</a:t>
-            </a:r>
-            <a:r>
-              <a:rPr/>
-              <a:t> </a:t>
-            </a:r>
-            <a:r>
-              <a:rPr/>
-              <a:t>example</a:t>
+              <a:t>directly</a:t>
+            </a:r>
+            <a:r>
+              <a:rPr/>
+              <a:t> </a:t>
+            </a:r>
+            <a:r>
+              <a:rPr/>
+              <a:t>on</a:t>
+            </a:r>
+            <a:r>
+              <a:rPr/>
+              <a:t> </a:t>
+            </a:r>
+            <a:r>
+              <a:rPr/>
+              <a:t>the</a:t>
+            </a:r>
+            <a:r>
+              <a:rPr/>
+              <a:t> </a:t>
+            </a:r>
+            <a:r>
+              <a:rPr/>
+              <a:t>graph,</a:t>
+            </a:r>
+            <a:r>
+              <a:rPr/>
+              <a:t> </a:t>
+            </a:r>
+            <a:r>
+              <a:rPr/>
+              <a:t>you</a:t>
+            </a:r>
+            <a:r>
+              <a:rPr/>
+              <a:t> </a:t>
+            </a:r>
+            <a:r>
+              <a:rPr/>
+              <a:t>minimize</a:t>
+            </a:r>
+            <a:r>
+              <a:rPr/>
+              <a:t> </a:t>
+            </a:r>
+            <a:r>
+              <a:rPr/>
+              <a:t>the</a:t>
+            </a:r>
+            <a:r>
+              <a:rPr/>
+              <a:t> </a:t>
+            </a:r>
+            <a:r>
+              <a:rPr/>
+              <a:t>distance</a:t>
+            </a:r>
+            <a:r>
+              <a:rPr/>
+              <a:t> </a:t>
+            </a:r>
+            <a:r>
+              <a:rPr/>
+              <a:t>that</a:t>
+            </a:r>
+            <a:r>
+              <a:rPr/>
+              <a:t> </a:t>
+            </a:r>
+            <a:r>
+              <a:rPr/>
+              <a:t>your</a:t>
+            </a:r>
+            <a:r>
+              <a:rPr/>
+              <a:t> </a:t>
+            </a:r>
+            <a:r>
+              <a:rPr/>
+              <a:t>eye</a:t>
+            </a:r>
+            <a:r>
+              <a:rPr/>
+              <a:t> </a:t>
+            </a:r>
+            <a:r>
+              <a:rPr/>
+              <a:t>has</a:t>
+            </a:r>
+            <a:r>
+              <a:rPr/>
+              <a:t> </a:t>
+            </a:r>
+            <a:r>
+              <a:rPr/>
+              <a:t>to</a:t>
+            </a:r>
+            <a:r>
+              <a:rPr/>
+              <a:t> </a:t>
+            </a:r>
+            <a:r>
+              <a:rPr/>
+              <a:t>travel.</a:t>
+            </a:r>
+            <a:r>
+              <a:rPr/>
+              <a:t> </a:t>
+            </a:r>
+            <a:r>
+              <a:rPr/>
+              <a:t>No</a:t>
+            </a:r>
+            <a:r>
+              <a:rPr/>
+              <a:t> </a:t>
+            </a:r>
+            <a:r>
+              <a:rPr/>
+              <a:t>more</a:t>
+            </a:r>
+            <a:r>
+              <a:rPr/>
+              <a:t> </a:t>
+            </a:r>
+            <a:r>
+              <a:rPr/>
+              <a:t>back</a:t>
+            </a:r>
+            <a:r>
+              <a:rPr/>
+              <a:t> </a:t>
+            </a:r>
+            <a:r>
+              <a:rPr/>
+              <a:t>and</a:t>
+            </a:r>
+            <a:r>
+              <a:rPr/>
+              <a:t> </a:t>
+            </a:r>
+            <a:r>
+              <a:rPr/>
+              <a:t>forth</a:t>
+            </a:r>
+            <a:r>
+              <a:rPr/>
+              <a:t> </a:t>
+            </a:r>
+            <a:r>
+              <a:rPr/>
+              <a:t>between</a:t>
+            </a:r>
+            <a:r>
+              <a:rPr/>
+              <a:t> </a:t>
+            </a:r>
+            <a:r>
+              <a:rPr/>
+              <a:t>the</a:t>
+            </a:r>
+            <a:r>
+              <a:rPr/>
+              <a:t> </a:t>
+            </a:r>
+            <a:r>
+              <a:rPr/>
+              <a:t>legend</a:t>
+            </a:r>
+            <a:r>
+              <a:rPr/>
+              <a:t> </a:t>
+            </a:r>
+            <a:r>
+              <a:rPr/>
+              <a:t>and</a:t>
+            </a:r>
+            <a:r>
+              <a:rPr/>
+              <a:t> </a:t>
+            </a:r>
+            <a:r>
+              <a:rPr/>
+              <a:t>the</a:t>
+            </a:r>
+            <a:r>
+              <a:rPr/>
+              <a:t> </a:t>
+            </a:r>
+            <a:r>
+              <a:rPr/>
+              <a:t>graph.</a:t>
+            </a:r>
+          </a:p>
+          <a:p>
+            <a:pPr lvl="0" marL="0" indent="0">
+              <a:buNone/>
+            </a:pPr>
+          </a:p>
+          <a:p>
+            <a:pPr lvl="0" marL="0" indent="0">
+              <a:buNone/>
+            </a:pPr>
+            <a:r>
+              <a:rPr/>
+              <a:t>You</a:t>
+            </a:r>
+            <a:r>
+              <a:rPr/>
+              <a:t> </a:t>
+            </a:r>
+            <a:r>
+              <a:rPr/>
+              <a:t>can</a:t>
+            </a:r>
+            <a:r>
+              <a:rPr/>
+              <a:t> </a:t>
+            </a:r>
+            <a:r>
+              <a:rPr/>
+              <a:t>improve</a:t>
+            </a:r>
+            <a:r>
+              <a:rPr/>
+              <a:t> </a:t>
+            </a:r>
+            <a:r>
+              <a:rPr/>
+              <a:t>further</a:t>
+            </a:r>
+            <a:r>
+              <a:rPr/>
+              <a:t> </a:t>
+            </a:r>
+            <a:r>
+              <a:rPr/>
+              <a:t>on</a:t>
+            </a:r>
+            <a:r>
+              <a:rPr/>
+              <a:t> </a:t>
+            </a:r>
+            <a:r>
+              <a:rPr/>
+              <a:t>these</a:t>
+            </a:r>
+            <a:r>
+              <a:rPr/>
+              <a:t> </a:t>
+            </a:r>
+            <a:r>
+              <a:rPr/>
+              <a:t>labels.</a:t>
+            </a:r>
+            <a:r>
+              <a:rPr/>
+              <a:t> </a:t>
+            </a:r>
+            <a:r>
+              <a:rPr/>
+              <a:t>You</a:t>
+            </a:r>
+            <a:r>
+              <a:rPr/>
+              <a:t> </a:t>
+            </a:r>
+            <a:r>
+              <a:rPr/>
+              <a:t>might</a:t>
             </a:r>
             <a:r>
               <a:rPr/>
@@ -4162,31 +4222,63 @@
             </a:r>
             <a:r>
               <a:rPr/>
-              <a:t>been</a:t>
-            </a:r>
-            <a:r>
-              <a:rPr/>
-              <a:t> </a:t>
-            </a:r>
-            <a:r>
-              <a:rPr/>
-              <a:t>moved</a:t>
-            </a:r>
-            <a:r>
-              <a:rPr/>
-              <a:t> </a:t>
-            </a:r>
-            <a:r>
-              <a:rPr/>
-              <a:t>closer</a:t>
-            </a:r>
-            <a:r>
-              <a:rPr/>
-              <a:t> </a:t>
-            </a:r>
-            <a:r>
-              <a:rPr/>
-              <a:t>to</a:t>
+              <a:t>had</a:t>
+            </a:r>
+            <a:r>
+              <a:rPr/>
+              <a:t> </a:t>
+            </a:r>
+            <a:r>
+              <a:rPr/>
+              <a:t>a</a:t>
+            </a:r>
+            <a:r>
+              <a:rPr/>
+              <a:t> </a:t>
+            </a:r>
+            <a:r>
+              <a:rPr/>
+              <a:t>moment</a:t>
+            </a:r>
+            <a:r>
+              <a:rPr/>
+              <a:t> </a:t>
+            </a:r>
+            <a:r>
+              <a:rPr/>
+              <a:t>of</a:t>
+            </a:r>
+            <a:r>
+              <a:rPr/>
+              <a:t> </a:t>
+            </a:r>
+            <a:r>
+              <a:rPr/>
+              <a:t>hesitation</a:t>
+            </a:r>
+            <a:r>
+              <a:rPr/>
+              <a:t> </a:t>
+            </a:r>
+            <a:r>
+              <a:rPr/>
+              <a:t>when</a:t>
+            </a:r>
+            <a:r>
+              <a:rPr/>
+              <a:t> </a:t>
+            </a:r>
+            <a:r>
+              <a:rPr/>
+              <a:t>you</a:t>
+            </a:r>
+            <a:r>
+              <a:rPr/>
+              <a:t> </a:t>
+            </a:r>
+            <a:r>
+              <a:rPr/>
+              <a:t>saw</a:t>
             </a:r>
             <a:r>
               <a:rPr/>
@@ -4202,23 +4294,55 @@
             </a:r>
             <a:r>
               <a:rPr/>
-              <a:t>lines.</a:t>
-            </a:r>
-            <a:r>
-              <a:rPr/>
-              <a:t> </a:t>
-            </a:r>
-            <a:r>
-              <a:rPr/>
-              <a:t>The</a:t>
-            </a:r>
-            <a:r>
-              <a:rPr/>
-              <a:t> </a:t>
-            </a:r>
-            <a:r>
-              <a:rPr/>
-              <a:t>exploits</a:t>
+              <a:t>label</a:t>
+            </a:r>
+            <a:r>
+              <a:rPr/>
+              <a:t> </a:t>
+            </a:r>
+            <a:r>
+              <a:rPr/>
+              <a:t>for</a:t>
+            </a:r>
+            <a:r>
+              <a:rPr/>
+              <a:t> </a:t>
+            </a:r>
+            <a:r>
+              <a:rPr/>
+              <a:t>Abel.</a:t>
+            </a:r>
+            <a:r>
+              <a:rPr/>
+              <a:t> </a:t>
+            </a:r>
+            <a:r>
+              <a:rPr/>
+              <a:t>Does</a:t>
+            </a:r>
+            <a:r>
+              <a:rPr/>
+              <a:t> </a:t>
+            </a:r>
+            <a:r>
+              <a:rPr/>
+              <a:t>it</a:t>
+            </a:r>
+            <a:r>
+              <a:rPr/>
+              <a:t> </a:t>
+            </a:r>
+            <a:r>
+              <a:rPr/>
+              <a:t>belong</a:t>
+            </a:r>
+            <a:r>
+              <a:rPr/>
+              <a:t> </a:t>
+            </a:r>
+            <a:r>
+              <a:rPr/>
+              <a:t>with</a:t>
             </a:r>
             <a:r>
               <a:rPr/>
@@ -4234,6 +4358,388 @@
             </a:r>
             <a:r>
               <a:rPr/>
+              <a:t>line</a:t>
+            </a:r>
+            <a:r>
+              <a:rPr/>
+              <a:t> </a:t>
+            </a:r>
+            <a:r>
+              <a:rPr/>
+              <a:t>just</a:t>
+            </a:r>
+            <a:r>
+              <a:rPr/>
+              <a:t> </a:t>
+            </a:r>
+            <a:r>
+              <a:rPr/>
+              <a:t>above</a:t>
+            </a:r>
+            <a:r>
+              <a:rPr/>
+              <a:t> </a:t>
+            </a:r>
+            <a:r>
+              <a:rPr/>
+              <a:t>or</a:t>
+            </a:r>
+            <a:r>
+              <a:rPr/>
+              <a:t> </a:t>
+            </a:r>
+            <a:r>
+              <a:rPr/>
+              <a:t>the</a:t>
+            </a:r>
+            <a:r>
+              <a:rPr/>
+              <a:t> </a:t>
+            </a:r>
+            <a:r>
+              <a:rPr/>
+              <a:t>line</a:t>
+            </a:r>
+            <a:r>
+              <a:rPr/>
+              <a:t> </a:t>
+            </a:r>
+            <a:r>
+              <a:rPr/>
+              <a:t>just</a:t>
+            </a:r>
+            <a:r>
+              <a:rPr/>
+              <a:t> </a:t>
+            </a:r>
+            <a:r>
+              <a:rPr/>
+              <a:t>below.</a:t>
+            </a:r>
+            <a:r>
+              <a:rPr/>
+              <a:t> </a:t>
+            </a:r>
+            <a:r>
+              <a:rPr/>
+              <a:t>It</a:t>
+            </a:r>
+            <a:r>
+              <a:rPr/>
+              <a:t> </a:t>
+            </a:r>
+            <a:r>
+              <a:rPr/>
+              <a:t>only</a:t>
+            </a:r>
+            <a:r>
+              <a:rPr/>
+              <a:t> </a:t>
+            </a:r>
+            <a:r>
+              <a:rPr/>
+              <a:t>slows</a:t>
+            </a:r>
+            <a:r>
+              <a:rPr/>
+              <a:t> </a:t>
+            </a:r>
+            <a:r>
+              <a:rPr/>
+              <a:t>you</a:t>
+            </a:r>
+            <a:r>
+              <a:rPr/>
+              <a:t> </a:t>
+            </a:r>
+            <a:r>
+              <a:rPr/>
+              <a:t>down</a:t>
+            </a:r>
+            <a:r>
+              <a:rPr/>
+              <a:t> </a:t>
+            </a:r>
+            <a:r>
+              <a:rPr/>
+              <a:t>for</a:t>
+            </a:r>
+            <a:r>
+              <a:rPr/>
+              <a:t> </a:t>
+            </a:r>
+            <a:r>
+              <a:rPr/>
+              <a:t>a</a:t>
+            </a:r>
+            <a:r>
+              <a:rPr/>
+              <a:t> </a:t>
+            </a:r>
+            <a:r>
+              <a:rPr/>
+              <a:t>second,</a:t>
+            </a:r>
+            <a:r>
+              <a:rPr/>
+              <a:t> </a:t>
+            </a:r>
+            <a:r>
+              <a:rPr/>
+              <a:t>because</a:t>
+            </a:r>
+            <a:r>
+              <a:rPr/>
+              <a:t> </a:t>
+            </a:r>
+            <a:r>
+              <a:rPr/>
+              <a:t>by</a:t>
+            </a:r>
+            <a:r>
+              <a:rPr/>
+              <a:t> </a:t>
+            </a:r>
+            <a:r>
+              <a:rPr/>
+              <a:t>process</a:t>
+            </a:r>
+            <a:r>
+              <a:rPr/>
+              <a:t> </a:t>
+            </a:r>
+            <a:r>
+              <a:rPr/>
+              <a:t>of</a:t>
+            </a:r>
+            <a:r>
+              <a:rPr/>
+              <a:t> </a:t>
+            </a:r>
+            <a:r>
+              <a:rPr/>
+              <a:t>elimination,</a:t>
+            </a:r>
+            <a:r>
+              <a:rPr/>
+              <a:t> </a:t>
+            </a:r>
+            <a:r>
+              <a:rPr/>
+              <a:t>you</a:t>
+            </a:r>
+            <a:r>
+              <a:rPr/>
+              <a:t> </a:t>
+            </a:r>
+            <a:r>
+              <a:rPr/>
+              <a:t>can</a:t>
+            </a:r>
+            <a:r>
+              <a:rPr/>
+              <a:t> </a:t>
+            </a:r>
+            <a:r>
+              <a:rPr/>
+              <a:t>quickly</a:t>
+            </a:r>
+            <a:r>
+              <a:rPr/>
+              <a:t> </a:t>
+            </a:r>
+            <a:r>
+              <a:rPr/>
+              <a:t>decide</a:t>
+            </a:r>
+            <a:r>
+              <a:rPr/>
+              <a:t> </a:t>
+            </a:r>
+            <a:r>
+              <a:rPr/>
+              <a:t>that</a:t>
+            </a:r>
+            <a:r>
+              <a:rPr/>
+              <a:t> </a:t>
+            </a:r>
+            <a:r>
+              <a:rPr/>
+              <a:t>it</a:t>
+            </a:r>
+            <a:r>
+              <a:rPr/>
+              <a:t> </a:t>
+            </a:r>
+            <a:r>
+              <a:rPr/>
+              <a:t>belongs</a:t>
+            </a:r>
+            <a:r>
+              <a:rPr/>
+              <a:t> </a:t>
+            </a:r>
+            <a:r>
+              <a:rPr/>
+              <a:t>with</a:t>
+            </a:r>
+            <a:r>
+              <a:rPr/>
+              <a:t> </a:t>
+            </a:r>
+            <a:r>
+              <a:rPr/>
+              <a:t>the</a:t>
+            </a:r>
+            <a:r>
+              <a:rPr/>
+              <a:t> </a:t>
+            </a:r>
+            <a:r>
+              <a:rPr/>
+              <a:t>line</a:t>
+            </a:r>
+            <a:r>
+              <a:rPr/>
+              <a:t> </a:t>
+            </a:r>
+            <a:r>
+              <a:rPr/>
+              <a:t>just</a:t>
+            </a:r>
+            <a:r>
+              <a:rPr/>
+              <a:t> </a:t>
+            </a:r>
+            <a:r>
+              <a:rPr/>
+              <a:t>below</a:t>
+            </a:r>
+            <a:r>
+              <a:rPr/>
+              <a:t> </a:t>
+            </a:r>
+            <a:r>
+              <a:rPr/>
+              <a:t>it.</a:t>
+            </a:r>
+          </a:p>
+          <a:p>
+            <a:pPr lvl="0" marL="0" indent="0">
+              <a:buNone/>
+            </a:pPr>
+          </a:p>
+          <a:p>
+            <a:pPr lvl="0" marL="0" indent="0">
+              <a:buNone/>
+            </a:pPr>
+            <a:r>
+              <a:rPr/>
+              <a:t>But</a:t>
+            </a:r>
+            <a:r>
+              <a:rPr/>
+              <a:t> </a:t>
+            </a:r>
+            <a:r>
+              <a:rPr/>
+              <a:t>you</a:t>
+            </a:r>
+            <a:r>
+              <a:rPr/>
+              <a:t> </a:t>
+            </a:r>
+            <a:r>
+              <a:rPr/>
+              <a:t>can</a:t>
+            </a:r>
+            <a:r>
+              <a:rPr/>
+              <a:t> </a:t>
+            </a:r>
+            <a:r>
+              <a:rPr/>
+              <a:t>improve</a:t>
+            </a:r>
+            <a:r>
+              <a:rPr/>
+              <a:t> </a:t>
+            </a:r>
+            <a:r>
+              <a:rPr/>
+              <a:t>the</a:t>
+            </a:r>
+            <a:r>
+              <a:rPr/>
+              <a:t> </a:t>
+            </a:r>
+            <a:r>
+              <a:rPr/>
+              <a:t>sense</a:t>
+            </a:r>
+            <a:r>
+              <a:rPr/>
+              <a:t> </a:t>
+            </a:r>
+            <a:r>
+              <a:rPr/>
+              <a:t>of</a:t>
+            </a:r>
+            <a:r>
+              <a:rPr/>
+              <a:t> </a:t>
+            </a:r>
+            <a:r>
+              <a:rPr/>
+              <a:t>belongingness</a:t>
+            </a:r>
+            <a:r>
+              <a:rPr/>
+              <a:t> </a:t>
+            </a:r>
+            <a:r>
+              <a:rPr/>
+              <a:t>by</a:t>
+            </a:r>
+            <a:r>
+              <a:rPr/>
+              <a:t> </a:t>
+            </a:r>
+            <a:r>
+              <a:rPr/>
+              <a:t>using</a:t>
+            </a:r>
+            <a:r>
+              <a:rPr/>
+              <a:t> </a:t>
+            </a:r>
+            <a:r>
+              <a:rPr/>
+              <a:t>some</a:t>
+            </a:r>
+            <a:r>
+              <a:rPr/>
+              <a:t> </a:t>
+            </a:r>
+            <a:r>
+              <a:rPr/>
+              <a:t>of</a:t>
+            </a:r>
+            <a:r>
+              <a:rPr/>
+              <a:t> </a:t>
+            </a:r>
+            <a:r>
+              <a:rPr/>
+              <a:t>your</a:t>
+            </a:r>
+            <a:r>
+              <a:rPr/>
+              <a:t> </a:t>
+            </a:r>
+            <a:r>
+              <a:rPr/>
               <a:t>Gestalt</a:t>
             </a:r>
             <a:r>
@@ -4242,519 +4748,7 @@
             </a:r>
             <a:r>
               <a:rPr/>
-              <a:t>principle</a:t>
-            </a:r>
-            <a:r>
-              <a:rPr/>
-              <a:t> </a:t>
-            </a:r>
-            <a:r>
-              <a:rPr/>
-              <a:t>of</a:t>
-            </a:r>
-            <a:r>
-              <a:rPr/>
-              <a:t> </a:t>
-            </a:r>
-            <a:r>
-              <a:rPr/>
-              <a:t>proximity.</a:t>
-            </a:r>
-            <a:r>
-              <a:rPr/>
-              <a:t> </a:t>
-            </a:r>
-            <a:r>
-              <a:rPr/>
-              <a:t>Notice</a:t>
-            </a:r>
-            <a:r>
-              <a:rPr/>
-              <a:t> </a:t>
-            </a:r>
-            <a:r>
-              <a:rPr/>
-              <a:t>how</a:t>
-            </a:r>
-            <a:r>
-              <a:rPr/>
-              <a:t> </a:t>
-            </a:r>
-            <a:r>
-              <a:rPr/>
-              <a:t>the</a:t>
-            </a:r>
-            <a:r>
-              <a:rPr/>
-              <a:t> </a:t>
-            </a:r>
-            <a:r>
-              <a:rPr/>
-              <a:t>names</a:t>
-            </a:r>
-            <a:r>
-              <a:rPr/>
-              <a:t> </a:t>
-            </a:r>
-            <a:r>
-              <a:rPr/>
-              <a:t>have</a:t>
-            </a:r>
-            <a:r>
-              <a:rPr/>
-              <a:t> </a:t>
-            </a:r>
-            <a:r>
-              <a:rPr/>
-              <a:t>the</a:t>
-            </a:r>
-            <a:r>
-              <a:rPr/>
-              <a:t> </a:t>
-            </a:r>
-            <a:r>
-              <a:rPr/>
-              <a:t>same</a:t>
-            </a:r>
-            <a:r>
-              <a:rPr/>
-              <a:t> </a:t>
-            </a:r>
-            <a:r>
-              <a:rPr/>
-              <a:t>colors</a:t>
-            </a:r>
-            <a:r>
-              <a:rPr/>
-              <a:t> </a:t>
-            </a:r>
-            <a:r>
-              <a:rPr/>
-              <a:t>as</a:t>
-            </a:r>
-            <a:r>
-              <a:rPr/>
-              <a:t> </a:t>
-            </a:r>
-            <a:r>
-              <a:rPr/>
-              <a:t>the</a:t>
-            </a:r>
-            <a:r>
-              <a:rPr/>
-              <a:t> </a:t>
-            </a:r>
-            <a:r>
-              <a:rPr/>
-              <a:t>lines.</a:t>
-            </a:r>
-            <a:r>
-              <a:rPr/>
-              <a:t> </a:t>
-            </a:r>
-            <a:r>
-              <a:rPr/>
-              <a:t>Thie</a:t>
-            </a:r>
-            <a:r>
-              <a:rPr/>
-              <a:t> </a:t>
-            </a:r>
-            <a:r>
-              <a:rPr/>
-              <a:t>exploits</a:t>
-            </a:r>
-            <a:r>
-              <a:rPr/>
-              <a:t> </a:t>
-            </a:r>
-            <a:r>
-              <a:rPr/>
-              <a:t>the</a:t>
-            </a:r>
-            <a:r>
-              <a:rPr/>
-              <a:t> </a:t>
-            </a:r>
-            <a:r>
-              <a:rPr/>
-              <a:t>Gestalt</a:t>
-            </a:r>
-            <a:r>
-              <a:rPr/>
-              <a:t> </a:t>
-            </a:r>
-            <a:r>
-              <a:rPr/>
-              <a:t>principle</a:t>
-            </a:r>
-            <a:r>
-              <a:rPr/>
-              <a:t> </a:t>
-            </a:r>
-            <a:r>
-              <a:rPr/>
-              <a:t>of</a:t>
-            </a:r>
-            <a:r>
-              <a:rPr/>
-              <a:t> </a:t>
-            </a:r>
-            <a:r>
-              <a:rPr/>
-              <a:t>similarity.</a:t>
-            </a:r>
-            <a:r>
-              <a:rPr/>
-              <a:t> </a:t>
-            </a:r>
-            <a:r>
-              <a:rPr/>
-              <a:t>It</a:t>
-            </a:r>
-            <a:r>
-              <a:rPr/>
-              <a:t> </a:t>
-            </a:r>
-            <a:r>
-              <a:rPr/>
-              <a:t>would</a:t>
-            </a:r>
-            <a:r>
-              <a:rPr/>
-              <a:t> </a:t>
-            </a:r>
-            <a:r>
-              <a:rPr/>
-              <a:t>be</a:t>
-            </a:r>
-            <a:r>
-              <a:rPr/>
-              <a:t> </a:t>
-            </a:r>
-            <a:r>
-              <a:rPr/>
-              <a:t>very</a:t>
-            </a:r>
-            <a:r>
-              <a:rPr/>
-              <a:t> </a:t>
-            </a:r>
-            <a:r>
-              <a:rPr/>
-              <a:t>hard</a:t>
-            </a:r>
-            <a:r>
-              <a:rPr/>
-              <a:t> </a:t>
-            </a:r>
-            <a:r>
-              <a:rPr/>
-              <a:t>to</a:t>
-            </a:r>
-            <a:r>
-              <a:rPr/>
-              <a:t> </a:t>
-            </a:r>
-            <a:r>
-              <a:rPr/>
-              <a:t>incorrectly</a:t>
-            </a:r>
-            <a:r>
-              <a:rPr/>
-              <a:t> </a:t>
-            </a:r>
-            <a:r>
-              <a:rPr/>
-              <a:t>assign</a:t>
-            </a:r>
-            <a:r>
-              <a:rPr/>
-              <a:t> </a:t>
-            </a:r>
-            <a:r>
-              <a:rPr/>
-              <a:t>the</a:t>
-            </a:r>
-            <a:r>
-              <a:rPr/>
-              <a:t> </a:t>
-            </a:r>
-            <a:r>
-              <a:rPr/>
-              <a:t>red</a:t>
-            </a:r>
-            <a:r>
-              <a:rPr/>
-              <a:t> </a:t>
-            </a:r>
-            <a:r>
-              <a:rPr/>
-              <a:t>label</a:t>
-            </a:r>
-            <a:r>
-              <a:rPr/>
-              <a:t> </a:t>
-            </a:r>
-            <a:r>
-              <a:rPr/>
-              <a:t>of</a:t>
-            </a:r>
-            <a:r>
-              <a:rPr/>
-              <a:t> </a:t>
-            </a:r>
-            <a:r>
-              <a:rPr/>
-              <a:t>Abel</a:t>
-            </a:r>
-            <a:r>
-              <a:rPr/>
-              <a:t> </a:t>
-            </a:r>
-            <a:r>
-              <a:rPr/>
-              <a:t>with</a:t>
-            </a:r>
-            <a:r>
-              <a:rPr/>
-              <a:t> </a:t>
-            </a:r>
-            <a:r>
-              <a:rPr/>
-              <a:t>the</a:t>
-            </a:r>
-            <a:r>
-              <a:rPr/>
-              <a:t> </a:t>
-            </a:r>
-            <a:r>
-              <a:rPr/>
-              <a:t>green</a:t>
-            </a:r>
-            <a:r>
-              <a:rPr/>
-              <a:t> </a:t>
-            </a:r>
-            <a:r>
-              <a:rPr/>
-              <a:t>line</a:t>
-            </a:r>
-            <a:r>
-              <a:rPr/>
-              <a:t> </a:t>
-            </a:r>
-            <a:r>
-              <a:rPr/>
-              <a:t>of</a:t>
-            </a:r>
-            <a:r>
-              <a:rPr/>
-              <a:t> </a:t>
-            </a:r>
-            <a:r>
-              <a:rPr/>
-              <a:t>Baker.</a:t>
-            </a:r>
-            <a:r>
-              <a:rPr/>
-              <a:t> </a:t>
-            </a:r>
-            <a:r>
-              <a:rPr/>
-              <a:t>Notice</a:t>
-            </a:r>
-            <a:r>
-              <a:rPr/>
-              <a:t> </a:t>
-            </a:r>
-            <a:r>
-              <a:rPr/>
-              <a:t>further</a:t>
-            </a:r>
-            <a:r>
-              <a:rPr/>
-              <a:t> </a:t>
-            </a:r>
-            <a:r>
-              <a:rPr/>
-              <a:t>that</a:t>
-            </a:r>
-            <a:r>
-              <a:rPr/>
-              <a:t> </a:t>
-            </a:r>
-            <a:r>
-              <a:rPr/>
-              <a:t>the</a:t>
-            </a:r>
-            <a:r>
-              <a:rPr/>
-              <a:t> </a:t>
-            </a:r>
-            <a:r>
-              <a:rPr/>
-              <a:t>labels</a:t>
-            </a:r>
-            <a:r>
-              <a:rPr/>
-              <a:t> </a:t>
-            </a:r>
-            <a:r>
-              <a:rPr/>
-              <a:t>have</a:t>
-            </a:r>
-            <a:r>
-              <a:rPr/>
-              <a:t> </a:t>
-            </a:r>
-            <a:r>
-              <a:rPr/>
-              <a:t>a</a:t>
-            </a:r>
-            <a:r>
-              <a:rPr/>
-              <a:t> </a:t>
-            </a:r>
-            <a:r>
-              <a:rPr/>
-              <a:t>slope</a:t>
-            </a:r>
-            <a:r>
-              <a:rPr/>
-              <a:t> </a:t>
-            </a:r>
-            <a:r>
-              <a:rPr/>
-              <a:t>that</a:t>
-            </a:r>
-            <a:r>
-              <a:rPr/>
-              <a:t> </a:t>
-            </a:r>
-            <a:r>
-              <a:rPr/>
-              <a:t>roughly</a:t>
-            </a:r>
-            <a:r>
-              <a:rPr/>
-              <a:t> </a:t>
-            </a:r>
-            <a:r>
-              <a:rPr/>
-              <a:t>matches</a:t>
-            </a:r>
-            <a:r>
-              <a:rPr/>
-              <a:t> </a:t>
-            </a:r>
-            <a:r>
-              <a:rPr/>
-              <a:t>the</a:t>
-            </a:r>
-            <a:r>
-              <a:rPr/>
-              <a:t> </a:t>
-            </a:r>
-            <a:r>
-              <a:rPr/>
-              <a:t>lines</a:t>
-            </a:r>
-            <a:r>
-              <a:rPr/>
-              <a:t> </a:t>
-            </a:r>
-            <a:r>
-              <a:rPr/>
-              <a:t>they</a:t>
-            </a:r>
-            <a:r>
-              <a:rPr/>
-              <a:t> </a:t>
-            </a:r>
-            <a:r>
-              <a:rPr/>
-              <a:t>are</a:t>
-            </a:r>
-            <a:r>
-              <a:rPr/>
-              <a:t> </a:t>
-            </a:r>
-            <a:r>
-              <a:rPr/>
-              <a:t>attached</a:t>
-            </a:r>
-            <a:r>
-              <a:rPr/>
-              <a:t> </a:t>
-            </a:r>
-            <a:r>
-              <a:rPr/>
-              <a:t>to.</a:t>
-            </a:r>
-            <a:r>
-              <a:rPr/>
-              <a:t> </a:t>
-            </a:r>
-            <a:r>
-              <a:rPr/>
-              <a:t>This</a:t>
-            </a:r>
-            <a:r>
-              <a:rPr/>
-              <a:t> </a:t>
-            </a:r>
-            <a:r>
-              <a:rPr/>
-              <a:t>exploits</a:t>
-            </a:r>
-            <a:r>
-              <a:rPr/>
-              <a:t> </a:t>
-            </a:r>
-            <a:r>
-              <a:rPr/>
-              <a:t>the</a:t>
-            </a:r>
-            <a:r>
-              <a:rPr/>
-              <a:t> </a:t>
-            </a:r>
-            <a:r>
-              <a:rPr/>
-              <a:t>Gestalt</a:t>
-            </a:r>
-            <a:r>
-              <a:rPr/>
-              <a:t> </a:t>
-            </a:r>
-            <a:r>
-              <a:rPr/>
-              <a:t>principle</a:t>
-            </a:r>
-            <a:r>
-              <a:rPr/>
-              <a:t> </a:t>
-            </a:r>
-            <a:r>
-              <a:rPr/>
-              <a:t>of</a:t>
-            </a:r>
-            <a:r>
-              <a:rPr/>
-              <a:t> </a:t>
-            </a:r>
-            <a:r>
-              <a:rPr/>
-              <a:t>common</a:t>
-            </a:r>
-            <a:r>
-              <a:rPr/>
-              <a:t> </a:t>
-            </a:r>
-            <a:r>
-              <a:rPr/>
-              <a:t>fate.</a:t>
+              <a:t>principles.</a:t>
             </a:r>
           </a:p>
         </p:txBody>
@@ -4776,7 +4770,7 @@
           <a:p>
             <a:fld id="{18BDFEC3-8487-43E8-A154-7C12CBC1FFF2}" type="slidenum">
               <a:rPr lang="en-US"/>
-              <a:t>15</a:t>
+              <a:t>14</a:t>
             </a:fld>
             <a:endParaRPr lang="en-US"/>
           </a:p>
@@ -9183,7 +9177,7 @@
           <p:nvPr/>
         </p:nvPicPr>
         <p:blipFill>
-          <a:blip r:embed="rId2"/>
+          <a:blip r:embed="rId3"/>
           <a:stretch>
             <a:fillRect/>
           </a:stretch>

--- a/data-viz-03/component/recommendations-gestalt.pptx
+++ b/data-viz-03/component/recommendations-gestalt.pptx
@@ -5,7 +5,7 @@
     <p:sldMasterId id="2147483648" r:id="rId1"/>
   </p:sldMasterIdLst>
   <p:notesMasterIdLst>
-    <p:NotesMasterId r:id="rId18"/>
+    <p:NotesMasterId r:id="rId19"/>
   </p:notesMasterIdLst>
   <p:sldIdLst>
     <p:sldId id="256" r:id="rId2"/>
@@ -24,6 +24,7 @@
     <p:sldId id="269" r:id="rId15"/>
     <p:sldId id="270" r:id="rId16"/>
     <p:sldId id="271" r:id="rId17"/>
+    <p:sldId id="272" r:id="rId18"/>
   </p:sldIdLst>
   <p:sldSz cx="9144000" cy="6858000" type="screen4x3"/>
   <p:notesSz cx="6858000" cy="9144000"/>
@@ -878,15 +879,15 @@
             </a:pPr>
             <a:r>
               <a:rPr/>
-              <a:t>Notice</a:t>
-            </a:r>
-            <a:r>
-              <a:rPr/>
-              <a:t> </a:t>
-            </a:r>
-            <a:r>
-              <a:rPr/>
-              <a:t>how</a:t>
+              <a:t>By</a:t>
+            </a:r>
+            <a:r>
+              <a:rPr/>
+              <a:t> </a:t>
+            </a:r>
+            <a:r>
+              <a:rPr/>
+              <a:t>putting</a:t>
             </a:r>
             <a:r>
               <a:rPr/>
@@ -910,23 +911,277 @@
             </a:r>
             <a:r>
               <a:rPr/>
-              <a:t>in</a:t>
-            </a:r>
-            <a:r>
-              <a:rPr/>
-              <a:t> </a:t>
-            </a:r>
-            <a:r>
-              <a:rPr/>
-              <a:t>this</a:t>
-            </a:r>
-            <a:r>
-              <a:rPr/>
-              <a:t> </a:t>
-            </a:r>
-            <a:r>
-              <a:rPr/>
-              <a:t>example</a:t>
+              <a:t>directly</a:t>
+            </a:r>
+            <a:r>
+              <a:rPr/>
+              <a:t> </a:t>
+            </a:r>
+            <a:r>
+              <a:rPr/>
+              <a:t>on</a:t>
+            </a:r>
+            <a:r>
+              <a:rPr/>
+              <a:t> </a:t>
+            </a:r>
+            <a:r>
+              <a:rPr/>
+              <a:t>the</a:t>
+            </a:r>
+            <a:r>
+              <a:rPr/>
+              <a:t> </a:t>
+            </a:r>
+            <a:r>
+              <a:rPr/>
+              <a:t>graph,</a:t>
+            </a:r>
+            <a:r>
+              <a:rPr/>
+              <a:t> </a:t>
+            </a:r>
+            <a:r>
+              <a:rPr/>
+              <a:t>you</a:t>
+            </a:r>
+            <a:r>
+              <a:rPr/>
+              <a:t> </a:t>
+            </a:r>
+            <a:r>
+              <a:rPr/>
+              <a:t>minimize</a:t>
+            </a:r>
+            <a:r>
+              <a:rPr/>
+              <a:t> </a:t>
+            </a:r>
+            <a:r>
+              <a:rPr/>
+              <a:t>the</a:t>
+            </a:r>
+            <a:r>
+              <a:rPr/>
+              <a:t> </a:t>
+            </a:r>
+            <a:r>
+              <a:rPr/>
+              <a:t>distance</a:t>
+            </a:r>
+            <a:r>
+              <a:rPr/>
+              <a:t> </a:t>
+            </a:r>
+            <a:r>
+              <a:rPr/>
+              <a:t>that</a:t>
+            </a:r>
+            <a:r>
+              <a:rPr/>
+              <a:t> </a:t>
+            </a:r>
+            <a:r>
+              <a:rPr/>
+              <a:t>your</a:t>
+            </a:r>
+            <a:r>
+              <a:rPr/>
+              <a:t> </a:t>
+            </a:r>
+            <a:r>
+              <a:rPr/>
+              <a:t>eye</a:t>
+            </a:r>
+            <a:r>
+              <a:rPr/>
+              <a:t> </a:t>
+            </a:r>
+            <a:r>
+              <a:rPr/>
+              <a:t>has</a:t>
+            </a:r>
+            <a:r>
+              <a:rPr/>
+              <a:t> </a:t>
+            </a:r>
+            <a:r>
+              <a:rPr/>
+              <a:t>to</a:t>
+            </a:r>
+            <a:r>
+              <a:rPr/>
+              <a:t> </a:t>
+            </a:r>
+            <a:r>
+              <a:rPr/>
+              <a:t>travel.</a:t>
+            </a:r>
+            <a:r>
+              <a:rPr/>
+              <a:t> </a:t>
+            </a:r>
+            <a:r>
+              <a:rPr/>
+              <a:t>No</a:t>
+            </a:r>
+            <a:r>
+              <a:rPr/>
+              <a:t> </a:t>
+            </a:r>
+            <a:r>
+              <a:rPr/>
+              <a:t>more</a:t>
+            </a:r>
+            <a:r>
+              <a:rPr/>
+              <a:t> </a:t>
+            </a:r>
+            <a:r>
+              <a:rPr/>
+              <a:t>back</a:t>
+            </a:r>
+            <a:r>
+              <a:rPr/>
+              <a:t> </a:t>
+            </a:r>
+            <a:r>
+              <a:rPr/>
+              <a:t>and</a:t>
+            </a:r>
+            <a:r>
+              <a:rPr/>
+              <a:t> </a:t>
+            </a:r>
+            <a:r>
+              <a:rPr/>
+              <a:t>forth</a:t>
+            </a:r>
+            <a:r>
+              <a:rPr/>
+              <a:t> </a:t>
+            </a:r>
+            <a:r>
+              <a:rPr/>
+              <a:t>between</a:t>
+            </a:r>
+            <a:r>
+              <a:rPr/>
+              <a:t> </a:t>
+            </a:r>
+            <a:r>
+              <a:rPr/>
+              <a:t>the</a:t>
+            </a:r>
+            <a:r>
+              <a:rPr/>
+              <a:t> </a:t>
+            </a:r>
+            <a:r>
+              <a:rPr/>
+              <a:t>legend</a:t>
+            </a:r>
+            <a:r>
+              <a:rPr/>
+              <a:t> </a:t>
+            </a:r>
+            <a:r>
+              <a:rPr/>
+              <a:t>and</a:t>
+            </a:r>
+            <a:r>
+              <a:rPr/>
+              <a:t> </a:t>
+            </a:r>
+            <a:r>
+              <a:rPr/>
+              <a:t>the</a:t>
+            </a:r>
+            <a:r>
+              <a:rPr/>
+              <a:t> </a:t>
+            </a:r>
+            <a:r>
+              <a:rPr/>
+              <a:t>graph.</a:t>
+            </a:r>
+          </a:p>
+          <a:p>
+            <a:pPr lvl="0" marL="0" indent="0">
+              <a:buNone/>
+            </a:pPr>
+          </a:p>
+          <a:p>
+            <a:pPr lvl="0" marL="0" indent="0">
+              <a:buNone/>
+            </a:pPr>
+            <a:r>
+              <a:rPr/>
+              <a:t>You</a:t>
+            </a:r>
+            <a:r>
+              <a:rPr/>
+              <a:t> </a:t>
+            </a:r>
+            <a:r>
+              <a:rPr/>
+              <a:t>can</a:t>
+            </a:r>
+            <a:r>
+              <a:rPr/>
+              <a:t> </a:t>
+            </a:r>
+            <a:r>
+              <a:rPr/>
+              <a:t>improve</a:t>
+            </a:r>
+            <a:r>
+              <a:rPr/>
+              <a:t> </a:t>
+            </a:r>
+            <a:r>
+              <a:rPr/>
+              <a:t>further</a:t>
+            </a:r>
+            <a:r>
+              <a:rPr/>
+              <a:t> </a:t>
+            </a:r>
+            <a:r>
+              <a:rPr/>
+              <a:t>on</a:t>
+            </a:r>
+            <a:r>
+              <a:rPr/>
+              <a:t> </a:t>
+            </a:r>
+            <a:r>
+              <a:rPr/>
+              <a:t>these</a:t>
+            </a:r>
+            <a:r>
+              <a:rPr/>
+              <a:t> </a:t>
+            </a:r>
+            <a:r>
+              <a:rPr/>
+              <a:t>labels.</a:t>
+            </a:r>
+            <a:r>
+              <a:rPr/>
+              <a:t> </a:t>
+            </a:r>
+            <a:r>
+              <a:rPr/>
+              <a:t>You</a:t>
+            </a:r>
+            <a:r>
+              <a:rPr/>
+              <a:t> </a:t>
+            </a:r>
+            <a:r>
+              <a:rPr/>
+              <a:t>might</a:t>
             </a:r>
             <a:r>
               <a:rPr/>
@@ -942,31 +1197,63 @@
             </a:r>
             <a:r>
               <a:rPr/>
-              <a:t>been</a:t>
-            </a:r>
-            <a:r>
-              <a:rPr/>
-              <a:t> </a:t>
-            </a:r>
-            <a:r>
-              <a:rPr/>
-              <a:t>moved</a:t>
-            </a:r>
-            <a:r>
-              <a:rPr/>
-              <a:t> </a:t>
-            </a:r>
-            <a:r>
-              <a:rPr/>
-              <a:t>closer</a:t>
-            </a:r>
-            <a:r>
-              <a:rPr/>
-              <a:t> </a:t>
-            </a:r>
-            <a:r>
-              <a:rPr/>
-              <a:t>to</a:t>
+              <a:t>had</a:t>
+            </a:r>
+            <a:r>
+              <a:rPr/>
+              <a:t> </a:t>
+            </a:r>
+            <a:r>
+              <a:rPr/>
+              <a:t>a</a:t>
+            </a:r>
+            <a:r>
+              <a:rPr/>
+              <a:t> </a:t>
+            </a:r>
+            <a:r>
+              <a:rPr/>
+              <a:t>moment</a:t>
+            </a:r>
+            <a:r>
+              <a:rPr/>
+              <a:t> </a:t>
+            </a:r>
+            <a:r>
+              <a:rPr/>
+              <a:t>of</a:t>
+            </a:r>
+            <a:r>
+              <a:rPr/>
+              <a:t> </a:t>
+            </a:r>
+            <a:r>
+              <a:rPr/>
+              <a:t>hesitation</a:t>
+            </a:r>
+            <a:r>
+              <a:rPr/>
+              <a:t> </a:t>
+            </a:r>
+            <a:r>
+              <a:rPr/>
+              <a:t>when</a:t>
+            </a:r>
+            <a:r>
+              <a:rPr/>
+              <a:t> </a:t>
+            </a:r>
+            <a:r>
+              <a:rPr/>
+              <a:t>you</a:t>
+            </a:r>
+            <a:r>
+              <a:rPr/>
+              <a:t> </a:t>
+            </a:r>
+            <a:r>
+              <a:rPr/>
+              <a:t>saw</a:t>
             </a:r>
             <a:r>
               <a:rPr/>
@@ -982,23 +1269,55 @@
             </a:r>
             <a:r>
               <a:rPr/>
-              <a:t>lines.</a:t>
-            </a:r>
-            <a:r>
-              <a:rPr/>
-              <a:t> </a:t>
-            </a:r>
-            <a:r>
-              <a:rPr/>
-              <a:t>The</a:t>
-            </a:r>
-            <a:r>
-              <a:rPr/>
-              <a:t> </a:t>
-            </a:r>
-            <a:r>
-              <a:rPr/>
-              <a:t>exploits</a:t>
+              <a:t>label</a:t>
+            </a:r>
+            <a:r>
+              <a:rPr/>
+              <a:t> </a:t>
+            </a:r>
+            <a:r>
+              <a:rPr/>
+              <a:t>for</a:t>
+            </a:r>
+            <a:r>
+              <a:rPr/>
+              <a:t> </a:t>
+            </a:r>
+            <a:r>
+              <a:rPr/>
+              <a:t>Abel.</a:t>
+            </a:r>
+            <a:r>
+              <a:rPr/>
+              <a:t> </a:t>
+            </a:r>
+            <a:r>
+              <a:rPr/>
+              <a:t>Does</a:t>
+            </a:r>
+            <a:r>
+              <a:rPr/>
+              <a:t> </a:t>
+            </a:r>
+            <a:r>
+              <a:rPr/>
+              <a:t>it</a:t>
+            </a:r>
+            <a:r>
+              <a:rPr/>
+              <a:t> </a:t>
+            </a:r>
+            <a:r>
+              <a:rPr/>
+              <a:t>belong</a:t>
+            </a:r>
+            <a:r>
+              <a:rPr/>
+              <a:t> </a:t>
+            </a:r>
+            <a:r>
+              <a:rPr/>
+              <a:t>with</a:t>
             </a:r>
             <a:r>
               <a:rPr/>
@@ -1014,6 +1333,388 @@
             </a:r>
             <a:r>
               <a:rPr/>
+              <a:t>line</a:t>
+            </a:r>
+            <a:r>
+              <a:rPr/>
+              <a:t> </a:t>
+            </a:r>
+            <a:r>
+              <a:rPr/>
+              <a:t>just</a:t>
+            </a:r>
+            <a:r>
+              <a:rPr/>
+              <a:t> </a:t>
+            </a:r>
+            <a:r>
+              <a:rPr/>
+              <a:t>above</a:t>
+            </a:r>
+            <a:r>
+              <a:rPr/>
+              <a:t> </a:t>
+            </a:r>
+            <a:r>
+              <a:rPr/>
+              <a:t>or</a:t>
+            </a:r>
+            <a:r>
+              <a:rPr/>
+              <a:t> </a:t>
+            </a:r>
+            <a:r>
+              <a:rPr/>
+              <a:t>the</a:t>
+            </a:r>
+            <a:r>
+              <a:rPr/>
+              <a:t> </a:t>
+            </a:r>
+            <a:r>
+              <a:rPr/>
+              <a:t>line</a:t>
+            </a:r>
+            <a:r>
+              <a:rPr/>
+              <a:t> </a:t>
+            </a:r>
+            <a:r>
+              <a:rPr/>
+              <a:t>just</a:t>
+            </a:r>
+            <a:r>
+              <a:rPr/>
+              <a:t> </a:t>
+            </a:r>
+            <a:r>
+              <a:rPr/>
+              <a:t>below.</a:t>
+            </a:r>
+            <a:r>
+              <a:rPr/>
+              <a:t> </a:t>
+            </a:r>
+            <a:r>
+              <a:rPr/>
+              <a:t>It</a:t>
+            </a:r>
+            <a:r>
+              <a:rPr/>
+              <a:t> </a:t>
+            </a:r>
+            <a:r>
+              <a:rPr/>
+              <a:t>only</a:t>
+            </a:r>
+            <a:r>
+              <a:rPr/>
+              <a:t> </a:t>
+            </a:r>
+            <a:r>
+              <a:rPr/>
+              <a:t>slows</a:t>
+            </a:r>
+            <a:r>
+              <a:rPr/>
+              <a:t> </a:t>
+            </a:r>
+            <a:r>
+              <a:rPr/>
+              <a:t>you</a:t>
+            </a:r>
+            <a:r>
+              <a:rPr/>
+              <a:t> </a:t>
+            </a:r>
+            <a:r>
+              <a:rPr/>
+              <a:t>down</a:t>
+            </a:r>
+            <a:r>
+              <a:rPr/>
+              <a:t> </a:t>
+            </a:r>
+            <a:r>
+              <a:rPr/>
+              <a:t>for</a:t>
+            </a:r>
+            <a:r>
+              <a:rPr/>
+              <a:t> </a:t>
+            </a:r>
+            <a:r>
+              <a:rPr/>
+              <a:t>a</a:t>
+            </a:r>
+            <a:r>
+              <a:rPr/>
+              <a:t> </a:t>
+            </a:r>
+            <a:r>
+              <a:rPr/>
+              <a:t>second,</a:t>
+            </a:r>
+            <a:r>
+              <a:rPr/>
+              <a:t> </a:t>
+            </a:r>
+            <a:r>
+              <a:rPr/>
+              <a:t>because</a:t>
+            </a:r>
+            <a:r>
+              <a:rPr/>
+              <a:t> </a:t>
+            </a:r>
+            <a:r>
+              <a:rPr/>
+              <a:t>by</a:t>
+            </a:r>
+            <a:r>
+              <a:rPr/>
+              <a:t> </a:t>
+            </a:r>
+            <a:r>
+              <a:rPr/>
+              <a:t>process</a:t>
+            </a:r>
+            <a:r>
+              <a:rPr/>
+              <a:t> </a:t>
+            </a:r>
+            <a:r>
+              <a:rPr/>
+              <a:t>of</a:t>
+            </a:r>
+            <a:r>
+              <a:rPr/>
+              <a:t> </a:t>
+            </a:r>
+            <a:r>
+              <a:rPr/>
+              <a:t>elimination,</a:t>
+            </a:r>
+            <a:r>
+              <a:rPr/>
+              <a:t> </a:t>
+            </a:r>
+            <a:r>
+              <a:rPr/>
+              <a:t>you</a:t>
+            </a:r>
+            <a:r>
+              <a:rPr/>
+              <a:t> </a:t>
+            </a:r>
+            <a:r>
+              <a:rPr/>
+              <a:t>can</a:t>
+            </a:r>
+            <a:r>
+              <a:rPr/>
+              <a:t> </a:t>
+            </a:r>
+            <a:r>
+              <a:rPr/>
+              <a:t>quickly</a:t>
+            </a:r>
+            <a:r>
+              <a:rPr/>
+              <a:t> </a:t>
+            </a:r>
+            <a:r>
+              <a:rPr/>
+              <a:t>decide</a:t>
+            </a:r>
+            <a:r>
+              <a:rPr/>
+              <a:t> </a:t>
+            </a:r>
+            <a:r>
+              <a:rPr/>
+              <a:t>that</a:t>
+            </a:r>
+            <a:r>
+              <a:rPr/>
+              <a:t> </a:t>
+            </a:r>
+            <a:r>
+              <a:rPr/>
+              <a:t>it</a:t>
+            </a:r>
+            <a:r>
+              <a:rPr/>
+              <a:t> </a:t>
+            </a:r>
+            <a:r>
+              <a:rPr/>
+              <a:t>belongs</a:t>
+            </a:r>
+            <a:r>
+              <a:rPr/>
+              <a:t> </a:t>
+            </a:r>
+            <a:r>
+              <a:rPr/>
+              <a:t>with</a:t>
+            </a:r>
+            <a:r>
+              <a:rPr/>
+              <a:t> </a:t>
+            </a:r>
+            <a:r>
+              <a:rPr/>
+              <a:t>the</a:t>
+            </a:r>
+            <a:r>
+              <a:rPr/>
+              <a:t> </a:t>
+            </a:r>
+            <a:r>
+              <a:rPr/>
+              <a:t>line</a:t>
+            </a:r>
+            <a:r>
+              <a:rPr/>
+              <a:t> </a:t>
+            </a:r>
+            <a:r>
+              <a:rPr/>
+              <a:t>just</a:t>
+            </a:r>
+            <a:r>
+              <a:rPr/>
+              <a:t> </a:t>
+            </a:r>
+            <a:r>
+              <a:rPr/>
+              <a:t>below</a:t>
+            </a:r>
+            <a:r>
+              <a:rPr/>
+              <a:t> </a:t>
+            </a:r>
+            <a:r>
+              <a:rPr/>
+              <a:t>it.</a:t>
+            </a:r>
+          </a:p>
+          <a:p>
+            <a:pPr lvl="0" marL="0" indent="0">
+              <a:buNone/>
+            </a:pPr>
+          </a:p>
+          <a:p>
+            <a:pPr lvl="0" marL="0" indent="0">
+              <a:buNone/>
+            </a:pPr>
+            <a:r>
+              <a:rPr/>
+              <a:t>But</a:t>
+            </a:r>
+            <a:r>
+              <a:rPr/>
+              <a:t> </a:t>
+            </a:r>
+            <a:r>
+              <a:rPr/>
+              <a:t>you</a:t>
+            </a:r>
+            <a:r>
+              <a:rPr/>
+              <a:t> </a:t>
+            </a:r>
+            <a:r>
+              <a:rPr/>
+              <a:t>can</a:t>
+            </a:r>
+            <a:r>
+              <a:rPr/>
+              <a:t> </a:t>
+            </a:r>
+            <a:r>
+              <a:rPr/>
+              <a:t>improve</a:t>
+            </a:r>
+            <a:r>
+              <a:rPr/>
+              <a:t> </a:t>
+            </a:r>
+            <a:r>
+              <a:rPr/>
+              <a:t>the</a:t>
+            </a:r>
+            <a:r>
+              <a:rPr/>
+              <a:t> </a:t>
+            </a:r>
+            <a:r>
+              <a:rPr/>
+              <a:t>sense</a:t>
+            </a:r>
+            <a:r>
+              <a:rPr/>
+              <a:t> </a:t>
+            </a:r>
+            <a:r>
+              <a:rPr/>
+              <a:t>of</a:t>
+            </a:r>
+            <a:r>
+              <a:rPr/>
+              <a:t> </a:t>
+            </a:r>
+            <a:r>
+              <a:rPr/>
+              <a:t>belongingness</a:t>
+            </a:r>
+            <a:r>
+              <a:rPr/>
+              <a:t> </a:t>
+            </a:r>
+            <a:r>
+              <a:rPr/>
+              <a:t>by</a:t>
+            </a:r>
+            <a:r>
+              <a:rPr/>
+              <a:t> </a:t>
+            </a:r>
+            <a:r>
+              <a:rPr/>
+              <a:t>using</a:t>
+            </a:r>
+            <a:r>
+              <a:rPr/>
+              <a:t> </a:t>
+            </a:r>
+            <a:r>
+              <a:rPr/>
+              <a:t>some</a:t>
+            </a:r>
+            <a:r>
+              <a:rPr/>
+              <a:t> </a:t>
+            </a:r>
+            <a:r>
+              <a:rPr/>
+              <a:t>of</a:t>
+            </a:r>
+            <a:r>
+              <a:rPr/>
+              <a:t> </a:t>
+            </a:r>
+            <a:r>
+              <a:rPr/>
+              <a:t>your</a:t>
+            </a:r>
+            <a:r>
+              <a:rPr/>
+              <a:t> </a:t>
+            </a:r>
+            <a:r>
+              <a:rPr/>
               <a:t>Gestalt</a:t>
             </a:r>
             <a:r>
@@ -1022,519 +1723,7 @@
             </a:r>
             <a:r>
               <a:rPr/>
-              <a:t>principle</a:t>
-            </a:r>
-            <a:r>
-              <a:rPr/>
-              <a:t> </a:t>
-            </a:r>
-            <a:r>
-              <a:rPr/>
-              <a:t>of</a:t>
-            </a:r>
-            <a:r>
-              <a:rPr/>
-              <a:t> </a:t>
-            </a:r>
-            <a:r>
-              <a:rPr/>
-              <a:t>proximity.</a:t>
-            </a:r>
-            <a:r>
-              <a:rPr/>
-              <a:t> </a:t>
-            </a:r>
-            <a:r>
-              <a:rPr/>
-              <a:t>Notice</a:t>
-            </a:r>
-            <a:r>
-              <a:rPr/>
-              <a:t> </a:t>
-            </a:r>
-            <a:r>
-              <a:rPr/>
-              <a:t>how</a:t>
-            </a:r>
-            <a:r>
-              <a:rPr/>
-              <a:t> </a:t>
-            </a:r>
-            <a:r>
-              <a:rPr/>
-              <a:t>the</a:t>
-            </a:r>
-            <a:r>
-              <a:rPr/>
-              <a:t> </a:t>
-            </a:r>
-            <a:r>
-              <a:rPr/>
-              <a:t>names</a:t>
-            </a:r>
-            <a:r>
-              <a:rPr/>
-              <a:t> </a:t>
-            </a:r>
-            <a:r>
-              <a:rPr/>
-              <a:t>have</a:t>
-            </a:r>
-            <a:r>
-              <a:rPr/>
-              <a:t> </a:t>
-            </a:r>
-            <a:r>
-              <a:rPr/>
-              <a:t>the</a:t>
-            </a:r>
-            <a:r>
-              <a:rPr/>
-              <a:t> </a:t>
-            </a:r>
-            <a:r>
-              <a:rPr/>
-              <a:t>same</a:t>
-            </a:r>
-            <a:r>
-              <a:rPr/>
-              <a:t> </a:t>
-            </a:r>
-            <a:r>
-              <a:rPr/>
-              <a:t>colors</a:t>
-            </a:r>
-            <a:r>
-              <a:rPr/>
-              <a:t> </a:t>
-            </a:r>
-            <a:r>
-              <a:rPr/>
-              <a:t>as</a:t>
-            </a:r>
-            <a:r>
-              <a:rPr/>
-              <a:t> </a:t>
-            </a:r>
-            <a:r>
-              <a:rPr/>
-              <a:t>the</a:t>
-            </a:r>
-            <a:r>
-              <a:rPr/>
-              <a:t> </a:t>
-            </a:r>
-            <a:r>
-              <a:rPr/>
-              <a:t>lines.</a:t>
-            </a:r>
-            <a:r>
-              <a:rPr/>
-              <a:t> </a:t>
-            </a:r>
-            <a:r>
-              <a:rPr/>
-              <a:t>Thie</a:t>
-            </a:r>
-            <a:r>
-              <a:rPr/>
-              <a:t> </a:t>
-            </a:r>
-            <a:r>
-              <a:rPr/>
-              <a:t>exploits</a:t>
-            </a:r>
-            <a:r>
-              <a:rPr/>
-              <a:t> </a:t>
-            </a:r>
-            <a:r>
-              <a:rPr/>
-              <a:t>the</a:t>
-            </a:r>
-            <a:r>
-              <a:rPr/>
-              <a:t> </a:t>
-            </a:r>
-            <a:r>
-              <a:rPr/>
-              <a:t>Gestalt</a:t>
-            </a:r>
-            <a:r>
-              <a:rPr/>
-              <a:t> </a:t>
-            </a:r>
-            <a:r>
-              <a:rPr/>
-              <a:t>principle</a:t>
-            </a:r>
-            <a:r>
-              <a:rPr/>
-              <a:t> </a:t>
-            </a:r>
-            <a:r>
-              <a:rPr/>
-              <a:t>of</a:t>
-            </a:r>
-            <a:r>
-              <a:rPr/>
-              <a:t> </a:t>
-            </a:r>
-            <a:r>
-              <a:rPr/>
-              <a:t>similarity.</a:t>
-            </a:r>
-            <a:r>
-              <a:rPr/>
-              <a:t> </a:t>
-            </a:r>
-            <a:r>
-              <a:rPr/>
-              <a:t>It</a:t>
-            </a:r>
-            <a:r>
-              <a:rPr/>
-              <a:t> </a:t>
-            </a:r>
-            <a:r>
-              <a:rPr/>
-              <a:t>would</a:t>
-            </a:r>
-            <a:r>
-              <a:rPr/>
-              <a:t> </a:t>
-            </a:r>
-            <a:r>
-              <a:rPr/>
-              <a:t>be</a:t>
-            </a:r>
-            <a:r>
-              <a:rPr/>
-              <a:t> </a:t>
-            </a:r>
-            <a:r>
-              <a:rPr/>
-              <a:t>very</a:t>
-            </a:r>
-            <a:r>
-              <a:rPr/>
-              <a:t> </a:t>
-            </a:r>
-            <a:r>
-              <a:rPr/>
-              <a:t>hard</a:t>
-            </a:r>
-            <a:r>
-              <a:rPr/>
-              <a:t> </a:t>
-            </a:r>
-            <a:r>
-              <a:rPr/>
-              <a:t>to</a:t>
-            </a:r>
-            <a:r>
-              <a:rPr/>
-              <a:t> </a:t>
-            </a:r>
-            <a:r>
-              <a:rPr/>
-              <a:t>incorrectly</a:t>
-            </a:r>
-            <a:r>
-              <a:rPr/>
-              <a:t> </a:t>
-            </a:r>
-            <a:r>
-              <a:rPr/>
-              <a:t>assign</a:t>
-            </a:r>
-            <a:r>
-              <a:rPr/>
-              <a:t> </a:t>
-            </a:r>
-            <a:r>
-              <a:rPr/>
-              <a:t>the</a:t>
-            </a:r>
-            <a:r>
-              <a:rPr/>
-              <a:t> </a:t>
-            </a:r>
-            <a:r>
-              <a:rPr/>
-              <a:t>red</a:t>
-            </a:r>
-            <a:r>
-              <a:rPr/>
-              <a:t> </a:t>
-            </a:r>
-            <a:r>
-              <a:rPr/>
-              <a:t>label</a:t>
-            </a:r>
-            <a:r>
-              <a:rPr/>
-              <a:t> </a:t>
-            </a:r>
-            <a:r>
-              <a:rPr/>
-              <a:t>of</a:t>
-            </a:r>
-            <a:r>
-              <a:rPr/>
-              <a:t> </a:t>
-            </a:r>
-            <a:r>
-              <a:rPr/>
-              <a:t>Abel</a:t>
-            </a:r>
-            <a:r>
-              <a:rPr/>
-              <a:t> </a:t>
-            </a:r>
-            <a:r>
-              <a:rPr/>
-              <a:t>with</a:t>
-            </a:r>
-            <a:r>
-              <a:rPr/>
-              <a:t> </a:t>
-            </a:r>
-            <a:r>
-              <a:rPr/>
-              <a:t>the</a:t>
-            </a:r>
-            <a:r>
-              <a:rPr/>
-              <a:t> </a:t>
-            </a:r>
-            <a:r>
-              <a:rPr/>
-              <a:t>green</a:t>
-            </a:r>
-            <a:r>
-              <a:rPr/>
-              <a:t> </a:t>
-            </a:r>
-            <a:r>
-              <a:rPr/>
-              <a:t>line</a:t>
-            </a:r>
-            <a:r>
-              <a:rPr/>
-              <a:t> </a:t>
-            </a:r>
-            <a:r>
-              <a:rPr/>
-              <a:t>of</a:t>
-            </a:r>
-            <a:r>
-              <a:rPr/>
-              <a:t> </a:t>
-            </a:r>
-            <a:r>
-              <a:rPr/>
-              <a:t>Baker.</a:t>
-            </a:r>
-            <a:r>
-              <a:rPr/>
-              <a:t> </a:t>
-            </a:r>
-            <a:r>
-              <a:rPr/>
-              <a:t>Notice</a:t>
-            </a:r>
-            <a:r>
-              <a:rPr/>
-              <a:t> </a:t>
-            </a:r>
-            <a:r>
-              <a:rPr/>
-              <a:t>further</a:t>
-            </a:r>
-            <a:r>
-              <a:rPr/>
-              <a:t> </a:t>
-            </a:r>
-            <a:r>
-              <a:rPr/>
-              <a:t>that</a:t>
-            </a:r>
-            <a:r>
-              <a:rPr/>
-              <a:t> </a:t>
-            </a:r>
-            <a:r>
-              <a:rPr/>
-              <a:t>the</a:t>
-            </a:r>
-            <a:r>
-              <a:rPr/>
-              <a:t> </a:t>
-            </a:r>
-            <a:r>
-              <a:rPr/>
-              <a:t>labels</a:t>
-            </a:r>
-            <a:r>
-              <a:rPr/>
-              <a:t> </a:t>
-            </a:r>
-            <a:r>
-              <a:rPr/>
-              <a:t>have</a:t>
-            </a:r>
-            <a:r>
-              <a:rPr/>
-              <a:t> </a:t>
-            </a:r>
-            <a:r>
-              <a:rPr/>
-              <a:t>a</a:t>
-            </a:r>
-            <a:r>
-              <a:rPr/>
-              <a:t> </a:t>
-            </a:r>
-            <a:r>
-              <a:rPr/>
-              <a:t>slope</a:t>
-            </a:r>
-            <a:r>
-              <a:rPr/>
-              <a:t> </a:t>
-            </a:r>
-            <a:r>
-              <a:rPr/>
-              <a:t>that</a:t>
-            </a:r>
-            <a:r>
-              <a:rPr/>
-              <a:t> </a:t>
-            </a:r>
-            <a:r>
-              <a:rPr/>
-              <a:t>roughly</a:t>
-            </a:r>
-            <a:r>
-              <a:rPr/>
-              <a:t> </a:t>
-            </a:r>
-            <a:r>
-              <a:rPr/>
-              <a:t>matches</a:t>
-            </a:r>
-            <a:r>
-              <a:rPr/>
-              <a:t> </a:t>
-            </a:r>
-            <a:r>
-              <a:rPr/>
-              <a:t>the</a:t>
-            </a:r>
-            <a:r>
-              <a:rPr/>
-              <a:t> </a:t>
-            </a:r>
-            <a:r>
-              <a:rPr/>
-              <a:t>lines</a:t>
-            </a:r>
-            <a:r>
-              <a:rPr/>
-              <a:t> </a:t>
-            </a:r>
-            <a:r>
-              <a:rPr/>
-              <a:t>they</a:t>
-            </a:r>
-            <a:r>
-              <a:rPr/>
-              <a:t> </a:t>
-            </a:r>
-            <a:r>
-              <a:rPr/>
-              <a:t>are</a:t>
-            </a:r>
-            <a:r>
-              <a:rPr/>
-              <a:t> </a:t>
-            </a:r>
-            <a:r>
-              <a:rPr/>
-              <a:t>attached</a:t>
-            </a:r>
-            <a:r>
-              <a:rPr/>
-              <a:t> </a:t>
-            </a:r>
-            <a:r>
-              <a:rPr/>
-              <a:t>to.</a:t>
-            </a:r>
-            <a:r>
-              <a:rPr/>
-              <a:t> </a:t>
-            </a:r>
-            <a:r>
-              <a:rPr/>
-              <a:t>This</a:t>
-            </a:r>
-            <a:r>
-              <a:rPr/>
-              <a:t> </a:t>
-            </a:r>
-            <a:r>
-              <a:rPr/>
-              <a:t>exploits</a:t>
-            </a:r>
-            <a:r>
-              <a:rPr/>
-              <a:t> </a:t>
-            </a:r>
-            <a:r>
-              <a:rPr/>
-              <a:t>the</a:t>
-            </a:r>
-            <a:r>
-              <a:rPr/>
-              <a:t> </a:t>
-            </a:r>
-            <a:r>
-              <a:rPr/>
-              <a:t>Gestalt</a:t>
-            </a:r>
-            <a:r>
-              <a:rPr/>
-              <a:t> </a:t>
-            </a:r>
-            <a:r>
-              <a:rPr/>
-              <a:t>principle</a:t>
-            </a:r>
-            <a:r>
-              <a:rPr/>
-              <a:t> </a:t>
-            </a:r>
-            <a:r>
-              <a:rPr/>
-              <a:t>of</a:t>
-            </a:r>
-            <a:r>
-              <a:rPr/>
-              <a:t> </a:t>
-            </a:r>
-            <a:r>
-              <a:rPr/>
-              <a:t>common</a:t>
-            </a:r>
-            <a:r>
-              <a:rPr/>
-              <a:t> </a:t>
-            </a:r>
-            <a:r>
-              <a:rPr/>
-              <a:t>fate.</a:t>
+              <a:t>principles.</a:t>
             </a:r>
           </a:p>
         </p:txBody>
@@ -1556,7 +1745,7 @@
           <a:p>
             <a:fld id="{18BDFEC3-8487-43E8-A154-7C12CBC1FFF2}" type="slidenum">
               <a:rPr lang="en-US"/>
-              <a:t>15</a:t>
+              <a:t>12</a:t>
             </a:fld>
             <a:endParaRPr lang="en-US"/>
           </a:p>
@@ -1616,7 +1805,575 @@
             </a:pPr>
             <a:r>
               <a:rPr/>
-              <a:t>There</a:t>
+              <a:t>Notice</a:t>
+            </a:r>
+            <a:r>
+              <a:rPr/>
+              <a:t> </a:t>
+            </a:r>
+            <a:r>
+              <a:rPr/>
+              <a:t>how</a:t>
+            </a:r>
+            <a:r>
+              <a:rPr/>
+              <a:t> </a:t>
+            </a:r>
+            <a:r>
+              <a:rPr/>
+              <a:t>the</a:t>
+            </a:r>
+            <a:r>
+              <a:rPr/>
+              <a:t> </a:t>
+            </a:r>
+            <a:r>
+              <a:rPr/>
+              <a:t>labels</a:t>
+            </a:r>
+            <a:r>
+              <a:rPr/>
+              <a:t> </a:t>
+            </a:r>
+            <a:r>
+              <a:rPr/>
+              <a:t>in</a:t>
+            </a:r>
+            <a:r>
+              <a:rPr/>
+              <a:t> </a:t>
+            </a:r>
+            <a:r>
+              <a:rPr/>
+              <a:t>this</a:t>
+            </a:r>
+            <a:r>
+              <a:rPr/>
+              <a:t> </a:t>
+            </a:r>
+            <a:r>
+              <a:rPr/>
+              <a:t>example</a:t>
+            </a:r>
+            <a:r>
+              <a:rPr/>
+              <a:t> </a:t>
+            </a:r>
+            <a:r>
+              <a:rPr/>
+              <a:t>have</a:t>
+            </a:r>
+            <a:r>
+              <a:rPr/>
+              <a:t> </a:t>
+            </a:r>
+            <a:r>
+              <a:rPr/>
+              <a:t>been</a:t>
+            </a:r>
+            <a:r>
+              <a:rPr/>
+              <a:t> </a:t>
+            </a:r>
+            <a:r>
+              <a:rPr/>
+              <a:t>moved</a:t>
+            </a:r>
+            <a:r>
+              <a:rPr/>
+              <a:t> </a:t>
+            </a:r>
+            <a:r>
+              <a:rPr/>
+              <a:t>closer</a:t>
+            </a:r>
+            <a:r>
+              <a:rPr/>
+              <a:t> </a:t>
+            </a:r>
+            <a:r>
+              <a:rPr/>
+              <a:t>to</a:t>
+            </a:r>
+            <a:r>
+              <a:rPr/>
+              <a:t> </a:t>
+            </a:r>
+            <a:r>
+              <a:rPr/>
+              <a:t>the</a:t>
+            </a:r>
+            <a:r>
+              <a:rPr/>
+              <a:t> </a:t>
+            </a:r>
+            <a:r>
+              <a:rPr/>
+              <a:t>lines.</a:t>
+            </a:r>
+            <a:r>
+              <a:rPr/>
+              <a:t> </a:t>
+            </a:r>
+            <a:r>
+              <a:rPr/>
+              <a:t>The</a:t>
+            </a:r>
+            <a:r>
+              <a:rPr/>
+              <a:t> </a:t>
+            </a:r>
+            <a:r>
+              <a:rPr/>
+              <a:t>exploits</a:t>
+            </a:r>
+            <a:r>
+              <a:rPr/>
+              <a:t> </a:t>
+            </a:r>
+            <a:r>
+              <a:rPr/>
+              <a:t>the</a:t>
+            </a:r>
+            <a:r>
+              <a:rPr/>
+              <a:t> </a:t>
+            </a:r>
+            <a:r>
+              <a:rPr/>
+              <a:t>Gestalt</a:t>
+            </a:r>
+            <a:r>
+              <a:rPr/>
+              <a:t> </a:t>
+            </a:r>
+            <a:r>
+              <a:rPr/>
+              <a:t>principle</a:t>
+            </a:r>
+            <a:r>
+              <a:rPr/>
+              <a:t> </a:t>
+            </a:r>
+            <a:r>
+              <a:rPr/>
+              <a:t>of</a:t>
+            </a:r>
+            <a:r>
+              <a:rPr/>
+              <a:t> </a:t>
+            </a:r>
+            <a:r>
+              <a:rPr/>
+              <a:t>proximity.</a:t>
+            </a:r>
+            <a:r>
+              <a:rPr/>
+              <a:t> </a:t>
+            </a:r>
+            <a:r>
+              <a:rPr/>
+              <a:t>Notice</a:t>
+            </a:r>
+            <a:r>
+              <a:rPr/>
+              <a:t> </a:t>
+            </a:r>
+            <a:r>
+              <a:rPr/>
+              <a:t>how</a:t>
+            </a:r>
+            <a:r>
+              <a:rPr/>
+              <a:t> </a:t>
+            </a:r>
+            <a:r>
+              <a:rPr/>
+              <a:t>the</a:t>
+            </a:r>
+            <a:r>
+              <a:rPr/>
+              <a:t> </a:t>
+            </a:r>
+            <a:r>
+              <a:rPr/>
+              <a:t>names</a:t>
+            </a:r>
+            <a:r>
+              <a:rPr/>
+              <a:t> </a:t>
+            </a:r>
+            <a:r>
+              <a:rPr/>
+              <a:t>have</a:t>
+            </a:r>
+            <a:r>
+              <a:rPr/>
+              <a:t> </a:t>
+            </a:r>
+            <a:r>
+              <a:rPr/>
+              <a:t>the</a:t>
+            </a:r>
+            <a:r>
+              <a:rPr/>
+              <a:t> </a:t>
+            </a:r>
+            <a:r>
+              <a:rPr/>
+              <a:t>same</a:t>
+            </a:r>
+            <a:r>
+              <a:rPr/>
+              <a:t> </a:t>
+            </a:r>
+            <a:r>
+              <a:rPr/>
+              <a:t>colors</a:t>
+            </a:r>
+            <a:r>
+              <a:rPr/>
+              <a:t> </a:t>
+            </a:r>
+            <a:r>
+              <a:rPr/>
+              <a:t>as</a:t>
+            </a:r>
+            <a:r>
+              <a:rPr/>
+              <a:t> </a:t>
+            </a:r>
+            <a:r>
+              <a:rPr/>
+              <a:t>the</a:t>
+            </a:r>
+            <a:r>
+              <a:rPr/>
+              <a:t> </a:t>
+            </a:r>
+            <a:r>
+              <a:rPr/>
+              <a:t>lines.</a:t>
+            </a:r>
+            <a:r>
+              <a:rPr/>
+              <a:t> </a:t>
+            </a:r>
+            <a:r>
+              <a:rPr/>
+              <a:t>Thie</a:t>
+            </a:r>
+            <a:r>
+              <a:rPr/>
+              <a:t> </a:t>
+            </a:r>
+            <a:r>
+              <a:rPr/>
+              <a:t>exploits</a:t>
+            </a:r>
+            <a:r>
+              <a:rPr/>
+              <a:t> </a:t>
+            </a:r>
+            <a:r>
+              <a:rPr/>
+              <a:t>the</a:t>
+            </a:r>
+            <a:r>
+              <a:rPr/>
+              <a:t> </a:t>
+            </a:r>
+            <a:r>
+              <a:rPr/>
+              <a:t>Gestalt</a:t>
+            </a:r>
+            <a:r>
+              <a:rPr/>
+              <a:t> </a:t>
+            </a:r>
+            <a:r>
+              <a:rPr/>
+              <a:t>principle</a:t>
+            </a:r>
+            <a:r>
+              <a:rPr/>
+              <a:t> </a:t>
+            </a:r>
+            <a:r>
+              <a:rPr/>
+              <a:t>of</a:t>
+            </a:r>
+            <a:r>
+              <a:rPr/>
+              <a:t> </a:t>
+            </a:r>
+            <a:r>
+              <a:rPr/>
+              <a:t>similarity.</a:t>
+            </a:r>
+            <a:r>
+              <a:rPr/>
+              <a:t> </a:t>
+            </a:r>
+            <a:r>
+              <a:rPr/>
+              <a:t>It</a:t>
+            </a:r>
+            <a:r>
+              <a:rPr/>
+              <a:t> </a:t>
+            </a:r>
+            <a:r>
+              <a:rPr/>
+              <a:t>would</a:t>
+            </a:r>
+            <a:r>
+              <a:rPr/>
+              <a:t> </a:t>
+            </a:r>
+            <a:r>
+              <a:rPr/>
+              <a:t>be</a:t>
+            </a:r>
+            <a:r>
+              <a:rPr/>
+              <a:t> </a:t>
+            </a:r>
+            <a:r>
+              <a:rPr/>
+              <a:t>very</a:t>
+            </a:r>
+            <a:r>
+              <a:rPr/>
+              <a:t> </a:t>
+            </a:r>
+            <a:r>
+              <a:rPr/>
+              <a:t>hard</a:t>
+            </a:r>
+            <a:r>
+              <a:rPr/>
+              <a:t> </a:t>
+            </a:r>
+            <a:r>
+              <a:rPr/>
+              <a:t>to</a:t>
+            </a:r>
+            <a:r>
+              <a:rPr/>
+              <a:t> </a:t>
+            </a:r>
+            <a:r>
+              <a:rPr/>
+              <a:t>incorrectly</a:t>
+            </a:r>
+            <a:r>
+              <a:rPr/>
+              <a:t> </a:t>
+            </a:r>
+            <a:r>
+              <a:rPr/>
+              <a:t>assign</a:t>
+            </a:r>
+            <a:r>
+              <a:rPr/>
+              <a:t> </a:t>
+            </a:r>
+            <a:r>
+              <a:rPr/>
+              <a:t>the</a:t>
+            </a:r>
+            <a:r>
+              <a:rPr/>
+              <a:t> </a:t>
+            </a:r>
+            <a:r>
+              <a:rPr/>
+              <a:t>red</a:t>
+            </a:r>
+            <a:r>
+              <a:rPr/>
+              <a:t> </a:t>
+            </a:r>
+            <a:r>
+              <a:rPr/>
+              <a:t>label</a:t>
+            </a:r>
+            <a:r>
+              <a:rPr/>
+              <a:t> </a:t>
+            </a:r>
+            <a:r>
+              <a:rPr/>
+              <a:t>of</a:t>
+            </a:r>
+            <a:r>
+              <a:rPr/>
+              <a:t> </a:t>
+            </a:r>
+            <a:r>
+              <a:rPr/>
+              <a:t>Abel</a:t>
+            </a:r>
+            <a:r>
+              <a:rPr/>
+              <a:t> </a:t>
+            </a:r>
+            <a:r>
+              <a:rPr/>
+              <a:t>with</a:t>
+            </a:r>
+            <a:r>
+              <a:rPr/>
+              <a:t> </a:t>
+            </a:r>
+            <a:r>
+              <a:rPr/>
+              <a:t>the</a:t>
+            </a:r>
+            <a:r>
+              <a:rPr/>
+              <a:t> </a:t>
+            </a:r>
+            <a:r>
+              <a:rPr/>
+              <a:t>green</a:t>
+            </a:r>
+            <a:r>
+              <a:rPr/>
+              <a:t> </a:t>
+            </a:r>
+            <a:r>
+              <a:rPr/>
+              <a:t>line</a:t>
+            </a:r>
+            <a:r>
+              <a:rPr/>
+              <a:t> </a:t>
+            </a:r>
+            <a:r>
+              <a:rPr/>
+              <a:t>of</a:t>
+            </a:r>
+            <a:r>
+              <a:rPr/>
+              <a:t> </a:t>
+            </a:r>
+            <a:r>
+              <a:rPr/>
+              <a:t>Baker.</a:t>
+            </a:r>
+            <a:r>
+              <a:rPr/>
+              <a:t> </a:t>
+            </a:r>
+            <a:r>
+              <a:rPr/>
+              <a:t>Notice</a:t>
+            </a:r>
+            <a:r>
+              <a:rPr/>
+              <a:t> </a:t>
+            </a:r>
+            <a:r>
+              <a:rPr/>
+              <a:t>further</a:t>
+            </a:r>
+            <a:r>
+              <a:rPr/>
+              <a:t> </a:t>
+            </a:r>
+            <a:r>
+              <a:rPr/>
+              <a:t>that</a:t>
+            </a:r>
+            <a:r>
+              <a:rPr/>
+              <a:t> </a:t>
+            </a:r>
+            <a:r>
+              <a:rPr/>
+              <a:t>the</a:t>
+            </a:r>
+            <a:r>
+              <a:rPr/>
+              <a:t> </a:t>
+            </a:r>
+            <a:r>
+              <a:rPr/>
+              <a:t>labels</a:t>
+            </a:r>
+            <a:r>
+              <a:rPr/>
+              <a:t> </a:t>
+            </a:r>
+            <a:r>
+              <a:rPr/>
+              <a:t>have</a:t>
+            </a:r>
+            <a:r>
+              <a:rPr/>
+              <a:t> </a:t>
+            </a:r>
+            <a:r>
+              <a:rPr/>
+              <a:t>a</a:t>
+            </a:r>
+            <a:r>
+              <a:rPr/>
+              <a:t> </a:t>
+            </a:r>
+            <a:r>
+              <a:rPr/>
+              <a:t>slope</a:t>
+            </a:r>
+            <a:r>
+              <a:rPr/>
+              <a:t> </a:t>
+            </a:r>
+            <a:r>
+              <a:rPr/>
+              <a:t>that</a:t>
+            </a:r>
+            <a:r>
+              <a:rPr/>
+              <a:t> </a:t>
+            </a:r>
+            <a:r>
+              <a:rPr/>
+              <a:t>roughly</a:t>
+            </a:r>
+            <a:r>
+              <a:rPr/>
+              <a:t> </a:t>
+            </a:r>
+            <a:r>
+              <a:rPr/>
+              <a:t>matches</a:t>
+            </a:r>
+            <a:r>
+              <a:rPr/>
+              <a:t> </a:t>
+            </a:r>
+            <a:r>
+              <a:rPr/>
+              <a:t>the</a:t>
+            </a:r>
+            <a:r>
+              <a:rPr/>
+              <a:t> </a:t>
+            </a:r>
+            <a:r>
+              <a:rPr/>
+              <a:t>lines</a:t>
+            </a:r>
+            <a:r>
+              <a:rPr/>
+              <a:t> </a:t>
+            </a:r>
+            <a:r>
+              <a:rPr/>
+              <a:t>they</a:t>
             </a:r>
             <a:r>
               <a:rPr/>
@@ -1632,87 +2389,79 @@
             </a:r>
             <a:r>
               <a:rPr/>
-              <a:t>at</a:t>
-            </a:r>
-            <a:r>
-              <a:rPr/>
-              <a:t> </a:t>
-            </a:r>
-            <a:r>
-              <a:rPr/>
-              <a:t>least</a:t>
-            </a:r>
-            <a:r>
-              <a:rPr/>
-              <a:t> </a:t>
-            </a:r>
-            <a:r>
-              <a:rPr/>
-              <a:t>two</a:t>
-            </a:r>
-            <a:r>
-              <a:rPr/>
-              <a:t> </a:t>
-            </a:r>
-            <a:r>
-              <a:rPr/>
-              <a:t>messages</a:t>
-            </a:r>
-            <a:r>
-              <a:rPr/>
-              <a:t> </a:t>
-            </a:r>
-            <a:r>
-              <a:rPr/>
-              <a:t>hiding</a:t>
-            </a:r>
-            <a:r>
-              <a:rPr/>
-              <a:t> </a:t>
-            </a:r>
-            <a:r>
-              <a:rPr/>
-              <a:t>in</a:t>
-            </a:r>
-            <a:r>
-              <a:rPr/>
-              <a:t> </a:t>
-            </a:r>
-            <a:r>
-              <a:rPr/>
-              <a:t>this</a:t>
-            </a:r>
-            <a:r>
-              <a:rPr/>
-              <a:t> </a:t>
-            </a:r>
-            <a:r>
-              <a:rPr/>
-              <a:t>graph.</a:t>
-            </a:r>
-            <a:r>
-              <a:rPr/>
-              <a:t> </a:t>
-            </a:r>
-            <a:r>
-              <a:rPr/>
-              <a:t>What</a:t>
-            </a:r>
-            <a:r>
-              <a:rPr/>
-              <a:t> </a:t>
-            </a:r>
-            <a:r>
-              <a:rPr/>
-              <a:t>are</a:t>
-            </a:r>
-            <a:r>
-              <a:rPr/>
-              <a:t> </a:t>
-            </a:r>
-            <a:r>
-              <a:rPr/>
-              <a:t>they?</a:t>
+              <a:t>attached</a:t>
+            </a:r>
+            <a:r>
+              <a:rPr/>
+              <a:t> </a:t>
+            </a:r>
+            <a:r>
+              <a:rPr/>
+              <a:t>to.</a:t>
+            </a:r>
+            <a:r>
+              <a:rPr/>
+              <a:t> </a:t>
+            </a:r>
+            <a:r>
+              <a:rPr/>
+              <a:t>This</a:t>
+            </a:r>
+            <a:r>
+              <a:rPr/>
+              <a:t> </a:t>
+            </a:r>
+            <a:r>
+              <a:rPr/>
+              <a:t>exploits</a:t>
+            </a:r>
+            <a:r>
+              <a:rPr/>
+              <a:t> </a:t>
+            </a:r>
+            <a:r>
+              <a:rPr/>
+              <a:t>the</a:t>
+            </a:r>
+            <a:r>
+              <a:rPr/>
+              <a:t> </a:t>
+            </a:r>
+            <a:r>
+              <a:rPr/>
+              <a:t>Gestalt</a:t>
+            </a:r>
+            <a:r>
+              <a:rPr/>
+              <a:t> </a:t>
+            </a:r>
+            <a:r>
+              <a:rPr/>
+              <a:t>principle</a:t>
+            </a:r>
+            <a:r>
+              <a:rPr/>
+              <a:t> </a:t>
+            </a:r>
+            <a:r>
+              <a:rPr/>
+              <a:t>of</a:t>
+            </a:r>
+            <a:r>
+              <a:rPr/>
+              <a:t> </a:t>
+            </a:r>
+            <a:r>
+              <a:rPr/>
+              <a:t>common</a:t>
+            </a:r>
+            <a:r>
+              <a:rPr/>
+              <a:t> </a:t>
+            </a:r>
+            <a:r>
+              <a:rPr/>
+              <a:t>fate.</a:t>
             </a:r>
           </a:p>
         </p:txBody>
@@ -1734,7 +2483,1055 @@
           <a:p>
             <a:fld id="{18BDFEC3-8487-43E8-A154-7C12CBC1FFF2}" type="slidenum">
               <a:rPr lang="en-US"/>
+              <a:t>13</a:t>
+            </a:fld>
+            <a:endParaRPr lang="en-US"/>
+          </a:p>
+        </p:txBody>
+      </p:sp>
+    </p:spTree>
+  </p:cSld>
+</p:notes>
+</file>
+
+<file path=ppt/notesSlides/notesSlide12.xml><?xml version="1.0" encoding="utf-8"?>
+<p:notes xmlns:a="http://schemas.openxmlformats.org/drawingml/2006/main" xmlns:r="http://schemas.openxmlformats.org/officeDocument/2006/relationships" xmlns:p="http://schemas.openxmlformats.org/presentationml/2006/main">
+  <p:cSld>
+    <p:spTree>
+      <p:nvGrpSpPr>
+        <p:cNvPr id="1" name=""/>
+        <p:cNvGrpSpPr/>
+        <p:nvPr/>
+      </p:nvGrpSpPr>
+      <p:grpSpPr>
+        <a:xfrm>
+          <a:off x="0" y="0"/>
+          <a:ext cx="0" cy="0"/>
+          <a:chOff x="0" y="0"/>
+          <a:chExt cx="0" cy="0"/>
+        </a:xfrm>
+      </p:grpSpPr>
+      <p:sp>
+        <p:nvSpPr>
+          <p:cNvPr id="2" name="Slide Image Placeholder 1"/>
+          <p:cNvSpPr>
+            <a:spLocks noGrp="1" noRot="1" noChangeAspect="1"/>
+          </p:cNvSpPr>
+          <p:nvPr>
+            <p:ph type="sldImg"/>
+          </p:nvPr>
+        </p:nvSpPr>
+        <p:spPr/>
+      </p:sp>
+      <p:sp>
+        <p:nvSpPr>
+          <p:cNvPr id="3" name="Notes Placeholder 2"/>
+          <p:cNvSpPr>
+            <a:spLocks noGrp="1"/>
+          </p:cNvSpPr>
+          <p:nvPr>
+            <p:ph type="body" idx="1"/>
+          </p:nvPr>
+        </p:nvSpPr>
+        <p:spPr/>
+        <p:txBody>
+          <a:bodyPr/>
+          <a:lstStyle/>
+          <a:p>
+            <a:pPr lvl="0" marL="0" indent="0">
+              <a:buNone/>
+            </a:pPr>
+            <a:r>
+              <a:rPr/>
+              <a:t>There</a:t>
+            </a:r>
+            <a:r>
+              <a:rPr/>
+              <a:t> </a:t>
+            </a:r>
+            <a:r>
+              <a:rPr/>
+              <a:t>are</a:t>
+            </a:r>
+            <a:r>
+              <a:rPr/>
+              <a:t> </a:t>
+            </a:r>
+            <a:r>
+              <a:rPr/>
+              <a:t>at</a:t>
+            </a:r>
+            <a:r>
+              <a:rPr/>
+              <a:t> </a:t>
+            </a:r>
+            <a:r>
+              <a:rPr/>
+              <a:t>least</a:t>
+            </a:r>
+            <a:r>
+              <a:rPr/>
+              <a:t> </a:t>
+            </a:r>
+            <a:r>
+              <a:rPr/>
+              <a:t>two</a:t>
+            </a:r>
+            <a:r>
+              <a:rPr/>
+              <a:t> </a:t>
+            </a:r>
+            <a:r>
+              <a:rPr/>
+              <a:t>messages</a:t>
+            </a:r>
+            <a:r>
+              <a:rPr/>
+              <a:t> </a:t>
+            </a:r>
+            <a:r>
+              <a:rPr/>
+              <a:t>hiding</a:t>
+            </a:r>
+            <a:r>
+              <a:rPr/>
+              <a:t> </a:t>
+            </a:r>
+            <a:r>
+              <a:rPr/>
+              <a:t>in</a:t>
+            </a:r>
+            <a:r>
+              <a:rPr/>
+              <a:t> </a:t>
+            </a:r>
+            <a:r>
+              <a:rPr/>
+              <a:t>this</a:t>
+            </a:r>
+            <a:r>
+              <a:rPr/>
+              <a:t> </a:t>
+            </a:r>
+            <a:r>
+              <a:rPr/>
+              <a:t>graph.</a:t>
+            </a:r>
+            <a:r>
+              <a:rPr/>
+              <a:t> </a:t>
+            </a:r>
+            <a:r>
+              <a:rPr/>
+              <a:t>What</a:t>
+            </a:r>
+            <a:r>
+              <a:rPr/>
+              <a:t> </a:t>
+            </a:r>
+            <a:r>
+              <a:rPr/>
+              <a:t>are</a:t>
+            </a:r>
+            <a:r>
+              <a:rPr/>
+              <a:t> </a:t>
+            </a:r>
+            <a:r>
+              <a:rPr/>
+              <a:t>they?</a:t>
+            </a:r>
+          </a:p>
+        </p:txBody>
+      </p:sp>
+      <p:sp>
+        <p:nvSpPr>
+          <p:cNvPr id="4" name="Slide Number Placeholder 3"/>
+          <p:cNvSpPr>
+            <a:spLocks noGrp="1"/>
+          </p:cNvSpPr>
+          <p:nvPr>
+            <p:ph type="sldNum" sz="quarter" idx="10"/>
+          </p:nvPr>
+        </p:nvSpPr>
+        <p:spPr/>
+        <p:txBody>
+          <a:bodyPr/>
+          <a:lstStyle/>
+          <a:p>
+            <a:fld id="{18BDFEC3-8487-43E8-A154-7C12CBC1FFF2}" type="slidenum">
+              <a:rPr lang="en-US"/>
+              <a:t>14</a:t>
+            </a:fld>
+            <a:endParaRPr lang="en-US"/>
+          </a:p>
+        </p:txBody>
+      </p:sp>
+    </p:spTree>
+  </p:cSld>
+</p:notes>
+</file>
+
+<file path=ppt/notesSlides/notesSlide13.xml><?xml version="1.0" encoding="utf-8"?>
+<p:notes xmlns:a="http://schemas.openxmlformats.org/drawingml/2006/main" xmlns:r="http://schemas.openxmlformats.org/officeDocument/2006/relationships" xmlns:p="http://schemas.openxmlformats.org/presentationml/2006/main">
+  <p:cSld>
+    <p:spTree>
+      <p:nvGrpSpPr>
+        <p:cNvPr id="1" name=""/>
+        <p:cNvGrpSpPr/>
+        <p:nvPr/>
+      </p:nvGrpSpPr>
+      <p:grpSpPr>
+        <a:xfrm>
+          <a:off x="0" y="0"/>
+          <a:ext cx="0" cy="0"/>
+          <a:chOff x="0" y="0"/>
+          <a:chExt cx="0" cy="0"/>
+        </a:xfrm>
+      </p:grpSpPr>
+      <p:sp>
+        <p:nvSpPr>
+          <p:cNvPr id="2" name="Slide Image Placeholder 1"/>
+          <p:cNvSpPr>
+            <a:spLocks noGrp="1" noRot="1" noChangeAspect="1"/>
+          </p:cNvSpPr>
+          <p:nvPr>
+            <p:ph type="sldImg"/>
+          </p:nvPr>
+        </p:nvSpPr>
+        <p:spPr/>
+      </p:sp>
+      <p:sp>
+        <p:nvSpPr>
+          <p:cNvPr id="3" name="Notes Placeholder 2"/>
+          <p:cNvSpPr>
+            <a:spLocks noGrp="1"/>
+          </p:cNvSpPr>
+          <p:nvPr>
+            <p:ph type="body" idx="1"/>
+          </p:nvPr>
+        </p:nvSpPr>
+        <p:spPr/>
+        <p:txBody>
+          <a:bodyPr/>
+          <a:lstStyle/>
+          <a:p>
+            <a:pPr lvl="0" marL="0" indent="0">
+              <a:buNone/>
+            </a:pPr>
+            <a:r>
+              <a:rPr/>
+              <a:t>Using</a:t>
+            </a:r>
+            <a:r>
+              <a:rPr/>
+              <a:t> </a:t>
+            </a:r>
+            <a:r>
+              <a:rPr/>
+              <a:t>a</a:t>
+            </a:r>
+            <a:r>
+              <a:rPr/>
+              <a:t> </a:t>
+            </a:r>
+            <a:r>
+              <a:rPr/>
+              <a:t>single</a:t>
+            </a:r>
+            <a:r>
+              <a:rPr/>
+              <a:t> </a:t>
+            </a:r>
+            <a:r>
+              <a:rPr/>
+              <a:t>color</a:t>
+            </a:r>
+            <a:r>
+              <a:rPr/>
+              <a:t> </a:t>
+            </a:r>
+            <a:r>
+              <a:rPr/>
+              <a:t>to</a:t>
+            </a:r>
+            <a:r>
+              <a:rPr/>
+              <a:t> </a:t>
+            </a:r>
+            <a:r>
+              <a:rPr/>
+              <a:t>emphasize</a:t>
+            </a:r>
+            <a:r>
+              <a:rPr/>
+              <a:t> </a:t>
+            </a:r>
+            <a:r>
+              <a:rPr/>
+              <a:t>the</a:t>
+            </a:r>
+            <a:r>
+              <a:rPr/>
+              <a:t> </a:t>
+            </a:r>
+            <a:r>
+              <a:rPr/>
+              <a:t>one</a:t>
+            </a:r>
+            <a:r>
+              <a:rPr/>
+              <a:t> </a:t>
+            </a:r>
+            <a:r>
+              <a:rPr/>
+              <a:t>subject</a:t>
+            </a:r>
+            <a:r>
+              <a:rPr/>
+              <a:t> </a:t>
+            </a:r>
+            <a:r>
+              <a:rPr/>
+              <a:t>who</a:t>
+            </a:r>
+            <a:r>
+              <a:rPr/>
+              <a:t> </a:t>
+            </a:r>
+            <a:r>
+              <a:rPr/>
+              <a:t>trends</a:t>
+            </a:r>
+            <a:r>
+              <a:rPr/>
+              <a:t> </a:t>
+            </a:r>
+            <a:r>
+              <a:rPr/>
+              <a:t>in</a:t>
+            </a:r>
+            <a:r>
+              <a:rPr/>
+              <a:t> </a:t>
+            </a:r>
+            <a:r>
+              <a:rPr/>
+              <a:t>the</a:t>
+            </a:r>
+            <a:r>
+              <a:rPr/>
+              <a:t> </a:t>
+            </a:r>
+            <a:r>
+              <a:rPr/>
+              <a:t>opposite</a:t>
+            </a:r>
+            <a:r>
+              <a:rPr/>
+              <a:t> </a:t>
+            </a:r>
+            <a:r>
+              <a:rPr/>
+              <a:t>direction</a:t>
+            </a:r>
+            <a:r>
+              <a:rPr/>
+              <a:t> </a:t>
+            </a:r>
+            <a:r>
+              <a:rPr/>
+              <a:t>from</a:t>
+            </a:r>
+            <a:r>
+              <a:rPr/>
+              <a:t> </a:t>
+            </a:r>
+            <a:r>
+              <a:rPr/>
+              <a:t>the</a:t>
+            </a:r>
+            <a:r>
+              <a:rPr/>
+              <a:t> </a:t>
+            </a:r>
+            <a:r>
+              <a:rPr/>
+              <a:t>other</a:t>
+            </a:r>
+            <a:r>
+              <a:rPr/>
+              <a:t> </a:t>
+            </a:r>
+            <a:r>
+              <a:rPr/>
+              <a:t>two.</a:t>
+            </a:r>
+          </a:p>
+        </p:txBody>
+      </p:sp>
+      <p:sp>
+        <p:nvSpPr>
+          <p:cNvPr id="4" name="Slide Number Placeholder 3"/>
+          <p:cNvSpPr>
+            <a:spLocks noGrp="1"/>
+          </p:cNvSpPr>
+          <p:nvPr>
+            <p:ph type="sldNum" sz="quarter" idx="10"/>
+          </p:nvPr>
+        </p:nvSpPr>
+        <p:spPr/>
+        <p:txBody>
+          <a:bodyPr/>
+          <a:lstStyle/>
+          <a:p>
+            <a:fld id="{18BDFEC3-8487-43E8-A154-7C12CBC1FFF2}" type="slidenum">
+              <a:rPr lang="en-US"/>
+              <a:t>15</a:t>
+            </a:fld>
+            <a:endParaRPr lang="en-US"/>
+          </a:p>
+        </p:txBody>
+      </p:sp>
+    </p:spTree>
+  </p:cSld>
+</p:notes>
+</file>
+
+<file path=ppt/notesSlides/notesSlide14.xml><?xml version="1.0" encoding="utf-8"?>
+<p:notes xmlns:a="http://schemas.openxmlformats.org/drawingml/2006/main" xmlns:r="http://schemas.openxmlformats.org/officeDocument/2006/relationships" xmlns:p="http://schemas.openxmlformats.org/presentationml/2006/main">
+  <p:cSld>
+    <p:spTree>
+      <p:nvGrpSpPr>
+        <p:cNvPr id="1" name=""/>
+        <p:cNvGrpSpPr/>
+        <p:nvPr/>
+      </p:nvGrpSpPr>
+      <p:grpSpPr>
+        <a:xfrm>
+          <a:off x="0" y="0"/>
+          <a:ext cx="0" cy="0"/>
+          <a:chOff x="0" y="0"/>
+          <a:chExt cx="0" cy="0"/>
+        </a:xfrm>
+      </p:grpSpPr>
+      <p:sp>
+        <p:nvSpPr>
+          <p:cNvPr id="2" name="Slide Image Placeholder 1"/>
+          <p:cNvSpPr>
+            <a:spLocks noGrp="1" noRot="1" noChangeAspect="1"/>
+          </p:cNvSpPr>
+          <p:nvPr>
+            <p:ph type="sldImg"/>
+          </p:nvPr>
+        </p:nvSpPr>
+        <p:spPr/>
+      </p:sp>
+      <p:sp>
+        <p:nvSpPr>
+          <p:cNvPr id="3" name="Notes Placeholder 2"/>
+          <p:cNvSpPr>
+            <a:spLocks noGrp="1"/>
+          </p:cNvSpPr>
+          <p:nvPr>
+            <p:ph type="body" idx="1"/>
+          </p:nvPr>
+        </p:nvSpPr>
+        <p:spPr/>
+        <p:txBody>
+          <a:bodyPr/>
+          <a:lstStyle/>
+          <a:p>
+            <a:pPr lvl="0" marL="0" indent="0">
+              <a:buNone/>
+            </a:pPr>
+            <a:r>
+              <a:rPr/>
+              <a:t>Using</a:t>
+            </a:r>
+            <a:r>
+              <a:rPr/>
+              <a:t> </a:t>
+            </a:r>
+            <a:r>
+              <a:rPr/>
+              <a:t>enclosure</a:t>
+            </a:r>
+            <a:r>
+              <a:rPr/>
+              <a:t> </a:t>
+            </a:r>
+            <a:r>
+              <a:rPr/>
+              <a:t>to</a:t>
+            </a:r>
+            <a:r>
+              <a:rPr/>
+              <a:t> </a:t>
+            </a:r>
+            <a:r>
+              <a:rPr/>
+              <a:t>emphasize</a:t>
+            </a:r>
+            <a:r>
+              <a:rPr/>
+              <a:t> </a:t>
+            </a:r>
+            <a:r>
+              <a:rPr/>
+              <a:t>the</a:t>
+            </a:r>
+            <a:r>
+              <a:rPr/>
+              <a:t> </a:t>
+            </a:r>
+            <a:r>
+              <a:rPr/>
+              <a:t>similarity</a:t>
+            </a:r>
+            <a:r>
+              <a:rPr/>
+              <a:t> </a:t>
+            </a:r>
+            <a:r>
+              <a:rPr/>
+              <a:t>of</a:t>
+            </a:r>
+            <a:r>
+              <a:rPr/>
+              <a:t> </a:t>
+            </a:r>
+            <a:r>
+              <a:rPr/>
+              <a:t>exam</a:t>
+            </a:r>
+            <a:r>
+              <a:rPr/>
+              <a:t> </a:t>
+            </a:r>
+            <a:r>
+              <a:rPr/>
+              <a:t>3</a:t>
+            </a:r>
+            <a:r>
+              <a:rPr/>
+              <a:t> </a:t>
+            </a:r>
+            <a:r>
+              <a:rPr/>
+              <a:t>and</a:t>
+            </a:r>
+            <a:r>
+              <a:rPr/>
+              <a:t> </a:t>
+            </a:r>
+            <a:r>
+              <a:rPr/>
+              <a:t>exam</a:t>
+            </a:r>
+            <a:r>
+              <a:rPr/>
+              <a:t> </a:t>
+            </a:r>
+            <a:r>
+              <a:rPr/>
+              <a:t>4.</a:t>
+            </a:r>
+            <a:r>
+              <a:rPr/>
+              <a:t> </a:t>
+            </a:r>
+            <a:r>
+              <a:rPr/>
+              <a:t>NOtice</a:t>
+            </a:r>
+            <a:r>
+              <a:rPr/>
+              <a:t> </a:t>
+            </a:r>
+            <a:r>
+              <a:rPr/>
+              <a:t>how</a:t>
+            </a:r>
+            <a:r>
+              <a:rPr/>
+              <a:t> </a:t>
+            </a:r>
+            <a:r>
+              <a:rPr/>
+              <a:t>the</a:t>
+            </a:r>
+            <a:r>
+              <a:rPr/>
+              <a:t> </a:t>
+            </a:r>
+            <a:r>
+              <a:rPr/>
+              <a:t>emphasis</a:t>
+            </a:r>
+            <a:r>
+              <a:rPr/>
+              <a:t> </a:t>
+            </a:r>
+            <a:r>
+              <a:rPr/>
+              <a:t>on</a:t>
+            </a:r>
+            <a:r>
+              <a:rPr/>
+              <a:t> </a:t>
+            </a:r>
+            <a:r>
+              <a:rPr/>
+              <a:t>individual</a:t>
+            </a:r>
+            <a:r>
+              <a:rPr/>
+              <a:t> </a:t>
+            </a:r>
+            <a:r>
+              <a:rPr/>
+              <a:t>subjects</a:t>
+            </a:r>
+            <a:r>
+              <a:rPr/>
+              <a:t> </a:t>
+            </a:r>
+            <a:r>
+              <a:rPr/>
+              <a:t>is</a:t>
+            </a:r>
+            <a:r>
+              <a:rPr/>
+              <a:t> </a:t>
+            </a:r>
+            <a:r>
+              <a:rPr/>
+              <a:t>lessened</a:t>
+            </a:r>
+            <a:r>
+              <a:rPr/>
+              <a:t> </a:t>
+            </a:r>
+            <a:r>
+              <a:rPr/>
+              <a:t>by</a:t>
+            </a:r>
+            <a:r>
+              <a:rPr/>
+              <a:t> </a:t>
+            </a:r>
+            <a:r>
+              <a:rPr/>
+              <a:t>keeping</a:t>
+            </a:r>
+            <a:r>
+              <a:rPr/>
+              <a:t> </a:t>
+            </a:r>
+            <a:r>
+              <a:rPr/>
+              <a:t>them</a:t>
+            </a:r>
+            <a:r>
+              <a:rPr/>
+              <a:t> </a:t>
+            </a:r>
+            <a:r>
+              <a:rPr/>
+              <a:t>the</a:t>
+            </a:r>
+            <a:r>
+              <a:rPr/>
+              <a:t> </a:t>
+            </a:r>
+            <a:r>
+              <a:rPr/>
+              <a:t>same</a:t>
+            </a:r>
+            <a:r>
+              <a:rPr/>
+              <a:t> </a:t>
+            </a:r>
+            <a:r>
+              <a:rPr/>
+              <a:t>color</a:t>
+            </a:r>
+            <a:r>
+              <a:rPr/>
+              <a:t> </a:t>
+            </a:r>
+            <a:r>
+              <a:rPr/>
+              <a:t>and</a:t>
+            </a:r>
+            <a:r>
+              <a:rPr/>
+              <a:t> </a:t>
+            </a:r>
+            <a:r>
+              <a:rPr/>
+              <a:t>removing</a:t>
+            </a:r>
+            <a:r>
+              <a:rPr/>
+              <a:t> </a:t>
+            </a:r>
+            <a:r>
+              <a:rPr/>
+              <a:t>the</a:t>
+            </a:r>
+            <a:r>
+              <a:rPr/>
+              <a:t> </a:t>
+            </a:r>
+            <a:r>
+              <a:rPr/>
+              <a:t>text</a:t>
+            </a:r>
+            <a:r>
+              <a:rPr/>
+              <a:t> </a:t>
+            </a:r>
+            <a:r>
+              <a:rPr/>
+              <a:t>labels.</a:t>
+            </a:r>
+          </a:p>
+        </p:txBody>
+      </p:sp>
+      <p:sp>
+        <p:nvSpPr>
+          <p:cNvPr id="4" name="Slide Number Placeholder 3"/>
+          <p:cNvSpPr>
+            <a:spLocks noGrp="1"/>
+          </p:cNvSpPr>
+          <p:nvPr>
+            <p:ph type="sldNum" sz="quarter" idx="10"/>
+          </p:nvPr>
+        </p:nvSpPr>
+        <p:spPr/>
+        <p:txBody>
+          <a:bodyPr/>
+          <a:lstStyle/>
+          <a:p>
+            <a:fld id="{18BDFEC3-8487-43E8-A154-7C12CBC1FFF2}" type="slidenum">
+              <a:rPr lang="en-US"/>
               <a:t>16</a:t>
+            </a:fld>
+            <a:endParaRPr lang="en-US"/>
+          </a:p>
+        </p:txBody>
+      </p:sp>
+    </p:spTree>
+  </p:cSld>
+</p:notes>
+</file>
+
+<file path=ppt/notesSlides/notesSlide15.xml><?xml version="1.0" encoding="utf-8"?>
+<p:notes xmlns:a="http://schemas.openxmlformats.org/drawingml/2006/main" xmlns:r="http://schemas.openxmlformats.org/officeDocument/2006/relationships" xmlns:p="http://schemas.openxmlformats.org/presentationml/2006/main">
+  <p:cSld>
+    <p:spTree>
+      <p:nvGrpSpPr>
+        <p:cNvPr id="1" name=""/>
+        <p:cNvGrpSpPr/>
+        <p:nvPr/>
+      </p:nvGrpSpPr>
+      <p:grpSpPr>
+        <a:xfrm>
+          <a:off x="0" y="0"/>
+          <a:ext cx="0" cy="0"/>
+          <a:chOff x="0" y="0"/>
+          <a:chExt cx="0" cy="0"/>
+        </a:xfrm>
+      </p:grpSpPr>
+      <p:sp>
+        <p:nvSpPr>
+          <p:cNvPr id="2" name="Slide Image Placeholder 1"/>
+          <p:cNvSpPr>
+            <a:spLocks noGrp="1" noRot="1" noChangeAspect="1"/>
+          </p:cNvSpPr>
+          <p:nvPr>
+            <p:ph type="sldImg"/>
+          </p:nvPr>
+        </p:nvSpPr>
+        <p:spPr/>
+      </p:sp>
+      <p:sp>
+        <p:nvSpPr>
+          <p:cNvPr id="3" name="Notes Placeholder 2"/>
+          <p:cNvSpPr>
+            <a:spLocks noGrp="1"/>
+          </p:cNvSpPr>
+          <p:nvPr>
+            <p:ph type="body" idx="1"/>
+          </p:nvPr>
+        </p:nvSpPr>
+        <p:spPr/>
+        <p:txBody>
+          <a:bodyPr/>
+          <a:lstStyle/>
+          <a:p>
+            <a:pPr lvl="0" marL="0" indent="0">
+              <a:buNone/>
+            </a:pPr>
+            <a:r>
+              <a:rPr/>
+              <a:t>In</a:t>
+            </a:r>
+            <a:r>
+              <a:rPr/>
+              <a:t> </a:t>
+            </a:r>
+            <a:r>
+              <a:rPr/>
+              <a:t>summary,</a:t>
+            </a:r>
+            <a:r>
+              <a:rPr/>
+              <a:t> </a:t>
+            </a:r>
+            <a:r>
+              <a:rPr/>
+              <a:t>you</a:t>
+            </a:r>
+            <a:r>
+              <a:rPr/>
+              <a:t> </a:t>
+            </a:r>
+            <a:r>
+              <a:rPr/>
+              <a:t>should</a:t>
+            </a:r>
+            <a:r>
+              <a:rPr/>
+              <a:t> </a:t>
+            </a:r>
+            <a:r>
+              <a:rPr/>
+              <a:t>experiment</a:t>
+            </a:r>
+            <a:r>
+              <a:rPr/>
+              <a:t> </a:t>
+            </a:r>
+            <a:r>
+              <a:rPr/>
+              <a:t>with</a:t>
+            </a:r>
+            <a:r>
+              <a:rPr/>
+              <a:t> </a:t>
+            </a:r>
+            <a:r>
+              <a:rPr/>
+              <a:t>different</a:t>
+            </a:r>
+            <a:r>
+              <a:rPr/>
+              <a:t> </a:t>
+            </a:r>
+            <a:r>
+              <a:rPr/>
+              <a:t>Gestalt</a:t>
+            </a:r>
+            <a:r>
+              <a:rPr/>
+              <a:t> </a:t>
+            </a:r>
+            <a:r>
+              <a:rPr/>
+              <a:t>principles.</a:t>
+            </a:r>
+            <a:r>
+              <a:rPr/>
+              <a:t> </a:t>
+            </a:r>
+            <a:r>
+              <a:rPr/>
+              <a:t>Some</a:t>
+            </a:r>
+            <a:r>
+              <a:rPr/>
+              <a:t> </a:t>
+            </a:r>
+            <a:r>
+              <a:rPr/>
+              <a:t>principles</a:t>
+            </a:r>
+            <a:r>
+              <a:rPr/>
+              <a:t> </a:t>
+            </a:r>
+            <a:r>
+              <a:rPr/>
+              <a:t>work</a:t>
+            </a:r>
+            <a:r>
+              <a:rPr/>
+              <a:t> </a:t>
+            </a:r>
+            <a:r>
+              <a:rPr/>
+              <a:t>more</a:t>
+            </a:r>
+            <a:r>
+              <a:rPr/>
+              <a:t> </a:t>
+            </a:r>
+            <a:r>
+              <a:rPr/>
+              <a:t>effectively</a:t>
+            </a:r>
+            <a:r>
+              <a:rPr/>
+              <a:t> </a:t>
+            </a:r>
+            <a:r>
+              <a:rPr/>
+              <a:t>than</a:t>
+            </a:r>
+            <a:r>
+              <a:rPr/>
+              <a:t> </a:t>
+            </a:r>
+            <a:r>
+              <a:rPr/>
+              <a:t>others.</a:t>
+            </a:r>
+            <a:r>
+              <a:rPr/>
+              <a:t> </a:t>
+            </a:r>
+            <a:r>
+              <a:rPr/>
+              <a:t>Legends</a:t>
+            </a:r>
+            <a:r>
+              <a:rPr/>
+              <a:t> </a:t>
+            </a:r>
+            <a:r>
+              <a:rPr/>
+              <a:t>are</a:t>
+            </a:r>
+            <a:r>
+              <a:rPr/>
+              <a:t> </a:t>
+            </a:r>
+            <a:r>
+              <a:rPr/>
+              <a:t>commonly</a:t>
+            </a:r>
+            <a:r>
+              <a:rPr/>
+              <a:t> </a:t>
+            </a:r>
+            <a:r>
+              <a:rPr/>
+              <a:t>used</a:t>
+            </a:r>
+            <a:r>
+              <a:rPr/>
+              <a:t> </a:t>
+            </a:r>
+            <a:r>
+              <a:rPr/>
+              <a:t>in</a:t>
+            </a:r>
+            <a:r>
+              <a:rPr/>
+              <a:t> </a:t>
+            </a:r>
+            <a:r>
+              <a:rPr/>
+              <a:t>visualization,</a:t>
+            </a:r>
+            <a:r>
+              <a:rPr/>
+              <a:t> </a:t>
+            </a:r>
+            <a:r>
+              <a:rPr/>
+              <a:t>but</a:t>
+            </a:r>
+            <a:r>
+              <a:rPr/>
+              <a:t> </a:t>
+            </a:r>
+            <a:r>
+              <a:rPr/>
+              <a:t>they</a:t>
+            </a:r>
+            <a:r>
+              <a:rPr/>
+              <a:t> </a:t>
+            </a:r>
+            <a:r>
+              <a:rPr/>
+              <a:t>violate</a:t>
+            </a:r>
+            <a:r>
+              <a:rPr/>
+              <a:t> </a:t>
+            </a:r>
+            <a:r>
+              <a:rPr/>
+              <a:t>the</a:t>
+            </a:r>
+            <a:r>
+              <a:rPr/>
+              <a:t> </a:t>
+            </a:r>
+            <a:r>
+              <a:rPr/>
+              <a:t>Gestalt</a:t>
+            </a:r>
+            <a:r>
+              <a:rPr/>
+              <a:t> </a:t>
+            </a:r>
+            <a:r>
+              <a:rPr/>
+              <a:t>principle</a:t>
+            </a:r>
+            <a:r>
+              <a:rPr/>
+              <a:t> </a:t>
+            </a:r>
+            <a:r>
+              <a:rPr/>
+              <a:t>of</a:t>
+            </a:r>
+            <a:r>
+              <a:rPr/>
+              <a:t> </a:t>
+            </a:r>
+            <a:r>
+              <a:rPr/>
+              <a:t>proximity.</a:t>
+            </a:r>
+          </a:p>
+        </p:txBody>
+      </p:sp>
+      <p:sp>
+        <p:nvSpPr>
+          <p:cNvPr id="4" name="Slide Number Placeholder 3"/>
+          <p:cNvSpPr>
+            <a:spLocks noGrp="1"/>
+          </p:cNvSpPr>
+          <p:nvPr>
+            <p:ph type="sldNum" sz="quarter" idx="10"/>
+          </p:nvPr>
+        </p:nvSpPr>
+        <p:spPr/>
+        <p:txBody>
+          <a:bodyPr/>
+          <a:lstStyle/>
+          <a:p>
+            <a:fld id="{18BDFEC3-8487-43E8-A154-7C12CBC1FFF2}" type="slidenum">
+              <a:rPr lang="en-US"/>
+              <a:t>17</a:t>
             </a:fld>
             <a:endParaRPr lang="en-US"/>
           </a:p>
@@ -3670,6 +5467,150 @@
               <a:rPr/>
               <a:t>don’t.</a:t>
             </a:r>
+            <a:r>
+              <a:rPr/>
+              <a:t> </a:t>
+            </a:r>
+            <a:r>
+              <a:rPr/>
+              <a:t>In</a:t>
+            </a:r>
+            <a:r>
+              <a:rPr/>
+              <a:t> </a:t>
+            </a:r>
+            <a:r>
+              <a:rPr/>
+              <a:t>particular,</a:t>
+            </a:r>
+            <a:r>
+              <a:rPr/>
+              <a:t> </a:t>
+            </a:r>
+            <a:r>
+              <a:rPr/>
+              <a:t>the</a:t>
+            </a:r>
+            <a:r>
+              <a:rPr/>
+              <a:t> </a:t>
+            </a:r>
+            <a:r>
+              <a:rPr/>
+              <a:t>yellow</a:t>
+            </a:r>
+            <a:r>
+              <a:rPr/>
+              <a:t> </a:t>
+            </a:r>
+            <a:r>
+              <a:rPr/>
+              <a:t>is</a:t>
+            </a:r>
+            <a:r>
+              <a:rPr/>
+              <a:t> </a:t>
+            </a:r>
+            <a:r>
+              <a:rPr/>
+              <a:t>so</a:t>
+            </a:r>
+            <a:r>
+              <a:rPr/>
+              <a:t> </a:t>
+            </a:r>
+            <a:r>
+              <a:rPr/>
+              <a:t>bright</a:t>
+            </a:r>
+            <a:r>
+              <a:rPr/>
+              <a:t> </a:t>
+            </a:r>
+            <a:r>
+              <a:rPr/>
+              <a:t>that</a:t>
+            </a:r>
+            <a:r>
+              <a:rPr/>
+              <a:t> </a:t>
+            </a:r>
+            <a:r>
+              <a:rPr/>
+              <a:t>it</a:t>
+            </a:r>
+            <a:r>
+              <a:rPr/>
+              <a:t> </a:t>
+            </a:r>
+            <a:r>
+              <a:rPr/>
+              <a:t>tends</a:t>
+            </a:r>
+            <a:r>
+              <a:rPr/>
+              <a:t> </a:t>
+            </a:r>
+            <a:r>
+              <a:rPr/>
+              <a:t>to</a:t>
+            </a:r>
+            <a:r>
+              <a:rPr/>
+              <a:t> </a:t>
+            </a:r>
+            <a:r>
+              <a:rPr/>
+              <a:t>get</a:t>
+            </a:r>
+            <a:r>
+              <a:rPr/>
+              <a:t> </a:t>
+            </a:r>
+            <a:r>
+              <a:rPr/>
+              <a:t>lost</a:t>
+            </a:r>
+            <a:r>
+              <a:rPr/>
+              <a:t> </a:t>
+            </a:r>
+            <a:r>
+              <a:rPr/>
+              <a:t>against</a:t>
+            </a:r>
+            <a:r>
+              <a:rPr/>
+              <a:t> </a:t>
+            </a:r>
+            <a:r>
+              <a:rPr/>
+              <a:t>a</a:t>
+            </a:r>
+            <a:r>
+              <a:rPr/>
+              <a:t> </a:t>
+            </a:r>
+            <a:r>
+              <a:rPr/>
+              <a:t>light</a:t>
+            </a:r>
+            <a:r>
+              <a:rPr/>
+              <a:t> </a:t>
+            </a:r>
+            <a:r>
+              <a:rPr/>
+              <a:t>gray</a:t>
+            </a:r>
+            <a:r>
+              <a:rPr/>
+              <a:t> </a:t>
+            </a:r>
+            <a:r>
+              <a:rPr/>
+              <a:t>background.</a:t>
+            </a:r>
           </a:p>
         </p:txBody>
       </p:sp>
@@ -3758,7 +5699,7 @@
             </a:r>
             <a:r>
               <a:rPr/>
-              <a:t>provides</a:t>
+              <a:t>is</a:t>
             </a:r>
             <a:r>
               <a:rPr/>
@@ -3774,6 +5715,62 @@
             </a:r>
             <a:r>
               <a:rPr/>
+              <a:t>very</a:t>
+            </a:r>
+            <a:r>
+              <a:rPr/>
+              <a:t> </a:t>
+            </a:r>
+            <a:r>
+              <a:rPr/>
+              <a:t>powerful</a:t>
+            </a:r>
+            <a:r>
+              <a:rPr/>
+              <a:t> </a:t>
+            </a:r>
+            <a:r>
+              <a:rPr/>
+              <a:t>Gestalt</a:t>
+            </a:r>
+            <a:r>
+              <a:rPr/>
+              <a:t> </a:t>
+            </a:r>
+            <a:r>
+              <a:rPr/>
+              <a:t>principle.</a:t>
+            </a:r>
+            <a:r>
+              <a:rPr/>
+              <a:t> </a:t>
+            </a:r>
+            <a:r>
+              <a:rPr/>
+              <a:t>This</a:t>
+            </a:r>
+            <a:r>
+              <a:rPr/>
+              <a:t> </a:t>
+            </a:r>
+            <a:r>
+              <a:rPr/>
+              <a:t>graph</a:t>
+            </a:r>
+            <a:r>
+              <a:rPr/>
+              <a:t> </a:t>
+            </a:r>
+            <a:r>
+              <a:rPr/>
+              <a:t>shows</a:t>
+            </a:r>
+            <a:r>
+              <a:rPr/>
+              <a:t> </a:t>
+            </a:r>
+            <a:r>
+              <a:rPr/>
               <a:t>much</a:t>
             </a:r>
             <a:r>
@@ -3782,15 +5779,79 @@
             </a:r>
             <a:r>
               <a:rPr/>
-              <a:t>stronger</a:t>
-            </a:r>
-            <a:r>
-              <a:rPr/>
-              <a:t> </a:t>
-            </a:r>
-            <a:r>
-              <a:rPr/>
-              <a:t>sense</a:t>
+              <a:t>more</a:t>
+            </a:r>
+            <a:r>
+              <a:rPr/>
+              <a:t> </a:t>
+            </a:r>
+            <a:r>
+              <a:rPr/>
+              <a:t>than</a:t>
+            </a:r>
+            <a:r>
+              <a:rPr/>
+              <a:t> </a:t>
+            </a:r>
+            <a:r>
+              <a:rPr/>
+              <a:t>the</a:t>
+            </a:r>
+            <a:r>
+              <a:rPr/>
+              <a:t> </a:t>
+            </a:r>
+            <a:r>
+              <a:rPr/>
+              <a:t>others</a:t>
+            </a:r>
+            <a:r>
+              <a:rPr/>
+              <a:t> </a:t>
+            </a:r>
+            <a:r>
+              <a:rPr/>
+              <a:t>that</a:t>
+            </a:r>
+            <a:r>
+              <a:rPr/>
+              <a:t> </a:t>
+            </a:r>
+            <a:r>
+              <a:rPr/>
+              <a:t>there</a:t>
+            </a:r>
+            <a:r>
+              <a:rPr/>
+              <a:t> </a:t>
+            </a:r>
+            <a:r>
+              <a:rPr/>
+              <a:t>are</a:t>
+            </a:r>
+            <a:r>
+              <a:rPr/>
+              <a:t> </a:t>
+            </a:r>
+            <a:r>
+              <a:rPr/>
+              <a:t>three</a:t>
+            </a:r>
+            <a:r>
+              <a:rPr/>
+              <a:t> </a:t>
+            </a:r>
+            <a:r>
+              <a:rPr/>
+              <a:t>distinct</a:t>
+            </a:r>
+            <a:r>
+              <a:rPr/>
+              <a:t> </a:t>
+            </a:r>
+            <a:r>
+              <a:rPr/>
+              <a:t>sets</a:t>
             </a:r>
             <a:r>
               <a:rPr/>
@@ -3806,23 +5867,47 @@
             </a:r>
             <a:r>
               <a:rPr/>
-              <a:t>gestalt</a:t>
-            </a:r>
-            <a:r>
-              <a:rPr/>
-              <a:t> </a:t>
-            </a:r>
-            <a:r>
-              <a:rPr/>
-              <a:t>than</a:t>
-            </a:r>
-            <a:r>
-              <a:rPr/>
-              <a:t> </a:t>
-            </a:r>
-            <a:r>
-              <a:rPr/>
-              <a:t>similarity.</a:t>
+              <a:t>points</a:t>
+            </a:r>
+            <a:r>
+              <a:rPr/>
+              <a:t> </a:t>
+            </a:r>
+            <a:r>
+              <a:rPr/>
+              <a:t>corresponding</a:t>
+            </a:r>
+            <a:r>
+              <a:rPr/>
+              <a:t> </a:t>
+            </a:r>
+            <a:r>
+              <a:rPr/>
+              <a:t>to</a:t>
+            </a:r>
+            <a:r>
+              <a:rPr/>
+              <a:t> </a:t>
+            </a:r>
+            <a:r>
+              <a:rPr/>
+              <a:t>the</a:t>
+            </a:r>
+            <a:r>
+              <a:rPr/>
+              <a:t> </a:t>
+            </a:r>
+            <a:r>
+              <a:rPr/>
+              <a:t>three</a:t>
+            </a:r>
+            <a:r>
+              <a:rPr/>
+              <a:t> </a:t>
+            </a:r>
+            <a:r>
+              <a:rPr/>
+              <a:t>subjects.</a:t>
             </a:r>
           </a:p>
         </p:txBody>
@@ -3904,15 +5989,71 @@
             </a:pPr>
             <a:r>
               <a:rPr/>
-              <a:t>By</a:t>
-            </a:r>
-            <a:r>
-              <a:rPr/>
-              <a:t> </a:t>
-            </a:r>
-            <a:r>
-              <a:rPr/>
-              <a:t>putting</a:t>
+              <a:t>Legends</a:t>
+            </a:r>
+            <a:r>
+              <a:rPr/>
+              <a:t> </a:t>
+            </a:r>
+            <a:r>
+              <a:rPr/>
+              <a:t>are</a:t>
+            </a:r>
+            <a:r>
+              <a:rPr/>
+              <a:t> </a:t>
+            </a:r>
+            <a:r>
+              <a:rPr/>
+              <a:t>very</a:t>
+            </a:r>
+            <a:r>
+              <a:rPr/>
+              <a:t> </a:t>
+            </a:r>
+            <a:r>
+              <a:rPr/>
+              <a:t>common</a:t>
+            </a:r>
+            <a:r>
+              <a:rPr/>
+              <a:t> </a:t>
+            </a:r>
+            <a:r>
+              <a:rPr/>
+              <a:t>in</a:t>
+            </a:r>
+            <a:r>
+              <a:rPr/>
+              <a:t> </a:t>
+            </a:r>
+            <a:r>
+              <a:rPr/>
+              <a:t>visualization,</a:t>
+            </a:r>
+            <a:r>
+              <a:rPr/>
+              <a:t> </a:t>
+            </a:r>
+            <a:r>
+              <a:rPr/>
+              <a:t>but</a:t>
+            </a:r>
+            <a:r>
+              <a:rPr/>
+              <a:t> </a:t>
+            </a:r>
+            <a:r>
+              <a:rPr/>
+              <a:t>they</a:t>
+            </a:r>
+            <a:r>
+              <a:rPr/>
+              <a:t> </a:t>
+            </a:r>
+            <a:r>
+              <a:rPr/>
+              <a:t>violate</a:t>
             </a:r>
             <a:r>
               <a:rPr/>
@@ -3928,23 +6069,111 @@
             </a:r>
             <a:r>
               <a:rPr/>
-              <a:t>labels</a:t>
-            </a:r>
-            <a:r>
-              <a:rPr/>
-              <a:t> </a:t>
-            </a:r>
-            <a:r>
-              <a:rPr/>
-              <a:t>directly</a:t>
-            </a:r>
-            <a:r>
-              <a:rPr/>
-              <a:t> </a:t>
-            </a:r>
-            <a:r>
-              <a:rPr/>
-              <a:t>on</a:t>
+              <a:t>rule</a:t>
+            </a:r>
+            <a:r>
+              <a:rPr/>
+              <a:t> </a:t>
+            </a:r>
+            <a:r>
+              <a:rPr/>
+              <a:t>of</a:t>
+            </a:r>
+            <a:r>
+              <a:rPr/>
+              <a:t> </a:t>
+            </a:r>
+            <a:r>
+              <a:rPr/>
+              <a:t>proximity.</a:t>
+            </a:r>
+            <a:r>
+              <a:rPr/>
+              <a:t> </a:t>
+            </a:r>
+            <a:r>
+              <a:rPr/>
+              <a:t>A</a:t>
+            </a:r>
+            <a:r>
+              <a:rPr/>
+              <a:t> </a:t>
+            </a:r>
+            <a:r>
+              <a:rPr/>
+              <a:t>legend</a:t>
+            </a:r>
+            <a:r>
+              <a:rPr/>
+              <a:t> </a:t>
+            </a:r>
+            <a:r>
+              <a:rPr/>
+              <a:t>forces</a:t>
+            </a:r>
+            <a:r>
+              <a:rPr/>
+              <a:t> </a:t>
+            </a:r>
+            <a:r>
+              <a:rPr/>
+              <a:t>your</a:t>
+            </a:r>
+            <a:r>
+              <a:rPr/>
+              <a:t> </a:t>
+            </a:r>
+            <a:r>
+              <a:rPr/>
+              <a:t>eye</a:t>
+            </a:r>
+            <a:r>
+              <a:rPr/>
+              <a:t> </a:t>
+            </a:r>
+            <a:r>
+              <a:rPr/>
+              <a:t>to</a:t>
+            </a:r>
+            <a:r>
+              <a:rPr/>
+              <a:t> </a:t>
+            </a:r>
+            <a:r>
+              <a:rPr/>
+              <a:t>go</a:t>
+            </a:r>
+            <a:r>
+              <a:rPr/>
+              <a:t> </a:t>
+            </a:r>
+            <a:r>
+              <a:rPr/>
+              <a:t>back</a:t>
+            </a:r>
+            <a:r>
+              <a:rPr/>
+              <a:t> </a:t>
+            </a:r>
+            <a:r>
+              <a:rPr/>
+              <a:t>and</a:t>
+            </a:r>
+            <a:r>
+              <a:rPr/>
+              <a:t> </a:t>
+            </a:r>
+            <a:r>
+              <a:rPr/>
+              <a:t>forth</a:t>
+            </a:r>
+            <a:r>
+              <a:rPr/>
+              <a:t> </a:t>
+            </a:r>
+            <a:r>
+              <a:rPr/>
+              <a:t>between</a:t>
             </a:r>
             <a:r>
               <a:rPr/>
@@ -3960,111 +6189,7 @@
             </a:r>
             <a:r>
               <a:rPr/>
-              <a:t>graph,</a:t>
-            </a:r>
-            <a:r>
-              <a:rPr/>
-              <a:t> </a:t>
-            </a:r>
-            <a:r>
-              <a:rPr/>
-              <a:t>you</a:t>
-            </a:r>
-            <a:r>
-              <a:rPr/>
-              <a:t> </a:t>
-            </a:r>
-            <a:r>
-              <a:rPr/>
-              <a:t>minimize</a:t>
-            </a:r>
-            <a:r>
-              <a:rPr/>
-              <a:t> </a:t>
-            </a:r>
-            <a:r>
-              <a:rPr/>
-              <a:t>the</a:t>
-            </a:r>
-            <a:r>
-              <a:rPr/>
-              <a:t> </a:t>
-            </a:r>
-            <a:r>
-              <a:rPr/>
-              <a:t>distance</a:t>
-            </a:r>
-            <a:r>
-              <a:rPr/>
-              <a:t> </a:t>
-            </a:r>
-            <a:r>
-              <a:rPr/>
-              <a:t>that</a:t>
-            </a:r>
-            <a:r>
-              <a:rPr/>
-              <a:t> </a:t>
-            </a:r>
-            <a:r>
-              <a:rPr/>
-              <a:t>your</a:t>
-            </a:r>
-            <a:r>
-              <a:rPr/>
-              <a:t> </a:t>
-            </a:r>
-            <a:r>
-              <a:rPr/>
-              <a:t>eye</a:t>
-            </a:r>
-            <a:r>
-              <a:rPr/>
-              <a:t> </a:t>
-            </a:r>
-            <a:r>
-              <a:rPr/>
-              <a:t>has</a:t>
-            </a:r>
-            <a:r>
-              <a:rPr/>
-              <a:t> </a:t>
-            </a:r>
-            <a:r>
-              <a:rPr/>
-              <a:t>to</a:t>
-            </a:r>
-            <a:r>
-              <a:rPr/>
-              <a:t> </a:t>
-            </a:r>
-            <a:r>
-              <a:rPr/>
-              <a:t>travel.</a:t>
-            </a:r>
-            <a:r>
-              <a:rPr/>
-              <a:t> </a:t>
-            </a:r>
-            <a:r>
-              <a:rPr/>
-              <a:t>No</a:t>
-            </a:r>
-            <a:r>
-              <a:rPr/>
-              <a:t> </a:t>
-            </a:r>
-            <a:r>
-              <a:rPr/>
-              <a:t>more</a:t>
-            </a:r>
-            <a:r>
-              <a:rPr/>
-              <a:t> </a:t>
-            </a:r>
-            <a:r>
-              <a:rPr/>
-              <a:t>back</a:t>
+              <a:t>graph</a:t>
             </a:r>
             <a:r>
               <a:rPr/>
@@ -4080,39 +6205,31 @@
             </a:r>
             <a:r>
               <a:rPr/>
-              <a:t>forth</a:t>
-            </a:r>
-            <a:r>
-              <a:rPr/>
-              <a:t> </a:t>
-            </a:r>
-            <a:r>
-              <a:rPr/>
-              <a:t>between</a:t>
-            </a:r>
-            <a:r>
-              <a:rPr/>
-              <a:t> </a:t>
-            </a:r>
-            <a:r>
-              <a:rPr/>
-              <a:t>the</a:t>
-            </a:r>
-            <a:r>
-              <a:rPr/>
-              <a:t> </a:t>
-            </a:r>
-            <a:r>
-              <a:rPr/>
-              <a:t>legend</a:t>
-            </a:r>
-            <a:r>
-              <a:rPr/>
-              <a:t> </a:t>
-            </a:r>
-            <a:r>
-              <a:rPr/>
-              <a:t>and</a:t>
+              <a:t>a</a:t>
+            </a:r>
+            <a:r>
+              <a:rPr/>
+              <a:t> </a:t>
+            </a:r>
+            <a:r>
+              <a:rPr/>
+              <a:t>location</a:t>
+            </a:r>
+            <a:r>
+              <a:rPr/>
+              <a:t> </a:t>
+            </a:r>
+            <a:r>
+              <a:rPr/>
+              <a:t>far</a:t>
+            </a:r>
+            <a:r>
+              <a:rPr/>
+              <a:t> </a:t>
+            </a:r>
+            <a:r>
+              <a:rPr/>
+              <a:t>outside</a:t>
             </a:r>
             <a:r>
               <a:rPr/>
@@ -4142,7 +6259,55 @@
             </a:pPr>
             <a:r>
               <a:rPr/>
-              <a:t>You</a:t>
+              <a:t>It</a:t>
+            </a:r>
+            <a:r>
+              <a:rPr/>
+              <a:t> </a:t>
+            </a:r>
+            <a:r>
+              <a:rPr/>
+              <a:t>takes</a:t>
+            </a:r>
+            <a:r>
+              <a:rPr/>
+              <a:t> </a:t>
+            </a:r>
+            <a:r>
+              <a:rPr/>
+              <a:t>some</a:t>
+            </a:r>
+            <a:r>
+              <a:rPr/>
+              <a:t> </a:t>
+            </a:r>
+            <a:r>
+              <a:rPr/>
+              <a:t>work,</a:t>
+            </a:r>
+            <a:r>
+              <a:rPr/>
+              <a:t> </a:t>
+            </a:r>
+            <a:r>
+              <a:rPr/>
+              <a:t>but</a:t>
+            </a:r>
+            <a:r>
+              <a:rPr/>
+              <a:t> </a:t>
+            </a:r>
+            <a:r>
+              <a:rPr/>
+              <a:t>if</a:t>
+            </a:r>
+            <a:r>
+              <a:rPr/>
+              <a:t> </a:t>
+            </a:r>
+            <a:r>
+              <a:rPr/>
+              <a:t>you</a:t>
             </a:r>
             <a:r>
               <a:rPr/>
@@ -4158,71 +6323,31 @@
             </a:r>
             <a:r>
               <a:rPr/>
-              <a:t>improve</a:t>
-            </a:r>
-            <a:r>
-              <a:rPr/>
-              <a:t> </a:t>
-            </a:r>
-            <a:r>
-              <a:rPr/>
-              <a:t>further</a:t>
-            </a:r>
-            <a:r>
-              <a:rPr/>
-              <a:t> </a:t>
-            </a:r>
-            <a:r>
-              <a:rPr/>
-              <a:t>on</a:t>
-            </a:r>
-            <a:r>
-              <a:rPr/>
-              <a:t> </a:t>
-            </a:r>
-            <a:r>
-              <a:rPr/>
-              <a:t>these</a:t>
-            </a:r>
-            <a:r>
-              <a:rPr/>
-              <a:t> </a:t>
-            </a:r>
-            <a:r>
-              <a:rPr/>
-              <a:t>labels.</a:t>
-            </a:r>
-            <a:r>
-              <a:rPr/>
-              <a:t> </a:t>
-            </a:r>
-            <a:r>
-              <a:rPr/>
-              <a:t>You</a:t>
-            </a:r>
-            <a:r>
-              <a:rPr/>
-              <a:t> </a:t>
-            </a:r>
-            <a:r>
-              <a:rPr/>
-              <a:t>might</a:t>
-            </a:r>
-            <a:r>
-              <a:rPr/>
-              <a:t> </a:t>
-            </a:r>
-            <a:r>
-              <a:rPr/>
-              <a:t>have</a:t>
-            </a:r>
-            <a:r>
-              <a:rPr/>
-              <a:t> </a:t>
-            </a:r>
-            <a:r>
-              <a:rPr/>
-              <a:t>had</a:t>
+              <a:t>identify</a:t>
+            </a:r>
+            <a:r>
+              <a:rPr/>
+              <a:t> </a:t>
+            </a:r>
+            <a:r>
+              <a:rPr/>
+              <a:t>groups</a:t>
+            </a:r>
+            <a:r>
+              <a:rPr/>
+              <a:t> </a:t>
+            </a:r>
+            <a:r>
+              <a:rPr/>
+              <a:t>properly</a:t>
+            </a:r>
+            <a:r>
+              <a:rPr/>
+              <a:t> </a:t>
+            </a:r>
+            <a:r>
+              <a:rPr/>
+              <a:t>without</a:t>
             </a:r>
             <a:r>
               <a:rPr/>
@@ -4238,31 +6363,7 @@
             </a:r>
             <a:r>
               <a:rPr/>
-              <a:t>moment</a:t>
-            </a:r>
-            <a:r>
-              <a:rPr/>
-              <a:t> </a:t>
-            </a:r>
-            <a:r>
-              <a:rPr/>
-              <a:t>of</a:t>
-            </a:r>
-            <a:r>
-              <a:rPr/>
-              <a:t> </a:t>
-            </a:r>
-            <a:r>
-              <a:rPr/>
-              <a:t>hesitation</a:t>
-            </a:r>
-            <a:r>
-              <a:rPr/>
-              <a:t> </a:t>
-            </a:r>
-            <a:r>
-              <a:rPr/>
-              <a:t>when</a:t>
+              <a:t>legend,</a:t>
             </a:r>
             <a:r>
               <a:rPr/>
@@ -4278,279 +6379,63 @@
             </a:r>
             <a:r>
               <a:rPr/>
-              <a:t>saw</a:t>
-            </a:r>
-            <a:r>
-              <a:rPr/>
-              <a:t> </a:t>
-            </a:r>
-            <a:r>
-              <a:rPr/>
-              <a:t>the</a:t>
-            </a:r>
-            <a:r>
-              <a:rPr/>
-              <a:t> </a:t>
-            </a:r>
-            <a:r>
-              <a:rPr/>
-              <a:t>label</a:t>
-            </a:r>
-            <a:r>
-              <a:rPr/>
-              <a:t> </a:t>
-            </a:r>
-            <a:r>
-              <a:rPr/>
-              <a:t>for</a:t>
-            </a:r>
-            <a:r>
-              <a:rPr/>
-              <a:t> </a:t>
-            </a:r>
-            <a:r>
-              <a:rPr/>
-              <a:t>Abel.</a:t>
-            </a:r>
-            <a:r>
-              <a:rPr/>
-              <a:t> </a:t>
-            </a:r>
-            <a:r>
-              <a:rPr/>
-              <a:t>Does</a:t>
-            </a:r>
-            <a:r>
-              <a:rPr/>
-              <a:t> </a:t>
-            </a:r>
-            <a:r>
-              <a:rPr/>
-              <a:t>it</a:t>
-            </a:r>
-            <a:r>
-              <a:rPr/>
-              <a:t> </a:t>
-            </a:r>
-            <a:r>
-              <a:rPr/>
-              <a:t>belong</a:t>
-            </a:r>
-            <a:r>
-              <a:rPr/>
-              <a:t> </a:t>
-            </a:r>
-            <a:r>
-              <a:rPr/>
-              <a:t>with</a:t>
-            </a:r>
-            <a:r>
-              <a:rPr/>
-              <a:t> </a:t>
-            </a:r>
-            <a:r>
-              <a:rPr/>
-              <a:t>the</a:t>
-            </a:r>
-            <a:r>
-              <a:rPr/>
-              <a:t> </a:t>
-            </a:r>
-            <a:r>
-              <a:rPr/>
-              <a:t>line</a:t>
-            </a:r>
-            <a:r>
-              <a:rPr/>
-              <a:t> </a:t>
-            </a:r>
-            <a:r>
-              <a:rPr/>
-              <a:t>just</a:t>
-            </a:r>
-            <a:r>
-              <a:rPr/>
-              <a:t> </a:t>
-            </a:r>
-            <a:r>
-              <a:rPr/>
-              <a:t>above</a:t>
-            </a:r>
-            <a:r>
-              <a:rPr/>
-              <a:t> </a:t>
-            </a:r>
-            <a:r>
-              <a:rPr/>
-              <a:t>or</a:t>
-            </a:r>
-            <a:r>
-              <a:rPr/>
-              <a:t> </a:t>
-            </a:r>
-            <a:r>
-              <a:rPr/>
-              <a:t>the</a:t>
-            </a:r>
-            <a:r>
-              <a:rPr/>
-              <a:t> </a:t>
-            </a:r>
-            <a:r>
-              <a:rPr/>
-              <a:t>line</a:t>
-            </a:r>
-            <a:r>
-              <a:rPr/>
-              <a:t> </a:t>
-            </a:r>
-            <a:r>
-              <a:rPr/>
-              <a:t>just</a:t>
-            </a:r>
-            <a:r>
-              <a:rPr/>
-              <a:t> </a:t>
-            </a:r>
-            <a:r>
-              <a:rPr/>
-              <a:t>below.</a:t>
-            </a:r>
-            <a:r>
-              <a:rPr/>
-              <a:t> </a:t>
-            </a:r>
-            <a:r>
-              <a:rPr/>
-              <a:t>It</a:t>
-            </a:r>
-            <a:r>
-              <a:rPr/>
-              <a:t> </a:t>
-            </a:r>
-            <a:r>
-              <a:rPr/>
-              <a:t>only</a:t>
-            </a:r>
-            <a:r>
-              <a:rPr/>
-              <a:t> </a:t>
-            </a:r>
-            <a:r>
-              <a:rPr/>
-              <a:t>slows</a:t>
-            </a:r>
-            <a:r>
-              <a:rPr/>
-              <a:t> </a:t>
-            </a:r>
-            <a:r>
-              <a:rPr/>
-              <a:t>you</a:t>
-            </a:r>
-            <a:r>
-              <a:rPr/>
-              <a:t> </a:t>
-            </a:r>
-            <a:r>
-              <a:rPr/>
-              <a:t>down</a:t>
-            </a:r>
-            <a:r>
-              <a:rPr/>
-              <a:t> </a:t>
-            </a:r>
-            <a:r>
-              <a:rPr/>
-              <a:t>for</a:t>
-            </a:r>
-            <a:r>
-              <a:rPr/>
-              <a:t> </a:t>
-            </a:r>
-            <a:r>
-              <a:rPr/>
-              <a:t>a</a:t>
-            </a:r>
-            <a:r>
-              <a:rPr/>
-              <a:t> </a:t>
-            </a:r>
-            <a:r>
-              <a:rPr/>
-              <a:t>second,</a:t>
-            </a:r>
-            <a:r>
-              <a:rPr/>
-              <a:t> </a:t>
-            </a:r>
-            <a:r>
-              <a:rPr/>
-              <a:t>because</a:t>
-            </a:r>
-            <a:r>
-              <a:rPr/>
-              <a:t> </a:t>
-            </a:r>
-            <a:r>
-              <a:rPr/>
-              <a:t>by</a:t>
-            </a:r>
-            <a:r>
-              <a:rPr/>
-              <a:t> </a:t>
-            </a:r>
-            <a:r>
-              <a:rPr/>
-              <a:t>process</a:t>
-            </a:r>
-            <a:r>
-              <a:rPr/>
-              <a:t> </a:t>
-            </a:r>
-            <a:r>
-              <a:rPr/>
-              <a:t>of</a:t>
-            </a:r>
-            <a:r>
-              <a:rPr/>
-              <a:t> </a:t>
-            </a:r>
-            <a:r>
-              <a:rPr/>
-              <a:t>elimination,</a:t>
-            </a:r>
-            <a:r>
-              <a:rPr/>
-              <a:t> </a:t>
-            </a:r>
-            <a:r>
-              <a:rPr/>
-              <a:t>you</a:t>
-            </a:r>
-            <a:r>
-              <a:rPr/>
-              <a:t> </a:t>
-            </a:r>
-            <a:r>
-              <a:rPr/>
-              <a:t>can</a:t>
-            </a:r>
-            <a:r>
-              <a:rPr/>
-              <a:t> </a:t>
-            </a:r>
-            <a:r>
-              <a:rPr/>
-              <a:t>quickly</a:t>
-            </a:r>
-            <a:r>
-              <a:rPr/>
-              <a:t> </a:t>
-            </a:r>
-            <a:r>
-              <a:rPr/>
-              <a:t>decide</a:t>
+              <a:t>are</a:t>
+            </a:r>
+            <a:r>
+              <a:rPr/>
+              <a:t> </a:t>
+            </a:r>
+            <a:r>
+              <a:rPr/>
+              <a:t>much</a:t>
+            </a:r>
+            <a:r>
+              <a:rPr/>
+              <a:t> </a:t>
+            </a:r>
+            <a:r>
+              <a:rPr/>
+              <a:t>better</a:t>
+            </a:r>
+            <a:r>
+              <a:rPr/>
+              <a:t> </a:t>
+            </a:r>
+            <a:r>
+              <a:rPr/>
+              <a:t>off.</a:t>
+            </a:r>
+            <a:r>
+              <a:rPr/>
+              <a:t> </a:t>
+            </a:r>
+            <a:r>
+              <a:rPr/>
+              <a:t>There</a:t>
+            </a:r>
+            <a:r>
+              <a:rPr/>
+              <a:t> </a:t>
+            </a:r>
+            <a:r>
+              <a:rPr/>
+              <a:t>are</a:t>
+            </a:r>
+            <a:r>
+              <a:rPr/>
+              <a:t> </a:t>
+            </a:r>
+            <a:r>
+              <a:rPr/>
+              <a:t>several</a:t>
+            </a:r>
+            <a:r>
+              <a:rPr/>
+              <a:t> </a:t>
+            </a:r>
+            <a:r>
+              <a:rPr/>
+              <a:t>strategies</a:t>
             </a:r>
             <a:r>
               <a:rPr/>
@@ -4566,63 +6451,23 @@
             </a:r>
             <a:r>
               <a:rPr/>
-              <a:t>it</a:t>
-            </a:r>
-            <a:r>
-              <a:rPr/>
-              <a:t> </a:t>
-            </a:r>
-            <a:r>
-              <a:rPr/>
-              <a:t>belongs</a:t>
-            </a:r>
-            <a:r>
-              <a:rPr/>
-              <a:t> </a:t>
-            </a:r>
-            <a:r>
-              <a:rPr/>
-              <a:t>with</a:t>
-            </a:r>
-            <a:r>
-              <a:rPr/>
-              <a:t> </a:t>
-            </a:r>
-            <a:r>
-              <a:rPr/>
-              <a:t>the</a:t>
-            </a:r>
-            <a:r>
-              <a:rPr/>
-              <a:t> </a:t>
-            </a:r>
-            <a:r>
-              <a:rPr/>
-              <a:t>line</a:t>
-            </a:r>
-            <a:r>
-              <a:rPr/>
-              <a:t> </a:t>
-            </a:r>
-            <a:r>
-              <a:rPr/>
-              <a:t>just</a:t>
-            </a:r>
-            <a:r>
-              <a:rPr/>
-              <a:t> </a:t>
-            </a:r>
-            <a:r>
-              <a:rPr/>
-              <a:t>below</a:t>
-            </a:r>
-            <a:r>
-              <a:rPr/>
-              <a:t> </a:t>
-            </a:r>
-            <a:r>
-              <a:rPr/>
-              <a:t>it.</a:t>
+              <a:t>could</a:t>
+            </a:r>
+            <a:r>
+              <a:rPr/>
+              <a:t> </a:t>
+            </a:r>
+            <a:r>
+              <a:rPr/>
+              <a:t>help</a:t>
+            </a:r>
+            <a:r>
+              <a:rPr/>
+              <a:t> </a:t>
+            </a:r>
+            <a:r>
+              <a:rPr/>
+              <a:t>here.</a:t>
             </a:r>
           </a:p>
           <a:p>
@@ -4636,95 +6481,207 @@
             </a:pPr>
             <a:r>
               <a:rPr/>
-              <a:t>But</a:t>
-            </a:r>
-            <a:r>
-              <a:rPr/>
-              <a:t> </a:t>
-            </a:r>
-            <a:r>
-              <a:rPr/>
-              <a:t>you</a:t>
-            </a:r>
-            <a:r>
-              <a:rPr/>
-              <a:t> </a:t>
-            </a:r>
-            <a:r>
-              <a:rPr/>
-              <a:t>can</a:t>
-            </a:r>
-            <a:r>
-              <a:rPr/>
-              <a:t> </a:t>
-            </a:r>
-            <a:r>
-              <a:rPr/>
-              <a:t>improve</a:t>
-            </a:r>
-            <a:r>
-              <a:rPr/>
-              <a:t> </a:t>
-            </a:r>
-            <a:r>
-              <a:rPr/>
-              <a:t>the</a:t>
-            </a:r>
-            <a:r>
-              <a:rPr/>
-              <a:t> </a:t>
-            </a:r>
-            <a:r>
-              <a:rPr/>
-              <a:t>sense</a:t>
-            </a:r>
-            <a:r>
-              <a:rPr/>
-              <a:t> </a:t>
-            </a:r>
-            <a:r>
-              <a:rPr/>
-              <a:t>of</a:t>
-            </a:r>
-            <a:r>
-              <a:rPr/>
-              <a:t> </a:t>
-            </a:r>
-            <a:r>
-              <a:rPr/>
-              <a:t>belongingness</a:t>
-            </a:r>
-            <a:r>
-              <a:rPr/>
-              <a:t> </a:t>
-            </a:r>
-            <a:r>
-              <a:rPr/>
-              <a:t>by</a:t>
-            </a:r>
-            <a:r>
-              <a:rPr/>
-              <a:t> </a:t>
-            </a:r>
-            <a:r>
-              <a:rPr/>
-              <a:t>using</a:t>
-            </a:r>
-            <a:r>
-              <a:rPr/>
-              <a:t> </a:t>
-            </a:r>
-            <a:r>
-              <a:rPr/>
-              <a:t>some</a:t>
-            </a:r>
-            <a:r>
-              <a:rPr/>
-              <a:t> </a:t>
-            </a:r>
-            <a:r>
-              <a:rPr/>
-              <a:t>of</a:t>
+              <a:t>Certain</a:t>
+            </a:r>
+            <a:r>
+              <a:rPr/>
+              <a:t> </a:t>
+            </a:r>
+            <a:r>
+              <a:rPr/>
+              <a:t>letter</a:t>
+            </a:r>
+            <a:r>
+              <a:rPr/>
+              <a:t> </a:t>
+            </a:r>
+            <a:r>
+              <a:rPr/>
+              <a:t>codes</a:t>
+            </a:r>
+            <a:r>
+              <a:rPr/>
+              <a:t> </a:t>
+            </a:r>
+            <a:r>
+              <a:rPr/>
+              <a:t>are</a:t>
+            </a:r>
+            <a:r>
+              <a:rPr/>
+              <a:t> </a:t>
+            </a:r>
+            <a:r>
+              <a:rPr/>
+              <a:t>expected</a:t>
+            </a:r>
+            <a:r>
+              <a:rPr/>
+              <a:t> </a:t>
+            </a:r>
+            <a:r>
+              <a:rPr/>
+              <a:t>and</a:t>
+            </a:r>
+            <a:r>
+              <a:rPr/>
+              <a:t> </a:t>
+            </a:r>
+            <a:r>
+              <a:rPr/>
+              <a:t>almost</a:t>
+            </a:r>
+            <a:r>
+              <a:rPr/>
+              <a:t> </a:t>
+            </a:r>
+            <a:r>
+              <a:rPr/>
+              <a:t>second-nature</a:t>
+            </a:r>
+            <a:r>
+              <a:rPr/>
+              <a:t> </a:t>
+            </a:r>
+            <a:r>
+              <a:rPr/>
+              <a:t>for</a:t>
+            </a:r>
+            <a:r>
+              <a:rPr/>
+              <a:t> </a:t>
+            </a:r>
+            <a:r>
+              <a:rPr/>
+              <a:t>visualizations.</a:t>
+            </a:r>
+            <a:r>
+              <a:rPr/>
+              <a:t> </a:t>
+            </a:r>
+            <a:r>
+              <a:rPr/>
+              <a:t>The</a:t>
+            </a:r>
+            <a:r>
+              <a:rPr/>
+              <a:t> </a:t>
+            </a:r>
+            <a:r>
+              <a:rPr/>
+              <a:t>letters</a:t>
+            </a:r>
+            <a:r>
+              <a:rPr/>
+              <a:t> </a:t>
+            </a:r>
+            <a:r>
+              <a:rPr/>
+              <a:t>M</a:t>
+            </a:r>
+            <a:r>
+              <a:rPr/>
+              <a:t> </a:t>
+            </a:r>
+            <a:r>
+              <a:rPr/>
+              <a:t>and</a:t>
+            </a:r>
+            <a:r>
+              <a:rPr/>
+              <a:t> </a:t>
+            </a:r>
+            <a:r>
+              <a:rPr/>
+              <a:t>F</a:t>
+            </a:r>
+            <a:r>
+              <a:rPr/>
+              <a:t> </a:t>
+            </a:r>
+            <a:r>
+              <a:rPr/>
+              <a:t>are</a:t>
+            </a:r>
+            <a:r>
+              <a:rPr/>
+              <a:t> </a:t>
+            </a:r>
+            <a:r>
+              <a:rPr/>
+              <a:t>commonly</a:t>
+            </a:r>
+            <a:r>
+              <a:rPr/>
+              <a:t> </a:t>
+            </a:r>
+            <a:r>
+              <a:rPr/>
+              <a:t>understood</a:t>
+            </a:r>
+            <a:r>
+              <a:rPr/>
+              <a:t> </a:t>
+            </a:r>
+            <a:r>
+              <a:rPr/>
+              <a:t>to</a:t>
+            </a:r>
+            <a:r>
+              <a:rPr/>
+              <a:t> </a:t>
+            </a:r>
+            <a:r>
+              <a:rPr/>
+              <a:t>represent</a:t>
+            </a:r>
+            <a:r>
+              <a:rPr/>
+              <a:t> </a:t>
+            </a:r>
+            <a:r>
+              <a:rPr/>
+              <a:t>male</a:t>
+            </a:r>
+            <a:r>
+              <a:rPr/>
+              <a:t> </a:t>
+            </a:r>
+            <a:r>
+              <a:rPr/>
+              <a:t>and</a:t>
+            </a:r>
+            <a:r>
+              <a:rPr/>
+              <a:t> </a:t>
+            </a:r>
+            <a:r>
+              <a:rPr/>
+              <a:t>female,</a:t>
+            </a:r>
+            <a:r>
+              <a:rPr/>
+              <a:t> </a:t>
+            </a:r>
+            <a:r>
+              <a:rPr/>
+              <a:t>at</a:t>
+            </a:r>
+            <a:r>
+              <a:rPr/>
+              <a:t> </a:t>
+            </a:r>
+            <a:r>
+              <a:rPr/>
+              <a:t>least</a:t>
+            </a:r>
+            <a:r>
+              <a:rPr/>
+              <a:t> </a:t>
+            </a:r>
+            <a:r>
+              <a:rPr/>
+              <a:t>among</a:t>
             </a:r>
             <a:r>
               <a:rPr/>
@@ -4740,15 +6697,23 @@
             </a:r>
             <a:r>
               <a:rPr/>
-              <a:t>Gestalt</a:t>
-            </a:r>
-            <a:r>
-              <a:rPr/>
-              <a:t> </a:t>
-            </a:r>
-            <a:r>
-              <a:rPr/>
-              <a:t>principles.</a:t>
+              <a:t>English</a:t>
+            </a:r>
+            <a:r>
+              <a:rPr/>
+              <a:t> </a:t>
+            </a:r>
+            <a:r>
+              <a:rPr/>
+              <a:t>speaking</a:t>
+            </a:r>
+            <a:r>
+              <a:rPr/>
+              <a:t> </a:t>
+            </a:r>
+            <a:r>
+              <a:rPr/>
+              <a:t>audience.</a:t>
             </a:r>
           </a:p>
         </p:txBody>
@@ -4770,7 +6735,7 @@
           <a:p>
             <a:fld id="{18BDFEC3-8487-43E8-A154-7C12CBC1FFF2}" type="slidenum">
               <a:rPr lang="en-US"/>
-              <a:t>14</a:t>
+              <a:t>11</a:t>
             </a:fld>
             <a:endParaRPr lang="en-US"/>
           </a:p>
@@ -7930,15 +9895,7 @@
             </a:pPr>
             <a:r>
               <a:rPr/>
-              <a:t>Gestalt</a:t>
-            </a:r>
-            <a:r>
-              <a:rPr/>
-              <a:t> </a:t>
-            </a:r>
-            <a:r>
-              <a:rPr/>
-              <a:t>recommendations,</a:t>
+              <a:t>Gestalt,</a:t>
             </a:r>
             <a:r>
               <a:rPr/>
@@ -8081,24 +10038,59 @@
             </a:r>
           </a:p>
           <a:p>
+            <a:pPr lvl="1"/>
+            <a:r>
+              <a:rPr/>
+              <a:t>Use obvious letters, colors, codes for gender</a:t>
+            </a:r>
+          </a:p>
+          <a:p>
             <a:pPr lvl="2"/>
             <a:r>
               <a:rPr/>
-              <a:t>Use color cues, if possible</a:t>
+              <a:t>M and F</a:t>
             </a:r>
           </a:p>
           <a:p>
             <a:pPr lvl="2"/>
             <a:r>
               <a:rPr/>
-              <a:t>Replace with text labels on the graph</a:t>
+              <a:t>Blue and pink</a:t>
             </a:r>
           </a:p>
           <a:p>
             <a:pPr lvl="2"/>
             <a:r>
               <a:rPr/>
-              <a:t>Use letter codes</a:t>
+              <a:t>♂(\u2642) and ♀ (\u2640)</a:t>
+            </a:r>
+          </a:p>
+          <a:p>
+            <a:pPr lvl="1"/>
+            <a:r>
+              <a:rPr/>
+              <a:t>Other obvious codes</a:t>
+            </a:r>
+          </a:p>
+          <a:p>
+            <a:pPr lvl="2"/>
+            <a:r>
+              <a:rPr/>
+              <a:t>negative (-) and positive (+)</a:t>
+            </a:r>
+          </a:p>
+          <a:p>
+            <a:pPr lvl="2"/>
+            <a:r>
+              <a:rPr/>
+              <a:t>Green (go), yellow (caution), red (stop)</a:t>
+            </a:r>
+          </a:p>
+          <a:p>
+            <a:pPr lvl="2"/>
+            <a:r>
+              <a:rPr/>
+              <a:t>T for treatment, C for control</a:t>
             </a:r>
           </a:p>
         </p:txBody>
@@ -8153,44 +10145,73 @@
             </a:r>
             <a:r>
               <a:rPr/>
-              <a:t>Color</a:t>
-            </a:r>
-            <a:r>
-              <a:rPr/>
-              <a:t> </a:t>
-            </a:r>
-            <a:r>
-              <a:rPr/>
-              <a:t>cues</a:t>
+              <a:t>Repalce</a:t>
+            </a:r>
+            <a:r>
+              <a:rPr/>
+              <a:t> </a:t>
+            </a:r>
+            <a:r>
+              <a:rPr/>
+              <a:t>legend</a:t>
+            </a:r>
+            <a:r>
+              <a:rPr/>
+              <a:t> </a:t>
+            </a:r>
+            <a:r>
+              <a:rPr/>
+              <a:t>with</a:t>
+            </a:r>
+            <a:r>
+              <a:rPr/>
+              <a:t> </a:t>
+            </a:r>
+            <a:r>
+              <a:rPr/>
+              <a:t>text</a:t>
+            </a:r>
+            <a:r>
+              <a:rPr/>
+              <a:t> </a:t>
+            </a:r>
+            <a:r>
+              <a:rPr/>
+              <a:t>labels</a:t>
             </a:r>
           </a:p>
         </p:txBody>
       </p:sp>
-      <p:sp>
-        <p:nvSpPr>
-          <p:cNvPr id="3" name="Content Placeholder 2"/>
-          <p:cNvSpPr>
-            <a:spLocks noGrp="1"/>
-          </p:cNvSpPr>
-          <p:nvPr>
-            <p:ph idx="1"/>
-          </p:nvPr>
-        </p:nvSpPr>
-        <p:spPr/>
-        <p:txBody>
-          <a:bodyPr/>
-          <a:lstStyle/>
-          <a:p>
-            <a:pPr lvl="0" marL="0" indent="0">
-              <a:buNone/>
-            </a:pPr>
-            <a:r>
-              <a:rPr/>
-              <a:t>(Use color in legend names)</a:t>
-            </a:r>
-          </a:p>
-        </p:txBody>
-      </p:sp>
+      <p:pic>
+        <p:nvPicPr>
+          <p:cNvPr descr="../images/r/poor-text-labels.png" id="0" name="Picture 1"/>
+          <p:cNvPicPr>
+            <a:picLocks noGrp="1" noChangeAspect="1"/>
+          </p:cNvPicPr>
+          <p:nvPr/>
+        </p:nvPicPr>
+        <p:blipFill>
+          <a:blip r:embed="rId3"/>
+          <a:stretch>
+            <a:fillRect/>
+          </a:stretch>
+        </p:blipFill>
+        <p:spPr bwMode="auto">
+          <a:xfrm>
+            <a:off x="2311400" y="1600200"/>
+            <a:ext cx="4521200" cy="4521200"/>
+          </a:xfrm>
+          <a:prstGeom prst="rect">
+            <a:avLst/>
+          </a:prstGeom>
+          <a:noFill/>
+          <a:ln w="9525">
+            <a:noFill/>
+            <a:headEnd/>
+            <a:tailEnd/>
+          </a:ln>
+        </p:spPr>
+      </p:pic>
     </p:spTree>
   </p:cSld>
 </p:sld>
@@ -8241,44 +10262,49 @@
             </a:r>
             <a:r>
               <a:rPr/>
-              <a:t>Letter</a:t>
-            </a:r>
-            <a:r>
-              <a:rPr/>
-              <a:t> </a:t>
-            </a:r>
-            <a:r>
-              <a:rPr/>
-              <a:t>codes</a:t>
+              <a:t>text</a:t>
+            </a:r>
+            <a:r>
+              <a:rPr/>
+              <a:t> </a:t>
+            </a:r>
+            <a:r>
+              <a:rPr/>
+              <a:t>labels</a:t>
             </a:r>
           </a:p>
         </p:txBody>
       </p:sp>
-      <p:sp>
-        <p:nvSpPr>
-          <p:cNvPr id="3" name="Content Placeholder 2"/>
-          <p:cNvSpPr>
-            <a:spLocks noGrp="1"/>
-          </p:cNvSpPr>
-          <p:nvPr>
-            <p:ph idx="1"/>
-          </p:nvPr>
-        </p:nvSpPr>
-        <p:spPr/>
-        <p:txBody>
-          <a:bodyPr/>
-          <a:lstStyle/>
-          <a:p>
-            <a:pPr lvl="0" marL="0" indent="0">
-              <a:buNone/>
-            </a:pPr>
-            <a:r>
-              <a:rPr/>
-              <a:t>(Show text symbols A, B, and C)</a:t>
-            </a:r>
-          </a:p>
-        </p:txBody>
-      </p:sp>
+      <p:pic>
+        <p:nvPicPr>
+          <p:cNvPr descr="../images/r/better-text-labels.png" id="0" name="Picture 1"/>
+          <p:cNvPicPr>
+            <a:picLocks noGrp="1" noChangeAspect="1"/>
+          </p:cNvPicPr>
+          <p:nvPr/>
+        </p:nvPicPr>
+        <p:blipFill>
+          <a:blip r:embed="rId3"/>
+          <a:stretch>
+            <a:fillRect/>
+          </a:stretch>
+        </p:blipFill>
+        <p:spPr bwMode="auto">
+          <a:xfrm>
+            <a:off x="2311400" y="1600200"/>
+            <a:ext cx="4521200" cy="4521200"/>
+          </a:xfrm>
+          <a:prstGeom prst="rect">
+            <a:avLst/>
+          </a:prstGeom>
+          <a:noFill/>
+          <a:ln w="9525">
+            <a:noFill/>
+            <a:headEnd/>
+            <a:tailEnd/>
+          </a:ln>
+        </p:spPr>
+      </p:pic>
     </p:spTree>
   </p:cSld>
 </p:sld>
@@ -8321,30 +10347,70 @@
             </a:pPr>
             <a:r>
               <a:rPr/>
-              <a:t>Gestalt,</a:t>
-            </a:r>
-            <a:r>
-              <a:rPr/>
-              <a:t> </a:t>
-            </a:r>
-            <a:r>
-              <a:rPr/>
-              <a:t>text</a:t>
-            </a:r>
-            <a:r>
-              <a:rPr/>
-              <a:t> </a:t>
-            </a:r>
-            <a:r>
-              <a:rPr/>
-              <a:t>labels</a:t>
+              <a:t>What</a:t>
+            </a:r>
+            <a:r>
+              <a:rPr/>
+              <a:t> </a:t>
+            </a:r>
+            <a:r>
+              <a:rPr/>
+              <a:t>patterns</a:t>
+            </a:r>
+            <a:r>
+              <a:rPr/>
+              <a:t> </a:t>
+            </a:r>
+            <a:r>
+              <a:rPr/>
+              <a:t>do</a:t>
+            </a:r>
+            <a:r>
+              <a:rPr/>
+              <a:t> </a:t>
+            </a:r>
+            <a:r>
+              <a:rPr/>
+              <a:t>you</a:t>
+            </a:r>
+            <a:r>
+              <a:rPr/>
+              <a:t> </a:t>
+            </a:r>
+            <a:r>
+              <a:rPr/>
+              <a:t>see</a:t>
+            </a:r>
+            <a:r>
+              <a:rPr/>
+              <a:t> </a:t>
+            </a:r>
+            <a:r>
+              <a:rPr/>
+              <a:t>in</a:t>
+            </a:r>
+            <a:r>
+              <a:rPr/>
+              <a:t> </a:t>
+            </a:r>
+            <a:r>
+              <a:rPr/>
+              <a:t>this</a:t>
+            </a:r>
+            <a:r>
+              <a:rPr/>
+              <a:t> </a:t>
+            </a:r>
+            <a:r>
+              <a:rPr/>
+              <a:t>graph?</a:t>
             </a:r>
           </a:p>
         </p:txBody>
       </p:sp>
       <p:pic>
         <p:nvPicPr>
-          <p:cNvPr descr="../images/r/poor-text-labels.png" id="0" name="Picture 1"/>
+          <p:cNvPr descr="../images/r/what-message.png" id="0" name="Picture 1"/>
           <p:cNvPicPr>
             <a:picLocks noGrp="1" noChangeAspect="1"/>
           </p:cNvPicPr>
@@ -8422,22 +10488,30 @@
             </a:r>
             <a:r>
               <a:rPr/>
-              <a:t>text</a:t>
-            </a:r>
-            <a:r>
-              <a:rPr/>
-              <a:t> </a:t>
-            </a:r>
-            <a:r>
-              <a:rPr/>
-              <a:t>labels</a:t>
+              <a:t>Emphasis</a:t>
+            </a:r>
+            <a:r>
+              <a:rPr/>
+              <a:t> </a:t>
+            </a:r>
+            <a:r>
+              <a:rPr/>
+              <a:t>on</a:t>
+            </a:r>
+            <a:r>
+              <a:rPr/>
+              <a:t> </a:t>
+            </a:r>
+            <a:r>
+              <a:rPr/>
+              <a:t>Charlie</a:t>
             </a:r>
           </a:p>
         </p:txBody>
       </p:sp>
       <p:pic>
         <p:nvPicPr>
-          <p:cNvPr descr="../images/r/better-text-labels.png" id="0" name="Picture 1"/>
+          <p:cNvPr descr="../images/r/subject-emphasis.png" id="0" name="Picture 1"/>
           <p:cNvPicPr>
             <a:picLocks noGrp="1" noChangeAspect="1"/>
           </p:cNvPicPr>
@@ -8507,70 +10581,62 @@
             </a:pPr>
             <a:r>
               <a:rPr/>
-              <a:t>What</a:t>
-            </a:r>
-            <a:r>
-              <a:rPr/>
-              <a:t> </a:t>
-            </a:r>
-            <a:r>
-              <a:rPr/>
-              <a:t>patterns</a:t>
-            </a:r>
-            <a:r>
-              <a:rPr/>
-              <a:t> </a:t>
-            </a:r>
-            <a:r>
-              <a:rPr/>
-              <a:t>do</a:t>
-            </a:r>
-            <a:r>
-              <a:rPr/>
-              <a:t> </a:t>
-            </a:r>
-            <a:r>
-              <a:rPr/>
-              <a:t>you</a:t>
-            </a:r>
-            <a:r>
-              <a:rPr/>
-              <a:t> </a:t>
-            </a:r>
-            <a:r>
-              <a:rPr/>
-              <a:t>see</a:t>
-            </a:r>
-            <a:r>
-              <a:rPr/>
-              <a:t> </a:t>
-            </a:r>
-            <a:r>
-              <a:rPr/>
-              <a:t>in</a:t>
-            </a:r>
-            <a:r>
-              <a:rPr/>
-              <a:t> </a:t>
-            </a:r>
-            <a:r>
-              <a:rPr/>
-              <a:t>this</a:t>
-            </a:r>
-            <a:r>
-              <a:rPr/>
-              <a:t> </a:t>
-            </a:r>
-            <a:r>
-              <a:rPr/>
-              <a:t>graph?</a:t>
+              <a:t>Gestalt,</a:t>
+            </a:r>
+            <a:r>
+              <a:rPr/>
+              <a:t> </a:t>
+            </a:r>
+            <a:r>
+              <a:rPr/>
+              <a:t>Emphasis</a:t>
+            </a:r>
+            <a:r>
+              <a:rPr/>
+              <a:t> </a:t>
+            </a:r>
+            <a:r>
+              <a:rPr/>
+              <a:t>on</a:t>
+            </a:r>
+            <a:r>
+              <a:rPr/>
+              <a:t> </a:t>
+            </a:r>
+            <a:r>
+              <a:rPr/>
+              <a:t>exams</a:t>
+            </a:r>
+            <a:r>
+              <a:rPr/>
+              <a:t> </a:t>
+            </a:r>
+            <a:r>
+              <a:rPr/>
+              <a:t>3</a:t>
+            </a:r>
+            <a:r>
+              <a:rPr/>
+              <a:t> </a:t>
+            </a:r>
+            <a:r>
+              <a:rPr/>
+              <a:t>and</a:t>
+            </a:r>
+            <a:r>
+              <a:rPr/>
+              <a:t> </a:t>
+            </a:r>
+            <a:r>
+              <a:rPr/>
+              <a:t>4</a:t>
             </a:r>
           </a:p>
         </p:txBody>
       </p:sp>
       <p:pic>
         <p:nvPicPr>
-          <p:cNvPr descr="../images/r/what-message.png" id="0" name="Picture 1"/>
+          <p:cNvPr descr="../images/r/exam-emphasis.png" id="0" name="Picture 1"/>
           <p:cNvPicPr>
             <a:picLocks noGrp="1" noChangeAspect="1"/>
           </p:cNvPicPr>
@@ -8603,6 +10669,98 @@
 </p:sld>
 </file>
 
+<file path=ppt/slides/slide17.xml><?xml version="1.0" encoding="utf-8"?>
+<p:sld xmlns:a="http://schemas.openxmlformats.org/drawingml/2006/main" xmlns:r="http://schemas.openxmlformats.org/officeDocument/2006/relationships" xmlns:p="http://schemas.openxmlformats.org/presentationml/2006/main">
+  <p:cSld>
+    <p:spTree>
+      <p:nvGrpSpPr>
+        <p:cNvPr id="1" name=""/>
+        <p:cNvGrpSpPr/>
+        <p:nvPr/>
+      </p:nvGrpSpPr>
+      <p:grpSpPr>
+        <a:xfrm>
+          <a:off x="0" y="0"/>
+          <a:ext cx="0" cy="0"/>
+          <a:chOff x="0" y="0"/>
+          <a:chExt cx="0" cy="0"/>
+        </a:xfrm>
+      </p:grpSpPr>
+      <p:sp>
+        <p:nvSpPr>
+          <p:cNvPr id="2" name="Title 1"/>
+          <p:cNvSpPr>
+            <a:spLocks noGrp="1"/>
+          </p:cNvSpPr>
+          <p:nvPr>
+            <p:ph type="title"/>
+          </p:nvPr>
+        </p:nvSpPr>
+        <p:spPr/>
+        <p:txBody>
+          <a:bodyPr/>
+          <a:lstStyle/>
+          <a:p>
+            <a:pPr lvl="0" marL="0" indent="0">
+              <a:buNone/>
+            </a:pPr>
+            <a:r>
+              <a:rPr/>
+              <a:t>Gestalt,</a:t>
+            </a:r>
+            <a:r>
+              <a:rPr/>
+              <a:t> </a:t>
+            </a:r>
+            <a:r>
+              <a:rPr/>
+              <a:t>summary</a:t>
+            </a:r>
+          </a:p>
+        </p:txBody>
+      </p:sp>
+      <p:sp>
+        <p:nvSpPr>
+          <p:cNvPr id="3" name="Content Placeholder 2"/>
+          <p:cNvSpPr>
+            <a:spLocks noGrp="1"/>
+          </p:cNvSpPr>
+          <p:nvPr>
+            <p:ph idx="1"/>
+          </p:nvPr>
+        </p:nvSpPr>
+        <p:spPr/>
+        <p:txBody>
+          <a:bodyPr/>
+          <a:lstStyle/>
+          <a:p>
+            <a:pPr lvl="1"/>
+            <a:r>
+              <a:rPr/>
+              <a:t>Experiment with different principles</a:t>
+            </a:r>
+          </a:p>
+          <a:p>
+            <a:pPr lvl="1"/>
+            <a:r>
+              <a:rPr/>
+              <a:t>Replace legends with text labels</a:t>
+            </a:r>
+          </a:p>
+          <a:p>
+            <a:pPr lvl="1"/>
+            <a:r>
+              <a:rPr/>
+              <a:t>Emphasize what is important and de-emphasize what is not</a:t>
+            </a:r>
+          </a:p>
+        </p:txBody>
+      </p:sp>
+    </p:spTree>
+  </p:cSld>
+</p:sld>
+</file>
+
 <file path=ppt/slides/slide2.xml><?xml version="1.0" encoding="utf-8"?>
 <p:sld xmlns:a="http://schemas.openxmlformats.org/drawingml/2006/main" xmlns:r="http://schemas.openxmlformats.org/officeDocument/2006/relationships" xmlns:p="http://schemas.openxmlformats.org/presentationml/2006/main">
   <p:cSld>
@@ -8640,6 +10798,14 @@
             </a:pPr>
             <a:r>
               <a:rPr/>
+              <a:t>Gestalt,</a:t>
+            </a:r>
+            <a:r>
+              <a:rPr/>
+              <a:t> </a:t>
+            </a:r>
+            <a:r>
+              <a:rPr/>
               <a:t>Experiment</a:t>
             </a:r>
             <a:r>
@@ -8656,7 +10822,7 @@
             </a:r>
             <a:r>
               <a:rPr/>
-              <a:t>gestalt</a:t>
+              <a:t>perceptual</a:t>
             </a:r>
             <a:r>
               <a:rPr/>
@@ -8695,13 +10861,6 @@
             <a:r>
               <a:rPr/>
               <a:t>Different groupings lead to different messages</a:t>
-            </a:r>
-          </a:p>
-          <a:p>
-            <a:pPr lvl="1"/>
-            <a:r>
-              <a:rPr/>
-              <a:t>Limitations of high frequency data</a:t>
             </a:r>
           </a:p>
         </p:txBody>
@@ -8748,15 +10907,7 @@
             </a:pPr>
             <a:r>
               <a:rPr/>
-              <a:t>Gestalt</a:t>
-            </a:r>
-            <a:r>
-              <a:rPr/>
-              <a:t> </a:t>
-            </a:r>
-            <a:r>
-              <a:rPr/>
-              <a:t>recommendations,</a:t>
+              <a:t>Gestalt,</a:t>
             </a:r>
             <a:r>
               <a:rPr/>
@@ -8873,15 +11024,7 @@
             </a:pPr>
             <a:r>
               <a:rPr/>
-              <a:t>Gestalt</a:t>
-            </a:r>
-            <a:r>
-              <a:rPr/>
-              <a:t> </a:t>
-            </a:r>
-            <a:r>
-              <a:rPr/>
-              <a:t>recommendations,</a:t>
+              <a:t>Gestalt,</a:t>
             </a:r>
             <a:r>
               <a:rPr/>
@@ -8998,15 +11141,7 @@
             </a:pPr>
             <a:r>
               <a:rPr/>
-              <a:t>Gestalt</a:t>
-            </a:r>
-            <a:r>
-              <a:rPr/>
-              <a:t> </a:t>
-            </a:r>
-            <a:r>
-              <a:rPr/>
-              <a:t>recommendations,</a:t>
+              <a:t>Gestalt,</a:t>
             </a:r>
             <a:r>
               <a:rPr/>
@@ -9123,15 +11258,7 @@
             </a:pPr>
             <a:r>
               <a:rPr/>
-              <a:t>Gestalt</a:t>
-            </a:r>
-            <a:r>
-              <a:rPr/>
-              <a:t> </a:t>
-            </a:r>
-            <a:r>
-              <a:rPr/>
-              <a:t>recommendations,</a:t>
+              <a:t>Gestalt,</a:t>
             </a:r>
             <a:r>
               <a:rPr/>
@@ -9240,15 +11367,7 @@
             </a:pPr>
             <a:r>
               <a:rPr/>
-              <a:t>Gestalt</a:t>
-            </a:r>
-            <a:r>
-              <a:rPr/>
-              <a:t> </a:t>
-            </a:r>
-            <a:r>
-              <a:rPr/>
-              <a:t>recommendations,</a:t>
+              <a:t>Gestalt,</a:t>
             </a:r>
             <a:r>
               <a:rPr/>
@@ -9349,15 +11468,7 @@
             </a:pPr>
             <a:r>
               <a:rPr/>
-              <a:t>Gestalt</a:t>
-            </a:r>
-            <a:r>
-              <a:rPr/>
-              <a:t> </a:t>
-            </a:r>
-            <a:r>
-              <a:rPr/>
-              <a:t>recommendations,</a:t>
+              <a:t>Gestalt,</a:t>
             </a:r>
             <a:r>
               <a:rPr/>
@@ -9442,15 +11553,7 @@
             </a:pPr>
             <a:r>
               <a:rPr/>
-              <a:t>Gestalt</a:t>
-            </a:r>
-            <a:r>
-              <a:rPr/>
-              <a:t> </a:t>
-            </a:r>
-            <a:r>
-              <a:rPr/>
-              <a:t>recommendations,</a:t>
+              <a:t>Gestalt,</a:t>
             </a:r>
             <a:r>
               <a:rPr/>
